--- a/Apresentação do Software.pptx
+++ b/Apresentação do Software.pptx
@@ -221,7 +221,7 @@
           <a:p>
             <a:fld id="{EEAED818-CA08-445B-B6F4-93881D2CB114}" type="datetimeFigureOut">
               <a:rPr lang="pt-BR" smtClean="0"/>
-              <a:t>18/01/2023</a:t>
+              <a:t>11/10/2023</a:t>
             </a:fld>
             <a:endParaRPr lang="pt-BR"/>
           </a:p>
@@ -760,7 +760,7 @@
           <a:p>
             <a:fld id="{169ADEF8-A703-4D96-A5E2-F596190C1FDE}" type="datetimeFigureOut">
               <a:rPr lang="pt-BR" smtClean="0"/>
-              <a:t>18/01/2023</a:t>
+              <a:t>11/10/2023</a:t>
             </a:fld>
             <a:endParaRPr lang="pt-BR"/>
           </a:p>
@@ -1098,7 +1098,7 @@
           <a:p>
             <a:fld id="{169ADEF8-A703-4D96-A5E2-F596190C1FDE}" type="datetimeFigureOut">
               <a:rPr lang="pt-BR" smtClean="0"/>
-              <a:t>18/01/2023</a:t>
+              <a:t>11/10/2023</a:t>
             </a:fld>
             <a:endParaRPr lang="pt-BR"/>
           </a:p>
@@ -1499,7 +1499,7 @@
           <a:p>
             <a:fld id="{169ADEF8-A703-4D96-A5E2-F596190C1FDE}" type="datetimeFigureOut">
               <a:rPr lang="pt-BR" smtClean="0"/>
-              <a:t>18/01/2023</a:t>
+              <a:t>11/10/2023</a:t>
             </a:fld>
             <a:endParaRPr lang="pt-BR"/>
           </a:p>
@@ -1835,7 +1835,7 @@
           <a:p>
             <a:fld id="{169ADEF8-A703-4D96-A5E2-F596190C1FDE}" type="datetimeFigureOut">
               <a:rPr lang="pt-BR" smtClean="0"/>
-              <a:t>18/01/2023</a:t>
+              <a:t>11/10/2023</a:t>
             </a:fld>
             <a:endParaRPr lang="pt-BR"/>
           </a:p>
@@ -2155,7 +2155,7 @@
           <a:p>
             <a:fld id="{169ADEF8-A703-4D96-A5E2-F596190C1FDE}" type="datetimeFigureOut">
               <a:rPr lang="pt-BR" smtClean="0"/>
-              <a:t>18/01/2023</a:t>
+              <a:t>11/10/2023</a:t>
             </a:fld>
             <a:endParaRPr lang="pt-BR"/>
           </a:p>
@@ -2551,7 +2551,7 @@
           <a:p>
             <a:fld id="{169ADEF8-A703-4D96-A5E2-F596190C1FDE}" type="datetimeFigureOut">
               <a:rPr lang="pt-BR" smtClean="0"/>
-              <a:t>18/01/2023</a:t>
+              <a:t>11/10/2023</a:t>
             </a:fld>
             <a:endParaRPr lang="pt-BR"/>
           </a:p>
@@ -2808,7 +2808,7 @@
           <a:p>
             <a:fld id="{169ADEF8-A703-4D96-A5E2-F596190C1FDE}" type="datetimeFigureOut">
               <a:rPr lang="pt-BR" smtClean="0"/>
-              <a:t>18/01/2023</a:t>
+              <a:t>11/10/2023</a:t>
             </a:fld>
             <a:endParaRPr lang="pt-BR"/>
           </a:p>
@@ -3070,7 +3070,7 @@
           <a:p>
             <a:fld id="{169ADEF8-A703-4D96-A5E2-F596190C1FDE}" type="datetimeFigureOut">
               <a:rPr lang="pt-BR" smtClean="0"/>
-              <a:t>18/01/2023</a:t>
+              <a:t>11/10/2023</a:t>
             </a:fld>
             <a:endParaRPr lang="pt-BR"/>
           </a:p>
@@ -3332,7 +3332,7 @@
           <a:p>
             <a:fld id="{169ADEF8-A703-4D96-A5E2-F596190C1FDE}" type="datetimeFigureOut">
               <a:rPr lang="pt-BR" smtClean="0"/>
-              <a:t>18/01/2023</a:t>
+              <a:t>11/10/2023</a:t>
             </a:fld>
             <a:endParaRPr lang="pt-BR"/>
           </a:p>
@@ -3661,7 +3661,7 @@
           <a:p>
             <a:fld id="{169ADEF8-A703-4D96-A5E2-F596190C1FDE}" type="datetimeFigureOut">
               <a:rPr lang="pt-BR" smtClean="0"/>
-              <a:t>18/01/2023</a:t>
+              <a:t>11/10/2023</a:t>
             </a:fld>
             <a:endParaRPr lang="pt-BR"/>
           </a:p>
@@ -3984,7 +3984,7 @@
           <a:p>
             <a:fld id="{169ADEF8-A703-4D96-A5E2-F596190C1FDE}" type="datetimeFigureOut">
               <a:rPr lang="pt-BR" smtClean="0"/>
-              <a:t>18/01/2023</a:t>
+              <a:t>11/10/2023</a:t>
             </a:fld>
             <a:endParaRPr lang="pt-BR"/>
           </a:p>
@@ -4441,7 +4441,7 @@
           <a:p>
             <a:fld id="{169ADEF8-A703-4D96-A5E2-F596190C1FDE}" type="datetimeFigureOut">
               <a:rPr lang="pt-BR" smtClean="0"/>
-              <a:t>18/01/2023</a:t>
+              <a:t>11/10/2023</a:t>
             </a:fld>
             <a:endParaRPr lang="pt-BR"/>
           </a:p>
@@ -4646,7 +4646,7 @@
           <a:p>
             <a:fld id="{169ADEF8-A703-4D96-A5E2-F596190C1FDE}" type="datetimeFigureOut">
               <a:rPr lang="pt-BR" smtClean="0"/>
-              <a:t>18/01/2023</a:t>
+              <a:t>11/10/2023</a:t>
             </a:fld>
             <a:endParaRPr lang="pt-BR"/>
           </a:p>
@@ -4823,7 +4823,7 @@
           <a:p>
             <a:fld id="{169ADEF8-A703-4D96-A5E2-F596190C1FDE}" type="datetimeFigureOut">
               <a:rPr lang="pt-BR" smtClean="0"/>
-              <a:t>18/01/2023</a:t>
+              <a:t>11/10/2023</a:t>
             </a:fld>
             <a:endParaRPr lang="pt-BR"/>
           </a:p>
@@ -5156,7 +5156,7 @@
           <a:p>
             <a:fld id="{169ADEF8-A703-4D96-A5E2-F596190C1FDE}" type="datetimeFigureOut">
               <a:rPr lang="pt-BR" smtClean="0"/>
-              <a:t>18/01/2023</a:t>
+              <a:t>11/10/2023</a:t>
             </a:fld>
             <a:endParaRPr lang="pt-BR"/>
           </a:p>
@@ -5501,7 +5501,7 @@
           <a:p>
             <a:fld id="{169ADEF8-A703-4D96-A5E2-F596190C1FDE}" type="datetimeFigureOut">
               <a:rPr lang="pt-BR" smtClean="0"/>
-              <a:t>18/01/2023</a:t>
+              <a:t>11/10/2023</a:t>
             </a:fld>
             <a:endParaRPr lang="pt-BR"/>
           </a:p>
@@ -7618,7 +7618,7 @@
           <a:p>
             <a:fld id="{169ADEF8-A703-4D96-A5E2-F596190C1FDE}" type="datetimeFigureOut">
               <a:rPr lang="pt-BR" smtClean="0"/>
-              <a:t>18/01/2023</a:t>
+              <a:t>11/10/2023</a:t>
             </a:fld>
             <a:endParaRPr lang="pt-BR"/>
           </a:p>
@@ -9040,13 +9040,6 @@
       </p:transition>
     </mc:Fallback>
   </mc:AlternateContent>
-  <p:timing>
-    <p:tnLst>
-      <p:par>
-        <p:cTn id="1" dur="indefinite" restart="never" nodeType="tmRoot"/>
-      </p:par>
-    </p:tnLst>
-  </p:timing>
 </p:sld>
 </file>
 
@@ -9661,13 +9654,6 @@
   <p:transition spd="slow">
     <p:push dir="u"/>
   </p:transition>
-  <p:timing>
-    <p:tnLst>
-      <p:par>
-        <p:cTn id="1" dur="indefinite" restart="never" nodeType="tmRoot"/>
-      </p:par>
-    </p:tnLst>
-  </p:timing>
 </p:sld>
 </file>
 
@@ -9722,7 +9708,7 @@
                 <a16:creationId xmlns:a16="http://schemas.microsoft.com/office/drawing/2014/main" id="{26375DB7-E5A7-4C42-928A-49B0A08A3BE3}"/>
               </a:ext>
               <a:ext uri="{C183D7F6-B498-43B3-948B-1728B52AA6E4}">
-                <adec:decorative xmlns:adec="http://schemas.microsoft.com/office/drawing/2017/decorative" xmlns="" val="1"/>
+                <adec:decorative xmlns:adec="http://schemas.microsoft.com/office/drawing/2017/decorative" val="1"/>
               </a:ext>
             </a:extLst>
           </p:cNvPr>
@@ -9900,617 +9886,6 @@
           </a:p>
         </p:txBody>
       </p:sp>
-      <p:sp>
-        <p:nvSpPr>
-          <p:cNvPr id="9" name="Retângulo 8">
-            <a:extLst>
-              <a:ext uri="{FF2B5EF4-FFF2-40B4-BE49-F238E27FC236}">
-                <a16:creationId xmlns:a16="http://schemas.microsoft.com/office/drawing/2014/main" id="{8868F822-3739-F282-1C58-CD82F6AC095F}"/>
-              </a:ext>
-            </a:extLst>
-          </p:cNvPr>
-          <p:cNvSpPr/>
-          <p:nvPr/>
-        </p:nvSpPr>
-        <p:spPr>
-          <a:xfrm>
-            <a:off x="8021210" y="593734"/>
-            <a:ext cx="3735785" cy="5753799"/>
-          </a:xfrm>
-          <a:prstGeom prst="rect">
-            <a:avLst/>
-          </a:prstGeom>
-          <a:effectLst>
-            <a:innerShdw blurRad="63500" dist="50800" dir="2700000">
-              <a:prstClr val="black">
-                <a:alpha val="50000"/>
-              </a:prstClr>
-            </a:innerShdw>
-          </a:effectLst>
-        </p:spPr>
-        <p:style>
-          <a:lnRef idx="3">
-            <a:schemeClr val="lt1"/>
-          </a:lnRef>
-          <a:fillRef idx="1">
-            <a:schemeClr val="accent1"/>
-          </a:fillRef>
-          <a:effectRef idx="1">
-            <a:schemeClr val="accent1"/>
-          </a:effectRef>
-          <a:fontRef idx="minor">
-            <a:schemeClr val="lt1"/>
-          </a:fontRef>
-        </p:style>
-        <p:txBody>
-          <a:bodyPr rtlCol="0" anchor="ctr"/>
-          <a:lstStyle/>
-          <a:p>
-            <a:pPr algn="ctr"/>
-            <a:endParaRPr lang="pt-BR"/>
-          </a:p>
-        </p:txBody>
-      </p:sp>
-      <p:pic>
-        <p:nvPicPr>
-          <p:cNvPr id="6" name="Imagem 5">
-            <a:extLst>
-              <a:ext uri="{FF2B5EF4-FFF2-40B4-BE49-F238E27FC236}">
-                <a16:creationId xmlns:a16="http://schemas.microsoft.com/office/drawing/2014/main" id="{7DA51AD6-1C42-FAE8-2254-92114F90F2CE}"/>
-              </a:ext>
-            </a:extLst>
-          </p:cNvPr>
-          <p:cNvPicPr>
-            <a:picLocks noChangeAspect="1"/>
-          </p:cNvPicPr>
-          <p:nvPr/>
-        </p:nvPicPr>
-        <p:blipFill>
-          <a:blip r:embed="rId3"/>
-          <a:stretch>
-            <a:fillRect/>
-          </a:stretch>
-        </p:blipFill>
-        <p:spPr>
-          <a:xfrm>
-            <a:off x="8073498" y="643467"/>
-            <a:ext cx="3523698" cy="5571066"/>
-          </a:xfrm>
-          <a:prstGeom prst="rect">
-            <a:avLst/>
-          </a:prstGeom>
-        </p:spPr>
-      </p:pic>
-      <p:pic>
-        <p:nvPicPr>
-          <p:cNvPr id="26" name="Imagem 25">
-            <a:extLst>
-              <a:ext uri="{FF2B5EF4-FFF2-40B4-BE49-F238E27FC236}">
-                <a16:creationId xmlns:a16="http://schemas.microsoft.com/office/drawing/2014/main" id="{AE6985E7-2ABB-F05B-2C11-8C074B3E1F61}"/>
-              </a:ext>
-            </a:extLst>
-          </p:cNvPr>
-          <p:cNvPicPr>
-            <a:picLocks noChangeAspect="1"/>
-          </p:cNvPicPr>
-          <p:nvPr/>
-        </p:nvPicPr>
-        <p:blipFill>
-          <a:blip r:embed="rId4"/>
-          <a:stretch>
-            <a:fillRect/>
-          </a:stretch>
-        </p:blipFill>
-        <p:spPr>
-          <a:xfrm>
-            <a:off x="8073497" y="643467"/>
-            <a:ext cx="3511055" cy="5571066"/>
-          </a:xfrm>
-          <a:prstGeom prst="rect">
-            <a:avLst/>
-          </a:prstGeom>
-        </p:spPr>
-      </p:pic>
-      <p:sp>
-        <p:nvSpPr>
-          <p:cNvPr id="11" name="Retângulo 10">
-            <a:extLst>
-              <a:ext uri="{FF2B5EF4-FFF2-40B4-BE49-F238E27FC236}">
-                <a16:creationId xmlns:a16="http://schemas.microsoft.com/office/drawing/2014/main" id="{230B66B7-B55C-FBB7-09D7-FCD050C1569D}"/>
-              </a:ext>
-            </a:extLst>
-          </p:cNvPr>
-          <p:cNvSpPr/>
-          <p:nvPr/>
-        </p:nvSpPr>
-        <p:spPr>
-          <a:xfrm>
-            <a:off x="8132193" y="710214"/>
-            <a:ext cx="3396109" cy="4460622"/>
-          </a:xfrm>
-          <a:prstGeom prst="rect">
-            <a:avLst/>
-          </a:prstGeom>
-          <a:noFill/>
-          <a:ln w="57150" cap="flat" cmpd="sng" algn="ctr">
-            <a:solidFill>
-              <a:schemeClr val="accent3"/>
-            </a:solidFill>
-            <a:prstDash val="solid"/>
-            <a:round/>
-            <a:headEnd type="none" w="med" len="med"/>
-            <a:tailEnd type="none" w="med" len="med"/>
-          </a:ln>
-        </p:spPr>
-        <p:style>
-          <a:lnRef idx="0">
-            <a:scrgbClr r="0" g="0" b="0"/>
-          </a:lnRef>
-          <a:fillRef idx="0">
-            <a:scrgbClr r="0" g="0" b="0"/>
-          </a:fillRef>
-          <a:effectRef idx="0">
-            <a:scrgbClr r="0" g="0" b="0"/>
-          </a:effectRef>
-          <a:fontRef idx="minor">
-            <a:schemeClr val="accent4"/>
-          </a:fontRef>
-        </p:style>
-        <p:txBody>
-          <a:bodyPr rtlCol="0" anchor="ctr"/>
-          <a:lstStyle/>
-          <a:p>
-            <a:pPr algn="ctr"/>
-            <a:endParaRPr lang="pt-BR" dirty="0"/>
-          </a:p>
-        </p:txBody>
-      </p:sp>
-      <p:sp>
-        <p:nvSpPr>
-          <p:cNvPr id="13" name="Retângulo 12">
-            <a:extLst>
-              <a:ext uri="{FF2B5EF4-FFF2-40B4-BE49-F238E27FC236}">
-                <a16:creationId xmlns:a16="http://schemas.microsoft.com/office/drawing/2014/main" id="{CAD4375C-B1E5-87F6-492C-C35E2BCF6FFE}"/>
-              </a:ext>
-            </a:extLst>
-          </p:cNvPr>
-          <p:cNvSpPr/>
-          <p:nvPr/>
-        </p:nvSpPr>
-        <p:spPr>
-          <a:xfrm>
-            <a:off x="8132191" y="5248855"/>
-            <a:ext cx="3396109" cy="898932"/>
-          </a:xfrm>
-          <a:prstGeom prst="rect">
-            <a:avLst/>
-          </a:prstGeom>
-          <a:noFill/>
-          <a:ln w="57150" cap="flat" cmpd="sng" algn="ctr">
-            <a:solidFill>
-              <a:schemeClr val="accent3"/>
-            </a:solidFill>
-            <a:prstDash val="solid"/>
-            <a:round/>
-            <a:headEnd type="none" w="med" len="med"/>
-            <a:tailEnd type="none" w="med" len="med"/>
-          </a:ln>
-        </p:spPr>
-        <p:style>
-          <a:lnRef idx="0">
-            <a:scrgbClr r="0" g="0" b="0"/>
-          </a:lnRef>
-          <a:fillRef idx="0">
-            <a:scrgbClr r="0" g="0" b="0"/>
-          </a:fillRef>
-          <a:effectRef idx="0">
-            <a:scrgbClr r="0" g="0" b="0"/>
-          </a:effectRef>
-          <a:fontRef idx="minor">
-            <a:schemeClr val="accent1"/>
-          </a:fontRef>
-        </p:style>
-        <p:txBody>
-          <a:bodyPr rtlCol="0" anchor="ctr"/>
-          <a:lstStyle/>
-          <a:p>
-            <a:pPr algn="ctr"/>
-            <a:endParaRPr lang="pt-BR"/>
-          </a:p>
-        </p:txBody>
-      </p:sp>
-      <p:sp>
-        <p:nvSpPr>
-          <p:cNvPr id="14" name="Retângulo 13">
-            <a:extLst>
-              <a:ext uri="{FF2B5EF4-FFF2-40B4-BE49-F238E27FC236}">
-                <a16:creationId xmlns:a16="http://schemas.microsoft.com/office/drawing/2014/main" id="{C28DD363-DEF2-3B24-5B00-8BEA6113C229}"/>
-              </a:ext>
-            </a:extLst>
-          </p:cNvPr>
-          <p:cNvSpPr/>
-          <p:nvPr/>
-        </p:nvSpPr>
-        <p:spPr>
-          <a:xfrm flipH="1">
-            <a:off x="3979826" y="5644063"/>
-            <a:ext cx="2879103" cy="480060"/>
-          </a:xfrm>
-          <a:prstGeom prst="rect">
-            <a:avLst/>
-          </a:prstGeom>
-          <a:solidFill>
-            <a:schemeClr val="accent4">
-              <a:alpha val="50000"/>
-            </a:schemeClr>
-          </a:solidFill>
-          <a:ln>
-            <a:noFill/>
-          </a:ln>
-        </p:spPr>
-        <p:style>
-          <a:lnRef idx="0">
-            <a:scrgbClr r="0" g="0" b="0"/>
-          </a:lnRef>
-          <a:fillRef idx="0">
-            <a:scrgbClr r="0" g="0" b="0"/>
-          </a:fillRef>
-          <a:effectRef idx="0">
-            <a:scrgbClr r="0" g="0" b="0"/>
-          </a:effectRef>
-          <a:fontRef idx="minor">
-            <a:schemeClr val="lt1"/>
-          </a:fontRef>
-        </p:style>
-        <p:txBody>
-          <a:bodyPr rtlCol="0" anchor="ctr"/>
-          <a:lstStyle/>
-          <a:p>
-            <a:pPr algn="ctr"/>
-            <a:endParaRPr lang="pt-BR" dirty="0"/>
-          </a:p>
-        </p:txBody>
-      </p:sp>
-      <p:sp>
-        <p:nvSpPr>
-          <p:cNvPr id="15" name="Retângulo 14">
-            <a:extLst>
-              <a:ext uri="{FF2B5EF4-FFF2-40B4-BE49-F238E27FC236}">
-                <a16:creationId xmlns:a16="http://schemas.microsoft.com/office/drawing/2014/main" id="{CFEE17F9-5C7D-FEE3-84B9-EC3A505972AB}"/>
-              </a:ext>
-            </a:extLst>
-          </p:cNvPr>
-          <p:cNvSpPr/>
-          <p:nvPr/>
-        </p:nvSpPr>
-        <p:spPr>
-          <a:xfrm flipH="1">
-            <a:off x="3827426" y="5491663"/>
-            <a:ext cx="2879103" cy="480060"/>
-          </a:xfrm>
-          <a:prstGeom prst="rect">
-            <a:avLst/>
-          </a:prstGeom>
-        </p:spPr>
-        <p:style>
-          <a:lnRef idx="3">
-            <a:schemeClr val="lt1"/>
-          </a:lnRef>
-          <a:fillRef idx="1">
-            <a:schemeClr val="accent1"/>
-          </a:fillRef>
-          <a:effectRef idx="1">
-            <a:schemeClr val="accent1"/>
-          </a:effectRef>
-          <a:fontRef idx="minor">
-            <a:schemeClr val="lt1"/>
-          </a:fontRef>
-        </p:style>
-        <p:txBody>
-          <a:bodyPr rtlCol="0" anchor="ctr"/>
-          <a:lstStyle/>
-          <a:p>
-            <a:pPr algn="ctr"/>
-            <a:r>
-              <a:rPr lang="pt-BR" dirty="0"/>
-              <a:t>Botões auxiliares</a:t>
-            </a:r>
-          </a:p>
-        </p:txBody>
-      </p:sp>
-      <p:sp>
-        <p:nvSpPr>
-          <p:cNvPr id="16" name="Seta: para a Direita 15">
-            <a:extLst>
-              <a:ext uri="{FF2B5EF4-FFF2-40B4-BE49-F238E27FC236}">
-                <a16:creationId xmlns:a16="http://schemas.microsoft.com/office/drawing/2014/main" id="{09019C7C-3391-84B8-CB92-91A88E1151F9}"/>
-              </a:ext>
-            </a:extLst>
-          </p:cNvPr>
-          <p:cNvSpPr/>
-          <p:nvPr/>
-        </p:nvSpPr>
-        <p:spPr>
-          <a:xfrm flipH="1">
-            <a:off x="6925023" y="5415463"/>
-            <a:ext cx="988675" cy="632460"/>
-          </a:xfrm>
-          <a:prstGeom prst="rightArrow">
-            <a:avLst/>
-          </a:prstGeom>
-        </p:spPr>
-        <p:style>
-          <a:lnRef idx="3">
-            <a:schemeClr val="lt1"/>
-          </a:lnRef>
-          <a:fillRef idx="1">
-            <a:schemeClr val="accent1"/>
-          </a:fillRef>
-          <a:effectRef idx="1">
-            <a:schemeClr val="accent1"/>
-          </a:effectRef>
-          <a:fontRef idx="minor">
-            <a:schemeClr val="lt1"/>
-          </a:fontRef>
-        </p:style>
-        <p:txBody>
-          <a:bodyPr rtlCol="0" anchor="ctr"/>
-          <a:lstStyle/>
-          <a:p>
-            <a:pPr algn="ctr"/>
-            <a:endParaRPr lang="pt-BR"/>
-          </a:p>
-        </p:txBody>
-      </p:sp>
-      <p:sp>
-        <p:nvSpPr>
-          <p:cNvPr id="18" name="Retângulo 17">
-            <a:extLst>
-              <a:ext uri="{FF2B5EF4-FFF2-40B4-BE49-F238E27FC236}">
-                <a16:creationId xmlns:a16="http://schemas.microsoft.com/office/drawing/2014/main" id="{1AC954D2-3E94-ABF9-CBB4-7A04AE10F97E}"/>
-              </a:ext>
-            </a:extLst>
-          </p:cNvPr>
-          <p:cNvSpPr/>
-          <p:nvPr/>
-        </p:nvSpPr>
-        <p:spPr>
-          <a:xfrm flipH="1">
-            <a:off x="3979825" y="4690776"/>
-            <a:ext cx="2879103" cy="480060"/>
-          </a:xfrm>
-          <a:prstGeom prst="rect">
-            <a:avLst/>
-          </a:prstGeom>
-          <a:solidFill>
-            <a:schemeClr val="accent4">
-              <a:alpha val="50000"/>
-            </a:schemeClr>
-          </a:solidFill>
-          <a:ln>
-            <a:noFill/>
-          </a:ln>
-        </p:spPr>
-        <p:style>
-          <a:lnRef idx="0">
-            <a:scrgbClr r="0" g="0" b="0"/>
-          </a:lnRef>
-          <a:fillRef idx="0">
-            <a:scrgbClr r="0" g="0" b="0"/>
-          </a:fillRef>
-          <a:effectRef idx="0">
-            <a:scrgbClr r="0" g="0" b="0"/>
-          </a:effectRef>
-          <a:fontRef idx="minor">
-            <a:schemeClr val="lt1"/>
-          </a:fontRef>
-        </p:style>
-        <p:txBody>
-          <a:bodyPr rtlCol="0" anchor="ctr"/>
-          <a:lstStyle/>
-          <a:p>
-            <a:pPr algn="ctr"/>
-            <a:endParaRPr lang="pt-BR" dirty="0"/>
-          </a:p>
-        </p:txBody>
-      </p:sp>
-      <p:sp>
-        <p:nvSpPr>
-          <p:cNvPr id="19" name="Retângulo 18">
-            <a:extLst>
-              <a:ext uri="{FF2B5EF4-FFF2-40B4-BE49-F238E27FC236}">
-                <a16:creationId xmlns:a16="http://schemas.microsoft.com/office/drawing/2014/main" id="{7D8ABC59-D030-6F48-EA2E-12B153AEBCB7}"/>
-              </a:ext>
-            </a:extLst>
-          </p:cNvPr>
-          <p:cNvSpPr/>
-          <p:nvPr/>
-        </p:nvSpPr>
-        <p:spPr>
-          <a:xfrm flipH="1">
-            <a:off x="3827425" y="4538376"/>
-            <a:ext cx="2879103" cy="480060"/>
-          </a:xfrm>
-          <a:prstGeom prst="rect">
-            <a:avLst/>
-          </a:prstGeom>
-        </p:spPr>
-        <p:style>
-          <a:lnRef idx="3">
-            <a:schemeClr val="lt1"/>
-          </a:lnRef>
-          <a:fillRef idx="1">
-            <a:schemeClr val="accent1"/>
-          </a:fillRef>
-          <a:effectRef idx="1">
-            <a:schemeClr val="accent1"/>
-          </a:effectRef>
-          <a:fontRef idx="minor">
-            <a:schemeClr val="lt1"/>
-          </a:fontRef>
-        </p:style>
-        <p:txBody>
-          <a:bodyPr rtlCol="0" anchor="ctr"/>
-          <a:lstStyle/>
-          <a:p>
-            <a:pPr algn="ctr"/>
-            <a:r>
-              <a:rPr lang="pt-BR" dirty="0"/>
-              <a:t>Dados preenchidos</a:t>
-            </a:r>
-          </a:p>
-        </p:txBody>
-      </p:sp>
-      <p:sp>
-        <p:nvSpPr>
-          <p:cNvPr id="20" name="Seta: para a Direita 19">
-            <a:extLst>
-              <a:ext uri="{FF2B5EF4-FFF2-40B4-BE49-F238E27FC236}">
-                <a16:creationId xmlns:a16="http://schemas.microsoft.com/office/drawing/2014/main" id="{9BD24428-E96A-529B-87BF-8F5DE496F13A}"/>
-              </a:ext>
-            </a:extLst>
-          </p:cNvPr>
-          <p:cNvSpPr/>
-          <p:nvPr/>
-        </p:nvSpPr>
-        <p:spPr>
-          <a:xfrm flipH="1">
-            <a:off x="6925023" y="4462176"/>
-            <a:ext cx="988675" cy="632460"/>
-          </a:xfrm>
-          <a:prstGeom prst="rightArrow">
-            <a:avLst/>
-          </a:prstGeom>
-        </p:spPr>
-        <p:style>
-          <a:lnRef idx="3">
-            <a:schemeClr val="lt1"/>
-          </a:lnRef>
-          <a:fillRef idx="1">
-            <a:schemeClr val="accent1"/>
-          </a:fillRef>
-          <a:effectRef idx="1">
-            <a:schemeClr val="accent1"/>
-          </a:effectRef>
-          <a:fontRef idx="minor">
-            <a:schemeClr val="lt1"/>
-          </a:fontRef>
-        </p:style>
-        <p:txBody>
-          <a:bodyPr rtlCol="0" anchor="ctr"/>
-          <a:lstStyle/>
-          <a:p>
-            <a:pPr algn="ctr"/>
-            <a:endParaRPr lang="pt-BR"/>
-          </a:p>
-        </p:txBody>
-      </p:sp>
-      <p:sp>
-        <p:nvSpPr>
-          <p:cNvPr id="21" name="Balão de Fala: Retângulo com Cantos Arredondados 20">
-            <a:extLst>
-              <a:ext uri="{FF2B5EF4-FFF2-40B4-BE49-F238E27FC236}">
-                <a16:creationId xmlns:a16="http://schemas.microsoft.com/office/drawing/2014/main" id="{2E4D185D-116D-983C-A903-5A0748E599A3}"/>
-              </a:ext>
-            </a:extLst>
-          </p:cNvPr>
-          <p:cNvSpPr/>
-          <p:nvPr/>
-        </p:nvSpPr>
-        <p:spPr>
-          <a:xfrm>
-            <a:off x="3696998" y="110970"/>
-            <a:ext cx="3009530" cy="1926455"/>
-          </a:xfrm>
-          <a:prstGeom prst="wedgeRoundRectCallout">
-            <a:avLst>
-              <a:gd name="adj1" fmla="val 80641"/>
-              <a:gd name="adj2" fmla="val 61579"/>
-              <a:gd name="adj3" fmla="val 16667"/>
-            </a:avLst>
-          </a:prstGeom>
-        </p:spPr>
-        <p:style>
-          <a:lnRef idx="2">
-            <a:schemeClr val="accent1">
-              <a:shade val="50000"/>
-            </a:schemeClr>
-          </a:lnRef>
-          <a:fillRef idx="1">
-            <a:schemeClr val="accent1"/>
-          </a:fillRef>
-          <a:effectRef idx="0">
-            <a:schemeClr val="accent1"/>
-          </a:effectRef>
-          <a:fontRef idx="minor">
-            <a:schemeClr val="lt1"/>
-          </a:fontRef>
-        </p:style>
-        <p:txBody>
-          <a:bodyPr rtlCol="0" anchor="ctr"/>
-          <a:lstStyle/>
-          <a:p>
-            <a:pPr algn="ctr"/>
-            <a:r>
-              <a:rPr lang="pt-BR" dirty="0"/>
-              <a:t>Após clicar, abrirá a tela para cadastrar uma nova Não-Conformidade nas linhas do Excel</a:t>
-            </a:r>
-          </a:p>
-        </p:txBody>
-      </p:sp>
-      <p:sp>
-        <p:nvSpPr>
-          <p:cNvPr id="22" name="Balão de Fala: Retângulo com Cantos Arredondados 21">
-            <a:extLst>
-              <a:ext uri="{FF2B5EF4-FFF2-40B4-BE49-F238E27FC236}">
-                <a16:creationId xmlns:a16="http://schemas.microsoft.com/office/drawing/2014/main" id="{1AB12FF9-9782-DBB4-2713-CA2866D80C2F}"/>
-              </a:ext>
-            </a:extLst>
-          </p:cNvPr>
-          <p:cNvSpPr/>
-          <p:nvPr/>
-        </p:nvSpPr>
-        <p:spPr>
-          <a:xfrm>
-            <a:off x="3712803" y="2612745"/>
-            <a:ext cx="2858844" cy="1494657"/>
-          </a:xfrm>
-          <a:prstGeom prst="wedgeRoundRectCallout">
-            <a:avLst>
-              <a:gd name="adj1" fmla="val 86852"/>
-              <a:gd name="adj2" fmla="val -60183"/>
-              <a:gd name="adj3" fmla="val 16667"/>
-            </a:avLst>
-          </a:prstGeom>
-        </p:spPr>
-        <p:style>
-          <a:lnRef idx="2">
-            <a:schemeClr val="accent1">
-              <a:shade val="50000"/>
-            </a:schemeClr>
-          </a:lnRef>
-          <a:fillRef idx="1">
-            <a:schemeClr val="accent1"/>
-          </a:fillRef>
-          <a:effectRef idx="0">
-            <a:schemeClr val="accent1"/>
-          </a:effectRef>
-          <a:fontRef idx="minor">
-            <a:schemeClr val="lt1"/>
-          </a:fontRef>
-        </p:style>
-        <p:txBody>
-          <a:bodyPr rtlCol="0" anchor="ctr"/>
-          <a:lstStyle/>
-          <a:p>
-            <a:pPr algn="ctr"/>
-            <a:r>
-              <a:rPr lang="pt-BR" dirty="0"/>
-              <a:t>Caso a célula esteja preenchida, o formulário será fornecido com os dados da RNC</a:t>
-            </a:r>
-          </a:p>
-        </p:txBody>
-      </p:sp>
     </p:spTree>
     <p:extLst>
       <p:ext uri="{BB962C8B-B14F-4D97-AF65-F5344CB8AC3E}">
@@ -10652,681 +10027,6 @@
                             </p:childTnLst>
                           </p:cTn>
                         </p:par>
-                        <p:par>
-                          <p:cTn id="14" fill="hold">
-                            <p:stCondLst>
-                              <p:cond delay="500"/>
-                            </p:stCondLst>
-                            <p:childTnLst>
-                              <p:par>
-                                <p:cTn id="15" presetID="10" presetClass="entr" presetSubtype="0" fill="hold" nodeType="afterEffect">
-                                  <p:stCondLst>
-                                    <p:cond delay="0"/>
-                                  </p:stCondLst>
-                                  <p:childTnLst>
-                                    <p:set>
-                                      <p:cBhvr>
-                                        <p:cTn id="16" dur="1" fill="hold">
-                                          <p:stCondLst>
-                                            <p:cond delay="0"/>
-                                          </p:stCondLst>
-                                        </p:cTn>
-                                        <p:tgtEl>
-                                          <p:spTgt spid="6"/>
-                                        </p:tgtEl>
-                                        <p:attrNameLst>
-                                          <p:attrName>style.visibility</p:attrName>
-                                        </p:attrNameLst>
-                                      </p:cBhvr>
-                                      <p:to>
-                                        <p:strVal val="visible"/>
-                                      </p:to>
-                                    </p:set>
-                                    <p:animEffect transition="in" filter="fade">
-                                      <p:cBhvr>
-                                        <p:cTn id="17" dur="500"/>
-                                        <p:tgtEl>
-                                          <p:spTgt spid="6"/>
-                                        </p:tgtEl>
-                                      </p:cBhvr>
-                                    </p:animEffect>
-                                  </p:childTnLst>
-                                </p:cTn>
-                              </p:par>
-                              <p:par>
-                                <p:cTn id="18" presetID="10" presetClass="entr" presetSubtype="0" fill="hold" grpId="0" nodeType="withEffect">
-                                  <p:stCondLst>
-                                    <p:cond delay="0"/>
-                                  </p:stCondLst>
-                                  <p:childTnLst>
-                                    <p:set>
-                                      <p:cBhvr>
-                                        <p:cTn id="19" dur="1" fill="hold">
-                                          <p:stCondLst>
-                                            <p:cond delay="0"/>
-                                          </p:stCondLst>
-                                        </p:cTn>
-                                        <p:tgtEl>
-                                          <p:spTgt spid="21"/>
-                                        </p:tgtEl>
-                                        <p:attrNameLst>
-                                          <p:attrName>style.visibility</p:attrName>
-                                        </p:attrNameLst>
-                                      </p:cBhvr>
-                                      <p:to>
-                                        <p:strVal val="visible"/>
-                                      </p:to>
-                                    </p:set>
-                                    <p:animEffect transition="in" filter="fade">
-                                      <p:cBhvr>
-                                        <p:cTn id="20" dur="500"/>
-                                        <p:tgtEl>
-                                          <p:spTgt spid="21"/>
-                                        </p:tgtEl>
-                                      </p:cBhvr>
-                                    </p:animEffect>
-                                  </p:childTnLst>
-                                </p:cTn>
-                              </p:par>
-                              <p:par>
-                                <p:cTn id="21" presetID="10" presetClass="entr" presetSubtype="0" fill="hold" grpId="0" nodeType="withEffect">
-                                  <p:stCondLst>
-                                    <p:cond delay="0"/>
-                                  </p:stCondLst>
-                                  <p:childTnLst>
-                                    <p:set>
-                                      <p:cBhvr>
-                                        <p:cTn id="22" dur="1" fill="hold">
-                                          <p:stCondLst>
-                                            <p:cond delay="0"/>
-                                          </p:stCondLst>
-                                        </p:cTn>
-                                        <p:tgtEl>
-                                          <p:spTgt spid="9"/>
-                                        </p:tgtEl>
-                                        <p:attrNameLst>
-                                          <p:attrName>style.visibility</p:attrName>
-                                        </p:attrNameLst>
-                                      </p:cBhvr>
-                                      <p:to>
-                                        <p:strVal val="visible"/>
-                                      </p:to>
-                                    </p:set>
-                                    <p:animEffect transition="in" filter="fade">
-                                      <p:cBhvr>
-                                        <p:cTn id="23" dur="500"/>
-                                        <p:tgtEl>
-                                          <p:spTgt spid="9"/>
-                                        </p:tgtEl>
-                                      </p:cBhvr>
-                                    </p:animEffect>
-                                  </p:childTnLst>
-                                </p:cTn>
-                              </p:par>
-                            </p:childTnLst>
-                          </p:cTn>
-                        </p:par>
-                      </p:childTnLst>
-                    </p:cTn>
-                  </p:par>
-                  <p:par>
-                    <p:cTn id="24" fill="hold">
-                      <p:stCondLst>
-                        <p:cond delay="indefinite"/>
-                      </p:stCondLst>
-                      <p:childTnLst>
-                        <p:par>
-                          <p:cTn id="25" fill="hold">
-                            <p:stCondLst>
-                              <p:cond delay="0"/>
-                            </p:stCondLst>
-                            <p:childTnLst>
-                              <p:par>
-                                <p:cTn id="26" presetID="6" presetClass="entr" presetSubtype="16" fill="hold" nodeType="clickEffect">
-                                  <p:stCondLst>
-                                    <p:cond delay="0"/>
-                                  </p:stCondLst>
-                                  <p:childTnLst>
-                                    <p:set>
-                                      <p:cBhvr>
-                                        <p:cTn id="27" dur="1" fill="hold">
-                                          <p:stCondLst>
-                                            <p:cond delay="0"/>
-                                          </p:stCondLst>
-                                        </p:cTn>
-                                        <p:tgtEl>
-                                          <p:spTgt spid="26"/>
-                                        </p:tgtEl>
-                                        <p:attrNameLst>
-                                          <p:attrName>style.visibility</p:attrName>
-                                        </p:attrNameLst>
-                                      </p:cBhvr>
-                                      <p:to>
-                                        <p:strVal val="visible"/>
-                                      </p:to>
-                                    </p:set>
-                                    <p:animEffect transition="in" filter="circle(in)">
-                                      <p:cBhvr>
-                                        <p:cTn id="28" dur="2000"/>
-                                        <p:tgtEl>
-                                          <p:spTgt spid="26"/>
-                                        </p:tgtEl>
-                                      </p:cBhvr>
-                                    </p:animEffect>
-                                  </p:childTnLst>
-                                </p:cTn>
-                              </p:par>
-                              <p:par>
-                                <p:cTn id="29" presetID="10" presetClass="entr" presetSubtype="0" fill="hold" grpId="0" nodeType="withEffect">
-                                  <p:stCondLst>
-                                    <p:cond delay="0"/>
-                                  </p:stCondLst>
-                                  <p:childTnLst>
-                                    <p:set>
-                                      <p:cBhvr>
-                                        <p:cTn id="30" dur="1" fill="hold">
-                                          <p:stCondLst>
-                                            <p:cond delay="0"/>
-                                          </p:stCondLst>
-                                        </p:cTn>
-                                        <p:tgtEl>
-                                          <p:spTgt spid="22"/>
-                                        </p:tgtEl>
-                                        <p:attrNameLst>
-                                          <p:attrName>style.visibility</p:attrName>
-                                        </p:attrNameLst>
-                                      </p:cBhvr>
-                                      <p:to>
-                                        <p:strVal val="visible"/>
-                                      </p:to>
-                                    </p:set>
-                                    <p:animEffect transition="in" filter="fade">
-                                      <p:cBhvr>
-                                        <p:cTn id="31" dur="500"/>
-                                        <p:tgtEl>
-                                          <p:spTgt spid="22"/>
-                                        </p:tgtEl>
-                                      </p:cBhvr>
-                                    </p:animEffect>
-                                  </p:childTnLst>
-                                </p:cTn>
-                              </p:par>
-                            </p:childTnLst>
-                          </p:cTn>
-                        </p:par>
-                        <p:par>
-                          <p:cTn id="32" fill="hold">
-                            <p:stCondLst>
-                              <p:cond delay="2000"/>
-                            </p:stCondLst>
-                            <p:childTnLst>
-                              <p:par>
-                                <p:cTn id="33" presetID="10" presetClass="entr" presetSubtype="0" fill="hold" grpId="0" nodeType="afterEffect">
-                                  <p:stCondLst>
-                                    <p:cond delay="0"/>
-                                  </p:stCondLst>
-                                  <p:childTnLst>
-                                    <p:set>
-                                      <p:cBhvr>
-                                        <p:cTn id="34" dur="1" fill="hold">
-                                          <p:stCondLst>
-                                            <p:cond delay="0"/>
-                                          </p:stCondLst>
-                                        </p:cTn>
-                                        <p:tgtEl>
-                                          <p:spTgt spid="11"/>
-                                        </p:tgtEl>
-                                        <p:attrNameLst>
-                                          <p:attrName>style.visibility</p:attrName>
-                                        </p:attrNameLst>
-                                      </p:cBhvr>
-                                      <p:to>
-                                        <p:strVal val="visible"/>
-                                      </p:to>
-                                    </p:set>
-                                    <p:animEffect transition="in" filter="fade">
-                                      <p:cBhvr>
-                                        <p:cTn id="35" dur="500"/>
-                                        <p:tgtEl>
-                                          <p:spTgt spid="11"/>
-                                        </p:tgtEl>
-                                      </p:cBhvr>
-                                    </p:animEffect>
-                                  </p:childTnLst>
-                                </p:cTn>
-                              </p:par>
-                              <p:par>
-                                <p:cTn id="36" presetID="53" presetClass="entr" presetSubtype="16" fill="hold" grpId="0" nodeType="withEffect">
-                                  <p:stCondLst>
-                                    <p:cond delay="0"/>
-                                  </p:stCondLst>
-                                  <p:childTnLst>
-                                    <p:set>
-                                      <p:cBhvr>
-                                        <p:cTn id="37" dur="1" fill="hold">
-                                          <p:stCondLst>
-                                            <p:cond delay="0"/>
-                                          </p:stCondLst>
-                                        </p:cTn>
-                                        <p:tgtEl>
-                                          <p:spTgt spid="19"/>
-                                        </p:tgtEl>
-                                        <p:attrNameLst>
-                                          <p:attrName>style.visibility</p:attrName>
-                                        </p:attrNameLst>
-                                      </p:cBhvr>
-                                      <p:to>
-                                        <p:strVal val="visible"/>
-                                      </p:to>
-                                    </p:set>
-                                    <p:anim calcmode="lin" valueType="num">
-                                      <p:cBhvr>
-                                        <p:cTn id="38" dur="500" fill="hold"/>
-                                        <p:tgtEl>
-                                          <p:spTgt spid="19"/>
-                                        </p:tgtEl>
-                                        <p:attrNameLst>
-                                          <p:attrName>ppt_w</p:attrName>
-                                        </p:attrNameLst>
-                                      </p:cBhvr>
-                                      <p:tavLst>
-                                        <p:tav tm="0">
-                                          <p:val>
-                                            <p:fltVal val="0"/>
-                                          </p:val>
-                                        </p:tav>
-                                        <p:tav tm="100000">
-                                          <p:val>
-                                            <p:strVal val="#ppt_w"/>
-                                          </p:val>
-                                        </p:tav>
-                                      </p:tavLst>
-                                    </p:anim>
-                                    <p:anim calcmode="lin" valueType="num">
-                                      <p:cBhvr>
-                                        <p:cTn id="39" dur="500" fill="hold"/>
-                                        <p:tgtEl>
-                                          <p:spTgt spid="19"/>
-                                        </p:tgtEl>
-                                        <p:attrNameLst>
-                                          <p:attrName>ppt_h</p:attrName>
-                                        </p:attrNameLst>
-                                      </p:cBhvr>
-                                      <p:tavLst>
-                                        <p:tav tm="0">
-                                          <p:val>
-                                            <p:fltVal val="0"/>
-                                          </p:val>
-                                        </p:tav>
-                                        <p:tav tm="100000">
-                                          <p:val>
-                                            <p:strVal val="#ppt_h"/>
-                                          </p:val>
-                                        </p:tav>
-                                      </p:tavLst>
-                                    </p:anim>
-                                    <p:animEffect transition="in" filter="fade">
-                                      <p:cBhvr>
-                                        <p:cTn id="40" dur="500"/>
-                                        <p:tgtEl>
-                                          <p:spTgt spid="19"/>
-                                        </p:tgtEl>
-                                      </p:cBhvr>
-                                    </p:animEffect>
-                                  </p:childTnLst>
-                                </p:cTn>
-                              </p:par>
-                              <p:par>
-                                <p:cTn id="41" presetID="53" presetClass="entr" presetSubtype="16" fill="hold" grpId="0" nodeType="withEffect">
-                                  <p:stCondLst>
-                                    <p:cond delay="0"/>
-                                  </p:stCondLst>
-                                  <p:childTnLst>
-                                    <p:set>
-                                      <p:cBhvr>
-                                        <p:cTn id="42" dur="1" fill="hold">
-                                          <p:stCondLst>
-                                            <p:cond delay="0"/>
-                                          </p:stCondLst>
-                                        </p:cTn>
-                                        <p:tgtEl>
-                                          <p:spTgt spid="18"/>
-                                        </p:tgtEl>
-                                        <p:attrNameLst>
-                                          <p:attrName>style.visibility</p:attrName>
-                                        </p:attrNameLst>
-                                      </p:cBhvr>
-                                      <p:to>
-                                        <p:strVal val="visible"/>
-                                      </p:to>
-                                    </p:set>
-                                    <p:anim calcmode="lin" valueType="num">
-                                      <p:cBhvr>
-                                        <p:cTn id="43" dur="500" fill="hold"/>
-                                        <p:tgtEl>
-                                          <p:spTgt spid="18"/>
-                                        </p:tgtEl>
-                                        <p:attrNameLst>
-                                          <p:attrName>ppt_w</p:attrName>
-                                        </p:attrNameLst>
-                                      </p:cBhvr>
-                                      <p:tavLst>
-                                        <p:tav tm="0">
-                                          <p:val>
-                                            <p:fltVal val="0"/>
-                                          </p:val>
-                                        </p:tav>
-                                        <p:tav tm="100000">
-                                          <p:val>
-                                            <p:strVal val="#ppt_w"/>
-                                          </p:val>
-                                        </p:tav>
-                                      </p:tavLst>
-                                    </p:anim>
-                                    <p:anim calcmode="lin" valueType="num">
-                                      <p:cBhvr>
-                                        <p:cTn id="44" dur="500" fill="hold"/>
-                                        <p:tgtEl>
-                                          <p:spTgt spid="18"/>
-                                        </p:tgtEl>
-                                        <p:attrNameLst>
-                                          <p:attrName>ppt_h</p:attrName>
-                                        </p:attrNameLst>
-                                      </p:cBhvr>
-                                      <p:tavLst>
-                                        <p:tav tm="0">
-                                          <p:val>
-                                            <p:fltVal val="0"/>
-                                          </p:val>
-                                        </p:tav>
-                                        <p:tav tm="100000">
-                                          <p:val>
-                                            <p:strVal val="#ppt_h"/>
-                                          </p:val>
-                                        </p:tav>
-                                      </p:tavLst>
-                                    </p:anim>
-                                    <p:animEffect transition="in" filter="fade">
-                                      <p:cBhvr>
-                                        <p:cTn id="45" dur="500"/>
-                                        <p:tgtEl>
-                                          <p:spTgt spid="18"/>
-                                        </p:tgtEl>
-                                      </p:cBhvr>
-                                    </p:animEffect>
-                                  </p:childTnLst>
-                                </p:cTn>
-                              </p:par>
-                              <p:par>
-                                <p:cTn id="46" presetID="10" presetClass="entr" presetSubtype="0" fill="hold" grpId="0" nodeType="withEffect">
-                                  <p:stCondLst>
-                                    <p:cond delay="0"/>
-                                  </p:stCondLst>
-                                  <p:childTnLst>
-                                    <p:set>
-                                      <p:cBhvr>
-                                        <p:cTn id="47" dur="1" fill="hold">
-                                          <p:stCondLst>
-                                            <p:cond delay="0"/>
-                                          </p:stCondLst>
-                                        </p:cTn>
-                                        <p:tgtEl>
-                                          <p:spTgt spid="20"/>
-                                        </p:tgtEl>
-                                        <p:attrNameLst>
-                                          <p:attrName>style.visibility</p:attrName>
-                                        </p:attrNameLst>
-                                      </p:cBhvr>
-                                      <p:to>
-                                        <p:strVal val="visible"/>
-                                      </p:to>
-                                    </p:set>
-                                    <p:animEffect transition="in" filter="fade">
-                                      <p:cBhvr>
-                                        <p:cTn id="48" dur="500"/>
-                                        <p:tgtEl>
-                                          <p:spTgt spid="20"/>
-                                        </p:tgtEl>
-                                      </p:cBhvr>
-                                    </p:animEffect>
-                                  </p:childTnLst>
-                                </p:cTn>
-                              </p:par>
-                              <p:par>
-                                <p:cTn id="49" presetID="10" presetClass="entr" presetSubtype="0" fill="hold" grpId="0" nodeType="withEffect">
-                                  <p:stCondLst>
-                                    <p:cond delay="0"/>
-                                  </p:stCondLst>
-                                  <p:childTnLst>
-                                    <p:set>
-                                      <p:cBhvr>
-                                        <p:cTn id="50" dur="1" fill="hold">
-                                          <p:stCondLst>
-                                            <p:cond delay="0"/>
-                                          </p:stCondLst>
-                                        </p:cTn>
-                                        <p:tgtEl>
-                                          <p:spTgt spid="13"/>
-                                        </p:tgtEl>
-                                        <p:attrNameLst>
-                                          <p:attrName>style.visibility</p:attrName>
-                                        </p:attrNameLst>
-                                      </p:cBhvr>
-                                      <p:to>
-                                        <p:strVal val="visible"/>
-                                      </p:to>
-                                    </p:set>
-                                    <p:animEffect transition="in" filter="fade">
-                                      <p:cBhvr>
-                                        <p:cTn id="51" dur="500"/>
-                                        <p:tgtEl>
-                                          <p:spTgt spid="13"/>
-                                        </p:tgtEl>
-                                      </p:cBhvr>
-                                    </p:animEffect>
-                                  </p:childTnLst>
-                                </p:cTn>
-                              </p:par>
-                              <p:par>
-                                <p:cTn id="52" presetID="53" presetClass="entr" presetSubtype="16" fill="hold" grpId="0" nodeType="withEffect">
-                                  <p:stCondLst>
-                                    <p:cond delay="0"/>
-                                  </p:stCondLst>
-                                  <p:childTnLst>
-                                    <p:set>
-                                      <p:cBhvr>
-                                        <p:cTn id="53" dur="1" fill="hold">
-                                          <p:stCondLst>
-                                            <p:cond delay="0"/>
-                                          </p:stCondLst>
-                                        </p:cTn>
-                                        <p:tgtEl>
-                                          <p:spTgt spid="15"/>
-                                        </p:tgtEl>
-                                        <p:attrNameLst>
-                                          <p:attrName>style.visibility</p:attrName>
-                                        </p:attrNameLst>
-                                      </p:cBhvr>
-                                      <p:to>
-                                        <p:strVal val="visible"/>
-                                      </p:to>
-                                    </p:set>
-                                    <p:anim calcmode="lin" valueType="num">
-                                      <p:cBhvr>
-                                        <p:cTn id="54" dur="500" fill="hold"/>
-                                        <p:tgtEl>
-                                          <p:spTgt spid="15"/>
-                                        </p:tgtEl>
-                                        <p:attrNameLst>
-                                          <p:attrName>ppt_w</p:attrName>
-                                        </p:attrNameLst>
-                                      </p:cBhvr>
-                                      <p:tavLst>
-                                        <p:tav tm="0">
-                                          <p:val>
-                                            <p:fltVal val="0"/>
-                                          </p:val>
-                                        </p:tav>
-                                        <p:tav tm="100000">
-                                          <p:val>
-                                            <p:strVal val="#ppt_w"/>
-                                          </p:val>
-                                        </p:tav>
-                                      </p:tavLst>
-                                    </p:anim>
-                                    <p:anim calcmode="lin" valueType="num">
-                                      <p:cBhvr>
-                                        <p:cTn id="55" dur="500" fill="hold"/>
-                                        <p:tgtEl>
-                                          <p:spTgt spid="15"/>
-                                        </p:tgtEl>
-                                        <p:attrNameLst>
-                                          <p:attrName>ppt_h</p:attrName>
-                                        </p:attrNameLst>
-                                      </p:cBhvr>
-                                      <p:tavLst>
-                                        <p:tav tm="0">
-                                          <p:val>
-                                            <p:fltVal val="0"/>
-                                          </p:val>
-                                        </p:tav>
-                                        <p:tav tm="100000">
-                                          <p:val>
-                                            <p:strVal val="#ppt_h"/>
-                                          </p:val>
-                                        </p:tav>
-                                      </p:tavLst>
-                                    </p:anim>
-                                    <p:animEffect transition="in" filter="fade">
-                                      <p:cBhvr>
-                                        <p:cTn id="56" dur="500"/>
-                                        <p:tgtEl>
-                                          <p:spTgt spid="15"/>
-                                        </p:tgtEl>
-                                      </p:cBhvr>
-                                    </p:animEffect>
-                                  </p:childTnLst>
-                                </p:cTn>
-                              </p:par>
-                              <p:par>
-                                <p:cTn id="57" presetID="53" presetClass="entr" presetSubtype="16" fill="hold" grpId="0" nodeType="withEffect">
-                                  <p:stCondLst>
-                                    <p:cond delay="0"/>
-                                  </p:stCondLst>
-                                  <p:childTnLst>
-                                    <p:set>
-                                      <p:cBhvr>
-                                        <p:cTn id="58" dur="1" fill="hold">
-                                          <p:stCondLst>
-                                            <p:cond delay="0"/>
-                                          </p:stCondLst>
-                                        </p:cTn>
-                                        <p:tgtEl>
-                                          <p:spTgt spid="14"/>
-                                        </p:tgtEl>
-                                        <p:attrNameLst>
-                                          <p:attrName>style.visibility</p:attrName>
-                                        </p:attrNameLst>
-                                      </p:cBhvr>
-                                      <p:to>
-                                        <p:strVal val="visible"/>
-                                      </p:to>
-                                    </p:set>
-                                    <p:anim calcmode="lin" valueType="num">
-                                      <p:cBhvr>
-                                        <p:cTn id="59" dur="500" fill="hold"/>
-                                        <p:tgtEl>
-                                          <p:spTgt spid="14"/>
-                                        </p:tgtEl>
-                                        <p:attrNameLst>
-                                          <p:attrName>ppt_w</p:attrName>
-                                        </p:attrNameLst>
-                                      </p:cBhvr>
-                                      <p:tavLst>
-                                        <p:tav tm="0">
-                                          <p:val>
-                                            <p:fltVal val="0"/>
-                                          </p:val>
-                                        </p:tav>
-                                        <p:tav tm="100000">
-                                          <p:val>
-                                            <p:strVal val="#ppt_w"/>
-                                          </p:val>
-                                        </p:tav>
-                                      </p:tavLst>
-                                    </p:anim>
-                                    <p:anim calcmode="lin" valueType="num">
-                                      <p:cBhvr>
-                                        <p:cTn id="60" dur="500" fill="hold"/>
-                                        <p:tgtEl>
-                                          <p:spTgt spid="14"/>
-                                        </p:tgtEl>
-                                        <p:attrNameLst>
-                                          <p:attrName>ppt_h</p:attrName>
-                                        </p:attrNameLst>
-                                      </p:cBhvr>
-                                      <p:tavLst>
-                                        <p:tav tm="0">
-                                          <p:val>
-                                            <p:fltVal val="0"/>
-                                          </p:val>
-                                        </p:tav>
-                                        <p:tav tm="100000">
-                                          <p:val>
-                                            <p:strVal val="#ppt_h"/>
-                                          </p:val>
-                                        </p:tav>
-                                      </p:tavLst>
-                                    </p:anim>
-                                    <p:animEffect transition="in" filter="fade">
-                                      <p:cBhvr>
-                                        <p:cTn id="61" dur="500"/>
-                                        <p:tgtEl>
-                                          <p:spTgt spid="14"/>
-                                        </p:tgtEl>
-                                      </p:cBhvr>
-                                    </p:animEffect>
-                                  </p:childTnLst>
-                                </p:cTn>
-                              </p:par>
-                              <p:par>
-                                <p:cTn id="62" presetID="10" presetClass="entr" presetSubtype="0" fill="hold" grpId="0" nodeType="withEffect">
-                                  <p:stCondLst>
-                                    <p:cond delay="0"/>
-                                  </p:stCondLst>
-                                  <p:childTnLst>
-                                    <p:set>
-                                      <p:cBhvr>
-                                        <p:cTn id="63" dur="1" fill="hold">
-                                          <p:stCondLst>
-                                            <p:cond delay="0"/>
-                                          </p:stCondLst>
-                                        </p:cTn>
-                                        <p:tgtEl>
-                                          <p:spTgt spid="16"/>
-                                        </p:tgtEl>
-                                        <p:attrNameLst>
-                                          <p:attrName>style.visibility</p:attrName>
-                                        </p:attrNameLst>
-                                      </p:cBhvr>
-                                      <p:to>
-                                        <p:strVal val="visible"/>
-                                      </p:to>
-                                    </p:set>
-                                    <p:animEffect transition="in" filter="fade">
-                                      <p:cBhvr>
-                                        <p:cTn id="64" dur="500"/>
-                                        <p:tgtEl>
-                                          <p:spTgt spid="16"/>
-                                        </p:tgtEl>
-                                      </p:cBhvr>
-                                    </p:animEffect>
-                                  </p:childTnLst>
-                                </p:cTn>
-                              </p:par>
-                            </p:childTnLst>
-                          </p:cTn>
-                        </p:par>
                       </p:childTnLst>
                     </p:cTn>
                   </p:par>
@@ -11354,17 +10054,6 @@
     <p:bldLst>
       <p:bldP spid="5" grpId="0" animBg="1"/>
       <p:bldP spid="4" grpId="0" animBg="1"/>
-      <p:bldP spid="9" grpId="0" animBg="1"/>
-      <p:bldP spid="11" grpId="0" animBg="1"/>
-      <p:bldP spid="13" grpId="0" animBg="1"/>
-      <p:bldP spid="14" grpId="0" animBg="1"/>
-      <p:bldP spid="15" grpId="0" animBg="1"/>
-      <p:bldP spid="16" grpId="0" animBg="1"/>
-      <p:bldP spid="18" grpId="0" animBg="1"/>
-      <p:bldP spid="19" grpId="0" animBg="1"/>
-      <p:bldP spid="20" grpId="0" animBg="1"/>
-      <p:bldP spid="21" grpId="0" animBg="1"/>
-      <p:bldP spid="22" grpId="0" animBg="1"/>
     </p:bldLst>
   </p:timing>
 </p:sld>
@@ -11465,13 +10154,6 @@
       </p:transition>
     </mc:Fallback>
   </mc:AlternateContent>
-  <p:timing>
-    <p:tnLst>
-      <p:par>
-        <p:cTn id="1" dur="indefinite" restart="never" nodeType="tmRoot"/>
-      </p:par>
-    </p:tnLst>
-  </p:timing>
 </p:sld>
 </file>
 
@@ -12112,13 +10794,6 @@
   <p:transition spd="slow">
     <p:push dir="u"/>
   </p:transition>
-  <p:timing>
-    <p:tnLst>
-      <p:par>
-        <p:cTn id="1" dur="indefinite" restart="never" nodeType="tmRoot"/>
-      </p:par>
-    </p:tnLst>
-  </p:timing>
 </p:sld>
 </file>
 
@@ -13398,7 +12073,7 @@
                 <a16:creationId xmlns:a16="http://schemas.microsoft.com/office/drawing/2014/main" id="{57ABABA7-0420-4200-9B65-1C1967CE9373}"/>
               </a:ext>
               <a:ext uri="{C183D7F6-B498-43B3-948B-1728B52AA6E4}">
-                <adec:decorative xmlns:adec="http://schemas.microsoft.com/office/drawing/2017/decorative" xmlns="" val="1"/>
+                <adec:decorative xmlns:adec="http://schemas.microsoft.com/office/drawing/2017/decorative" val="1"/>
               </a:ext>
             </a:extLst>
           </p:cNvPr>
@@ -13458,7 +12133,7 @@
                 <a16:creationId xmlns:a16="http://schemas.microsoft.com/office/drawing/2014/main" id="{A317EBE3-FF86-4DA1-BC9A-331F7F2144E9}"/>
               </a:ext>
               <a:ext uri="{C183D7F6-B498-43B3-948B-1728B52AA6E4}">
-                <adec:decorative xmlns:adec="http://schemas.microsoft.com/office/drawing/2017/decorative" xmlns="" val="1"/>
+                <adec:decorative xmlns:adec="http://schemas.microsoft.com/office/drawing/2017/decorative" val="1"/>
               </a:ext>
             </a:extLst>
           </p:cNvPr>
@@ -13503,6 +12178,13 @@
             <a:schemeClr val="lt1"/>
           </a:fontRef>
         </p:style>
+        <p:txBody>
+          <a:bodyPr/>
+          <a:lstStyle/>
+          <a:p>
+            <a:endParaRPr lang="pt-BR"/>
+          </a:p>
+        </p:txBody>
       </p:sp>
       <p:grpSp>
         <p:nvGrpSpPr>
@@ -13512,7 +12194,7 @@
                 <a16:creationId xmlns:a16="http://schemas.microsoft.com/office/drawing/2014/main" id="{7A03E380-9CD1-4ABA-A763-9F9D252B8908}"/>
               </a:ext>
               <a:ext uri="{C183D7F6-B498-43B3-948B-1728B52AA6E4}">
-                <adec:decorative xmlns:adec="http://schemas.microsoft.com/office/drawing/2017/decorative" xmlns="" val="1"/>
+                <adec:decorative xmlns:adec="http://schemas.microsoft.com/office/drawing/2017/decorative" val="1"/>
               </a:ext>
             </a:extLst>
           </p:cNvPr>
@@ -13548,7 +12230,7 @@
                   <a16:creationId xmlns:a16="http://schemas.microsoft.com/office/drawing/2014/main" id="{66E01B84-4C2B-4DE5-90C8-9C4001A75B11}"/>
                 </a:ext>
                 <a:ext uri="{C183D7F6-B498-43B3-948B-1728B52AA6E4}">
-                  <adec:decorative xmlns:adec="http://schemas.microsoft.com/office/drawing/2017/decorative" xmlns="" val="1"/>
+                  <adec:decorative xmlns:adec="http://schemas.microsoft.com/office/drawing/2017/decorative" val="1"/>
                 </a:ext>
               </a:extLst>
             </p:cNvPr>
@@ -13611,6 +12293,13 @@
               <a:noFill/>
             </a:ln>
           </p:spPr>
+          <p:txBody>
+            <a:bodyPr/>
+            <a:lstStyle/>
+            <a:p>
+              <a:endParaRPr lang="pt-BR"/>
+            </a:p>
+          </p:txBody>
         </p:sp>
         <p:sp>
           <p:nvSpPr>
@@ -13620,7 +12309,7 @@
                   <a16:creationId xmlns:a16="http://schemas.microsoft.com/office/drawing/2014/main" id="{64CE5A7A-D5C5-4FE5-860C-0B5748FDEEDC}"/>
                 </a:ext>
                 <a:ext uri="{C183D7F6-B498-43B3-948B-1728B52AA6E4}">
-                  <adec:decorative xmlns:adec="http://schemas.microsoft.com/office/drawing/2017/decorative" xmlns="" val="1"/>
+                  <adec:decorative xmlns:adec="http://schemas.microsoft.com/office/drawing/2017/decorative" val="1"/>
                 </a:ext>
               </a:extLst>
             </p:cNvPr>
@@ -13688,6 +12377,13 @@
               <a:noFill/>
             </a:ln>
           </p:spPr>
+          <p:txBody>
+            <a:bodyPr/>
+            <a:lstStyle/>
+            <a:p>
+              <a:endParaRPr lang="pt-BR"/>
+            </a:p>
+          </p:txBody>
         </p:sp>
         <p:sp>
           <p:nvSpPr>
@@ -13697,7 +12393,7 @@
                   <a16:creationId xmlns:a16="http://schemas.microsoft.com/office/drawing/2014/main" id="{016A7D2A-6EEA-47B8-A763-7D82E41B3CED}"/>
                 </a:ext>
                 <a:ext uri="{C183D7F6-B498-43B3-948B-1728B52AA6E4}">
-                  <adec:decorative xmlns:adec="http://schemas.microsoft.com/office/drawing/2017/decorative" xmlns="" val="1"/>
+                  <adec:decorative xmlns:adec="http://schemas.microsoft.com/office/drawing/2017/decorative" val="1"/>
                 </a:ext>
               </a:extLst>
             </p:cNvPr>
@@ -13770,6 +12466,13 @@
               <a:noFill/>
             </a:ln>
           </p:spPr>
+          <p:txBody>
+            <a:bodyPr/>
+            <a:lstStyle/>
+            <a:p>
+              <a:endParaRPr lang="pt-BR"/>
+            </a:p>
+          </p:txBody>
         </p:sp>
         <p:sp>
           <p:nvSpPr>
@@ -13779,7 +12482,7 @@
                   <a16:creationId xmlns:a16="http://schemas.microsoft.com/office/drawing/2014/main" id="{E758F6E7-6DEC-48D0-ACB1-E5E26B13E6C3}"/>
                 </a:ext>
                 <a:ext uri="{C183D7F6-B498-43B3-948B-1728B52AA6E4}">
-                  <adec:decorative xmlns:adec="http://schemas.microsoft.com/office/drawing/2017/decorative" xmlns="" val="1"/>
+                  <adec:decorative xmlns:adec="http://schemas.microsoft.com/office/drawing/2017/decorative" val="1"/>
                 </a:ext>
               </a:extLst>
             </p:cNvPr>
@@ -13832,6 +12535,13 @@
               <a:noFill/>
             </a:ln>
           </p:spPr>
+          <p:txBody>
+            <a:bodyPr/>
+            <a:lstStyle/>
+            <a:p>
+              <a:endParaRPr lang="pt-BR"/>
+            </a:p>
+          </p:txBody>
         </p:sp>
         <p:sp>
           <p:nvSpPr>
@@ -13841,7 +12551,7 @@
                   <a16:creationId xmlns:a16="http://schemas.microsoft.com/office/drawing/2014/main" id="{B56657FF-C027-42E7-859B-902929B6FA1C}"/>
                 </a:ext>
                 <a:ext uri="{C183D7F6-B498-43B3-948B-1728B52AA6E4}">
-                  <adec:decorative xmlns:adec="http://schemas.microsoft.com/office/drawing/2017/decorative" xmlns="" val="1"/>
+                  <adec:decorative xmlns:adec="http://schemas.microsoft.com/office/drawing/2017/decorative" val="1"/>
                 </a:ext>
               </a:extLst>
             </p:cNvPr>
@@ -13929,6 +12639,13 @@
               <a:noFill/>
             </a:ln>
           </p:spPr>
+          <p:txBody>
+            <a:bodyPr/>
+            <a:lstStyle/>
+            <a:p>
+              <a:endParaRPr lang="pt-BR"/>
+            </a:p>
+          </p:txBody>
         </p:sp>
         <p:sp>
           <p:nvSpPr>
@@ -13938,7 +12655,7 @@
                   <a16:creationId xmlns:a16="http://schemas.microsoft.com/office/drawing/2014/main" id="{79047F2A-5978-46C6-B3A2-54AAC2136B15}"/>
                 </a:ext>
                 <a:ext uri="{C183D7F6-B498-43B3-948B-1728B52AA6E4}">
-                  <adec:decorative xmlns:adec="http://schemas.microsoft.com/office/drawing/2017/decorative" xmlns="" val="1"/>
+                  <adec:decorative xmlns:adec="http://schemas.microsoft.com/office/drawing/2017/decorative" val="1"/>
                 </a:ext>
               </a:extLst>
             </p:cNvPr>
@@ -14021,6 +12738,13 @@
               <a:noFill/>
             </a:ln>
           </p:spPr>
+          <p:txBody>
+            <a:bodyPr/>
+            <a:lstStyle/>
+            <a:p>
+              <a:endParaRPr lang="pt-BR"/>
+            </a:p>
+          </p:txBody>
         </p:sp>
         <p:sp>
           <p:nvSpPr>
@@ -14030,7 +12754,7 @@
                   <a16:creationId xmlns:a16="http://schemas.microsoft.com/office/drawing/2014/main" id="{F3BE8FD1-0A72-4640-AC7A-2E057273F87D}"/>
                 </a:ext>
                 <a:ext uri="{C183D7F6-B498-43B3-948B-1728B52AA6E4}">
-                  <adec:decorative xmlns:adec="http://schemas.microsoft.com/office/drawing/2017/decorative" xmlns="" val="1"/>
+                  <adec:decorative xmlns:adec="http://schemas.microsoft.com/office/drawing/2017/decorative" val="1"/>
                 </a:ext>
               </a:extLst>
             </p:cNvPr>
@@ -14093,6 +12817,13 @@
               <a:noFill/>
             </a:ln>
           </p:spPr>
+          <p:txBody>
+            <a:bodyPr/>
+            <a:lstStyle/>
+            <a:p>
+              <a:endParaRPr lang="pt-BR"/>
+            </a:p>
+          </p:txBody>
         </p:sp>
         <p:sp>
           <p:nvSpPr>
@@ -14102,7 +12833,7 @@
                   <a16:creationId xmlns:a16="http://schemas.microsoft.com/office/drawing/2014/main" id="{752FC782-A372-4D11-B20D-958955E5641F}"/>
                 </a:ext>
                 <a:ext uri="{C183D7F6-B498-43B3-948B-1728B52AA6E4}">
-                  <adec:decorative xmlns:adec="http://schemas.microsoft.com/office/drawing/2017/decorative" xmlns="" val="1"/>
+                  <adec:decorative xmlns:adec="http://schemas.microsoft.com/office/drawing/2017/decorative" val="1"/>
                 </a:ext>
               </a:extLst>
             </p:cNvPr>
@@ -14185,6 +12916,13 @@
               <a:noFill/>
             </a:ln>
           </p:spPr>
+          <p:txBody>
+            <a:bodyPr/>
+            <a:lstStyle/>
+            <a:p>
+              <a:endParaRPr lang="pt-BR"/>
+            </a:p>
+          </p:txBody>
         </p:sp>
         <p:sp>
           <p:nvSpPr>
@@ -14194,7 +12932,7 @@
                   <a16:creationId xmlns:a16="http://schemas.microsoft.com/office/drawing/2014/main" id="{AA00B2F1-BEE2-444A-8249-C8E3212CA1A8}"/>
                 </a:ext>
                 <a:ext uri="{C183D7F6-B498-43B3-948B-1728B52AA6E4}">
-                  <adec:decorative xmlns:adec="http://schemas.microsoft.com/office/drawing/2017/decorative" xmlns="" val="1"/>
+                  <adec:decorative xmlns:adec="http://schemas.microsoft.com/office/drawing/2017/decorative" val="1"/>
                 </a:ext>
               </a:extLst>
             </p:cNvPr>
@@ -14312,6 +13050,13 @@
               <a:noFill/>
             </a:ln>
           </p:spPr>
+          <p:txBody>
+            <a:bodyPr/>
+            <a:lstStyle/>
+            <a:p>
+              <a:endParaRPr lang="pt-BR"/>
+            </a:p>
+          </p:txBody>
         </p:sp>
         <p:sp>
           <p:nvSpPr>
@@ -14321,7 +13066,7 @@
                   <a16:creationId xmlns:a16="http://schemas.microsoft.com/office/drawing/2014/main" id="{E7F5747E-514B-4CF7-B6B0-DAD714909789}"/>
                 </a:ext>
                 <a:ext uri="{C183D7F6-B498-43B3-948B-1728B52AA6E4}">
-                  <adec:decorative xmlns:adec="http://schemas.microsoft.com/office/drawing/2017/decorative" xmlns="" val="1"/>
+                  <adec:decorative xmlns:adec="http://schemas.microsoft.com/office/drawing/2017/decorative" val="1"/>
                 </a:ext>
               </a:extLst>
             </p:cNvPr>
@@ -14374,6 +13119,13 @@
               <a:noFill/>
             </a:ln>
           </p:spPr>
+          <p:txBody>
+            <a:bodyPr/>
+            <a:lstStyle/>
+            <a:p>
+              <a:endParaRPr lang="pt-BR"/>
+            </a:p>
+          </p:txBody>
         </p:sp>
         <p:sp>
           <p:nvSpPr>
@@ -14383,7 +13135,7 @@
                   <a16:creationId xmlns:a16="http://schemas.microsoft.com/office/drawing/2014/main" id="{931614BB-1593-40ED-8113-2BD11870556B}"/>
                 </a:ext>
                 <a:ext uri="{C183D7F6-B498-43B3-948B-1728B52AA6E4}">
-                  <adec:decorative xmlns:adec="http://schemas.microsoft.com/office/drawing/2017/decorative" xmlns="" val="1"/>
+                  <adec:decorative xmlns:adec="http://schemas.microsoft.com/office/drawing/2017/decorative" val="1"/>
                 </a:ext>
               </a:extLst>
             </p:cNvPr>
@@ -14446,6 +13198,13 @@
               <a:noFill/>
             </a:ln>
           </p:spPr>
+          <p:txBody>
+            <a:bodyPr/>
+            <a:lstStyle/>
+            <a:p>
+              <a:endParaRPr lang="pt-BR"/>
+            </a:p>
+          </p:txBody>
         </p:sp>
         <p:sp>
           <p:nvSpPr>
@@ -14455,7 +13214,7 @@
                   <a16:creationId xmlns:a16="http://schemas.microsoft.com/office/drawing/2014/main" id="{2691871F-F15C-4E19-BC9C-78E5748D744E}"/>
                 </a:ext>
                 <a:ext uri="{C183D7F6-B498-43B3-948B-1728B52AA6E4}">
-                  <adec:decorative xmlns:adec="http://schemas.microsoft.com/office/drawing/2017/decorative" xmlns="" val="1"/>
+                  <adec:decorative xmlns:adec="http://schemas.microsoft.com/office/drawing/2017/decorative" val="1"/>
                 </a:ext>
               </a:extLst>
             </p:cNvPr>
@@ -14528,6 +13287,13 @@
               <a:noFill/>
             </a:ln>
           </p:spPr>
+          <p:txBody>
+            <a:bodyPr/>
+            <a:lstStyle/>
+            <a:p>
+              <a:endParaRPr lang="pt-BR"/>
+            </a:p>
+          </p:txBody>
         </p:sp>
       </p:grpSp>
       <p:sp>
@@ -14567,25 +13333,8 @@
                   </a:schemeClr>
                 </a:solidFill>
               </a:rPr>
-              <a:t>Programa auxiliar </a:t>
+              <a:t>Programa auxiliar SGQ</a:t>
             </a:r>
-            <a:r>
-              <a:rPr lang="pt-BR" sz="6600" dirty="0" smtClean="0">
-                <a:solidFill>
-                  <a:schemeClr val="tx2">
-                    <a:lumMod val="75000"/>
-                  </a:schemeClr>
-                </a:solidFill>
-              </a:rPr>
-              <a:t>SGQ</a:t>
-            </a:r>
-            <a:endParaRPr lang="pt-BR" sz="6600" dirty="0">
-              <a:solidFill>
-                <a:schemeClr val="tx2">
-                  <a:lumMod val="75000"/>
-                </a:schemeClr>
-              </a:solidFill>
-            </a:endParaRPr>
           </a:p>
         </p:txBody>
       </p:sp>
@@ -14639,7 +13388,7 @@
                 <a16:creationId xmlns:a16="http://schemas.microsoft.com/office/drawing/2014/main" id="{34D43EC1-35FA-4FC3-8526-F655CEB09D9C}"/>
               </a:ext>
               <a:ext uri="{C183D7F6-B498-43B3-948B-1728B52AA6E4}">
-                <adec:decorative xmlns:adec="http://schemas.microsoft.com/office/drawing/2017/decorative" xmlns="" val="1"/>
+                <adec:decorative xmlns:adec="http://schemas.microsoft.com/office/drawing/2017/decorative" val="1"/>
               </a:ext>
             </a:extLst>
           </p:cNvPr>
@@ -14923,7 +13672,7 @@
           <a:p>
             <a:pPr algn="ctr"/>
             <a:r>
-              <a:rPr lang="pt-BR" b="1" i="1" dirty="0" smtClean="0">
+              <a:rPr lang="pt-BR" b="1" i="1" dirty="0">
                 <a:solidFill>
                   <a:schemeClr val="tx2">
                     <a:lumMod val="75000"/>
@@ -14932,13 +13681,6 @@
               </a:rPr>
               <a:t>Sistema de Gestão da Qualidade</a:t>
             </a:r>
-            <a:endParaRPr lang="pt-BR" b="1" i="1" dirty="0">
-              <a:solidFill>
-                <a:schemeClr val="tx2">
-                  <a:lumMod val="75000"/>
-                </a:schemeClr>
-              </a:solidFill>
-            </a:endParaRPr>
           </a:p>
         </p:txBody>
       </p:sp>
@@ -14964,13 +13706,6 @@
       </p:transition>
     </mc:Fallback>
   </mc:AlternateContent>
-  <p:timing>
-    <p:tnLst>
-      <p:par>
-        <p:cTn id="1" dur="indefinite" restart="never" nodeType="tmRoot"/>
-      </p:par>
-    </p:tnLst>
-  </p:timing>
 </p:sld>
 </file>
 
@@ -15025,7 +13760,7 @@
                 <a16:creationId xmlns:a16="http://schemas.microsoft.com/office/drawing/2014/main" id="{1FF9CEF5-A50D-4B8B-9852-D76F7037867E}"/>
               </a:ext>
               <a:ext uri="{C183D7F6-B498-43B3-948B-1728B52AA6E4}">
-                <adec:decorative xmlns:adec="http://schemas.microsoft.com/office/drawing/2017/decorative" xmlns="" val="1"/>
+                <adec:decorative xmlns:adec="http://schemas.microsoft.com/office/drawing/2017/decorative" val="1"/>
               </a:ext>
             </a:extLst>
           </p:cNvPr>
@@ -15180,7 +13915,7 @@
           <a:p>
             <a:r>
               <a:rPr lang="pt-BR" b="1" dirty="0"/>
-              <a:t>Cadastro de RNC – Criado por Jean Roberto Pasquini, Jovem Aprendiz - Qualidade</a:t>
+              <a:t>Cadastro de RNC – Criado por Jean Roberto Pasquini</a:t>
             </a:r>
           </a:p>
         </p:txBody>
@@ -15193,7 +13928,7 @@
                 <a16:creationId xmlns:a16="http://schemas.microsoft.com/office/drawing/2014/main" id="{065753F1-EEE2-45ED-88A1-ECB4A495D0AD}"/>
               </a:ext>
               <a:ext uri="{C183D7F6-B498-43B3-948B-1728B52AA6E4}">
-                <adec:decorative xmlns:adec="http://schemas.microsoft.com/office/drawing/2017/decorative" xmlns="" val="1"/>
+                <adec:decorative xmlns:adec="http://schemas.microsoft.com/office/drawing/2017/decorative" val="1"/>
               </a:ext>
             </a:extLst>
           </p:cNvPr>
@@ -15224,7 +13959,7 @@
                   <a16:creationId xmlns:a16="http://schemas.microsoft.com/office/drawing/2014/main" id="{3E3E7343-7B0A-4265-B9DA-56CE3555139D}"/>
                 </a:ext>
                 <a:ext uri="{C183D7F6-B498-43B3-948B-1728B52AA6E4}">
-                  <adec:decorative xmlns:adec="http://schemas.microsoft.com/office/drawing/2017/decorative" xmlns="" val="1"/>
+                  <adec:decorative xmlns:adec="http://schemas.microsoft.com/office/drawing/2017/decorative" val="1"/>
                 </a:ext>
               </a:extLst>
             </p:cNvPr>
@@ -15334,6 +14069,13 @@
               <a:noFill/>
             </a:ln>
           </p:spPr>
+          <p:txBody>
+            <a:bodyPr/>
+            <a:lstStyle/>
+            <a:p>
+              <a:endParaRPr lang="pt-BR"/>
+            </a:p>
+          </p:txBody>
         </p:sp>
         <p:sp>
           <p:nvSpPr>
@@ -15343,7 +14085,7 @@
                   <a16:creationId xmlns:a16="http://schemas.microsoft.com/office/drawing/2014/main" id="{608D2FF5-E7CA-448D-8B61-42FAA7A0C856}"/>
                 </a:ext>
                 <a:ext uri="{C183D7F6-B498-43B3-948B-1728B52AA6E4}">
-                  <adec:decorative xmlns:adec="http://schemas.microsoft.com/office/drawing/2017/decorative" xmlns="" val="1"/>
+                  <adec:decorative xmlns:adec="http://schemas.microsoft.com/office/drawing/2017/decorative" val="1"/>
                 </a:ext>
               </a:extLst>
             </p:cNvPr>
@@ -15418,6 +14160,13 @@
               <a:noFill/>
             </a:ln>
           </p:spPr>
+          <p:txBody>
+            <a:bodyPr/>
+            <a:lstStyle/>
+            <a:p>
+              <a:endParaRPr lang="pt-BR"/>
+            </a:p>
+          </p:txBody>
         </p:sp>
         <p:sp>
           <p:nvSpPr>
@@ -15427,7 +14176,7 @@
                   <a16:creationId xmlns:a16="http://schemas.microsoft.com/office/drawing/2014/main" id="{DC186DC7-6F76-40B7-8268-20660160E6BE}"/>
                 </a:ext>
                 <a:ext uri="{C183D7F6-B498-43B3-948B-1728B52AA6E4}">
-                  <adec:decorative xmlns:adec="http://schemas.microsoft.com/office/drawing/2017/decorative" xmlns="" val="1"/>
+                  <adec:decorative xmlns:adec="http://schemas.microsoft.com/office/drawing/2017/decorative" val="1"/>
                 </a:ext>
               </a:extLst>
             </p:cNvPr>
@@ -15502,6 +14251,13 @@
               <a:noFill/>
             </a:ln>
           </p:spPr>
+          <p:txBody>
+            <a:bodyPr/>
+            <a:lstStyle/>
+            <a:p>
+              <a:endParaRPr lang="pt-BR"/>
+            </a:p>
+          </p:txBody>
         </p:sp>
         <p:sp>
           <p:nvSpPr>
@@ -15511,7 +14267,7 @@
                   <a16:creationId xmlns:a16="http://schemas.microsoft.com/office/drawing/2014/main" id="{4C8DDEC4-2C9A-4271-BBB3-577233F2E1BE}"/>
                 </a:ext>
                 <a:ext uri="{C183D7F6-B498-43B3-948B-1728B52AA6E4}">
-                  <adec:decorative xmlns:adec="http://schemas.microsoft.com/office/drawing/2017/decorative" xmlns="" val="1"/>
+                  <adec:decorative xmlns:adec="http://schemas.microsoft.com/office/drawing/2017/decorative" val="1"/>
                 </a:ext>
               </a:extLst>
             </p:cNvPr>
@@ -15601,6 +14357,13 @@
               <a:noFill/>
             </a:ln>
           </p:spPr>
+          <p:txBody>
+            <a:bodyPr/>
+            <a:lstStyle/>
+            <a:p>
+              <a:endParaRPr lang="pt-BR"/>
+            </a:p>
+          </p:txBody>
         </p:sp>
         <p:sp>
           <p:nvSpPr>
@@ -15610,7 +14373,7 @@
                   <a16:creationId xmlns:a16="http://schemas.microsoft.com/office/drawing/2014/main" id="{D8DB0C2B-A79C-421F-88AB-DC7B12527975}"/>
                 </a:ext>
                 <a:ext uri="{C183D7F6-B498-43B3-948B-1728B52AA6E4}">
-                  <adec:decorative xmlns:adec="http://schemas.microsoft.com/office/drawing/2017/decorative" xmlns="" val="1"/>
+                  <adec:decorative xmlns:adec="http://schemas.microsoft.com/office/drawing/2017/decorative" val="1"/>
                 </a:ext>
               </a:extLst>
             </p:cNvPr>
@@ -15710,6 +14473,13 @@
               <a:noFill/>
             </a:ln>
           </p:spPr>
+          <p:txBody>
+            <a:bodyPr/>
+            <a:lstStyle/>
+            <a:p>
+              <a:endParaRPr lang="pt-BR"/>
+            </a:p>
+          </p:txBody>
         </p:sp>
         <p:sp>
           <p:nvSpPr>
@@ -15719,7 +14489,7 @@
                   <a16:creationId xmlns:a16="http://schemas.microsoft.com/office/drawing/2014/main" id="{B3BC96E3-7FEF-4BFD-8E2C-028CB37724AD}"/>
                 </a:ext>
                 <a:ext uri="{C183D7F6-B498-43B3-948B-1728B52AA6E4}">
-                  <adec:decorative xmlns:adec="http://schemas.microsoft.com/office/drawing/2017/decorative" xmlns="" val="1"/>
+                  <adec:decorative xmlns:adec="http://schemas.microsoft.com/office/drawing/2017/decorative" val="1"/>
                 </a:ext>
               </a:extLst>
             </p:cNvPr>
@@ -15774,6 +14544,13 @@
               <a:noFill/>
             </a:ln>
           </p:spPr>
+          <p:txBody>
+            <a:bodyPr/>
+            <a:lstStyle/>
+            <a:p>
+              <a:endParaRPr lang="pt-BR"/>
+            </a:p>
+          </p:txBody>
         </p:sp>
         <p:sp>
           <p:nvSpPr>
@@ -15783,7 +14560,7 @@
                   <a16:creationId xmlns:a16="http://schemas.microsoft.com/office/drawing/2014/main" id="{E7ED35DB-BAAE-4771-A0A0-65647ACC5809}"/>
                 </a:ext>
                 <a:ext uri="{C183D7F6-B498-43B3-948B-1728B52AA6E4}">
-                  <adec:decorative xmlns:adec="http://schemas.microsoft.com/office/drawing/2017/decorative" xmlns="" val="1"/>
+                  <adec:decorative xmlns:adec="http://schemas.microsoft.com/office/drawing/2017/decorative" val="1"/>
                 </a:ext>
               </a:extLst>
             </p:cNvPr>
@@ -15853,6 +14630,13 @@
               <a:noFill/>
             </a:ln>
           </p:spPr>
+          <p:txBody>
+            <a:bodyPr/>
+            <a:lstStyle/>
+            <a:p>
+              <a:endParaRPr lang="pt-BR"/>
+            </a:p>
+          </p:txBody>
         </p:sp>
         <p:sp>
           <p:nvSpPr>
@@ -15862,7 +14646,7 @@
                   <a16:creationId xmlns:a16="http://schemas.microsoft.com/office/drawing/2014/main" id="{4407B080-4ED5-43EB-8CCE-B43B336EF6D0}"/>
                 </a:ext>
                 <a:ext uri="{C183D7F6-B498-43B3-948B-1728B52AA6E4}">
-                  <adec:decorative xmlns:adec="http://schemas.microsoft.com/office/drawing/2017/decorative" xmlns="" val="1"/>
+                  <adec:decorative xmlns:adec="http://schemas.microsoft.com/office/drawing/2017/decorative" val="1"/>
                 </a:ext>
               </a:extLst>
             </p:cNvPr>
@@ -15977,6 +14761,13 @@
               <a:noFill/>
             </a:ln>
           </p:spPr>
+          <p:txBody>
+            <a:bodyPr/>
+            <a:lstStyle/>
+            <a:p>
+              <a:endParaRPr lang="pt-BR"/>
+            </a:p>
+          </p:txBody>
         </p:sp>
         <p:sp>
           <p:nvSpPr>
@@ -15986,7 +14777,7 @@
                   <a16:creationId xmlns:a16="http://schemas.microsoft.com/office/drawing/2014/main" id="{8C10C675-F599-45D3-8177-D7F7DEC16CF8}"/>
                 </a:ext>
                 <a:ext uri="{C183D7F6-B498-43B3-948B-1728B52AA6E4}">
-                  <adec:decorative xmlns:adec="http://schemas.microsoft.com/office/drawing/2017/decorative" xmlns="" val="1"/>
+                  <adec:decorative xmlns:adec="http://schemas.microsoft.com/office/drawing/2017/decorative" val="1"/>
                 </a:ext>
               </a:extLst>
             </p:cNvPr>
@@ -16041,6 +14832,13 @@
               <a:noFill/>
             </a:ln>
           </p:spPr>
+          <p:txBody>
+            <a:bodyPr/>
+            <a:lstStyle/>
+            <a:p>
+              <a:endParaRPr lang="pt-BR"/>
+            </a:p>
+          </p:txBody>
         </p:sp>
         <p:sp>
           <p:nvSpPr>
@@ -16050,7 +14848,7 @@
                   <a16:creationId xmlns:a16="http://schemas.microsoft.com/office/drawing/2014/main" id="{E2566A74-B9B1-469F-A373-3B3C60175C01}"/>
                 </a:ext>
                 <a:ext uri="{C183D7F6-B498-43B3-948B-1728B52AA6E4}">
-                  <adec:decorative xmlns:adec="http://schemas.microsoft.com/office/drawing/2017/decorative" xmlns="" val="1"/>
+                  <adec:decorative xmlns:adec="http://schemas.microsoft.com/office/drawing/2017/decorative" val="1"/>
                 </a:ext>
               </a:extLst>
             </p:cNvPr>
@@ -16125,6 +14923,13 @@
               <a:noFill/>
             </a:ln>
           </p:spPr>
+          <p:txBody>
+            <a:bodyPr/>
+            <a:lstStyle/>
+            <a:p>
+              <a:endParaRPr lang="pt-BR"/>
+            </a:p>
+          </p:txBody>
         </p:sp>
         <p:sp>
           <p:nvSpPr>
@@ -16134,7 +14939,7 @@
                   <a16:creationId xmlns:a16="http://schemas.microsoft.com/office/drawing/2014/main" id="{D108E5CB-8D77-4568-B6FF-2C30321345E1}"/>
                 </a:ext>
                 <a:ext uri="{C183D7F6-B498-43B3-948B-1728B52AA6E4}">
-                  <adec:decorative xmlns:adec="http://schemas.microsoft.com/office/drawing/2017/decorative" xmlns="" val="1"/>
+                  <adec:decorative xmlns:adec="http://schemas.microsoft.com/office/drawing/2017/decorative" val="1"/>
                 </a:ext>
               </a:extLst>
             </p:cNvPr>
@@ -16204,6 +15009,13 @@
               <a:noFill/>
             </a:ln>
           </p:spPr>
+          <p:txBody>
+            <a:bodyPr/>
+            <a:lstStyle/>
+            <a:p>
+              <a:endParaRPr lang="pt-BR"/>
+            </a:p>
+          </p:txBody>
         </p:sp>
         <p:sp>
           <p:nvSpPr>
@@ -16213,7 +15025,7 @@
                   <a16:creationId xmlns:a16="http://schemas.microsoft.com/office/drawing/2014/main" id="{7D8349D8-2AE2-4C78-84ED-22125F147B39}"/>
                 </a:ext>
                 <a:ext uri="{C183D7F6-B498-43B3-948B-1728B52AA6E4}">
-                  <adec:decorative xmlns:adec="http://schemas.microsoft.com/office/drawing/2017/decorative" xmlns="" val="1"/>
+                  <adec:decorative xmlns:adec="http://schemas.microsoft.com/office/drawing/2017/decorative" val="1"/>
                 </a:ext>
               </a:extLst>
             </p:cNvPr>
@@ -16288,6 +15100,13 @@
               <a:noFill/>
             </a:ln>
           </p:spPr>
+          <p:txBody>
+            <a:bodyPr/>
+            <a:lstStyle/>
+            <a:p>
+              <a:endParaRPr lang="pt-BR"/>
+            </a:p>
+          </p:txBody>
         </p:sp>
       </p:grpSp>
       <p:sp>
@@ -16298,7 +15117,7 @@
                 <a16:creationId xmlns:a16="http://schemas.microsoft.com/office/drawing/2014/main" id="{30684D86-C9D1-40C3-A9B6-EC935C7312E3}"/>
               </a:ext>
               <a:ext uri="{C183D7F6-B498-43B3-948B-1728B52AA6E4}">
-                <adec:decorative xmlns:adec="http://schemas.microsoft.com/office/drawing/2017/decorative" xmlns="" val="1"/>
+                <adec:decorative xmlns:adec="http://schemas.microsoft.com/office/drawing/2017/decorative" val="1"/>
               </a:ext>
             </a:extLst>
           </p:cNvPr>
@@ -16343,6 +15162,13 @@
             <a:schemeClr val="lt1"/>
           </a:fontRef>
         </p:style>
+        <p:txBody>
+          <a:bodyPr/>
+          <a:lstStyle/>
+          <a:p>
+            <a:endParaRPr lang="pt-BR"/>
+          </a:p>
+        </p:txBody>
       </p:sp>
       <p:sp>
         <p:nvSpPr>
@@ -16352,7 +15178,7 @@
                 <a16:creationId xmlns:a16="http://schemas.microsoft.com/office/drawing/2014/main" id="{1EDF7896-F56A-49DA-90F3-F5CE8B9833AD}"/>
               </a:ext>
               <a:ext uri="{C183D7F6-B498-43B3-948B-1728B52AA6E4}">
-                <adec:decorative xmlns:adec="http://schemas.microsoft.com/office/drawing/2017/decorative" xmlns="" val="1"/>
+                <adec:decorative xmlns:adec="http://schemas.microsoft.com/office/drawing/2017/decorative" val="1"/>
               </a:ext>
             </a:extLst>
           </p:cNvPr>
@@ -16442,6 +15268,13 @@
             <a:noFill/>
           </a:ln>
         </p:spPr>
+        <p:txBody>
+          <a:bodyPr/>
+          <a:lstStyle/>
+          <a:p>
+            <a:endParaRPr lang="pt-BR"/>
+          </a:p>
+        </p:txBody>
       </p:sp>
     </p:spTree>
     <p:extLst>
@@ -16453,25 +15286,18 @@
   <p:clrMapOvr>
     <a:masterClrMapping/>
   </p:clrMapOvr>
-  <mc:AlternateContent xmlns:mc="http://schemas.openxmlformats.org/markup-compatibility/2006">
-    <mc:Choice xmlns:p159="http://schemas.microsoft.com/office/powerpoint/2015/09/main" xmlns="" Requires="p159">
+  <mc:AlternateContent xmlns:mc="http://schemas.openxmlformats.org/markup-compatibility/2006" xmlns:p159="http://schemas.microsoft.com/office/powerpoint/2015/09/main">
+    <mc:Choice Requires="p159">
       <p:transition xmlns:p14="http://schemas.microsoft.com/office/powerpoint/2010/main" spd="slow" p14:dur="2000">
         <p159:morph option="byObject"/>
       </p:transition>
     </mc:Choice>
-    <mc:Fallback>
+    <mc:Fallback xmlns="">
       <p:transition spd="slow">
         <p:fade/>
       </p:transition>
     </mc:Fallback>
   </mc:AlternateContent>
-  <p:timing>
-    <p:tnLst>
-      <p:par>
-        <p:cTn id="1" dur="indefinite" restart="never" nodeType="tmRoot"/>
-      </p:par>
-    </p:tnLst>
-  </p:timing>
 </p:sld>
 </file>
 
@@ -17934,7 +16760,7 @@
                 <a16:creationId xmlns:a16="http://schemas.microsoft.com/office/drawing/2014/main" id="{166BF9EE-F7AC-4FA5-AC7E-001B3A642F75}"/>
               </a:ext>
               <a:ext uri="{C183D7F6-B498-43B3-948B-1728B52AA6E4}">
-                <adec:decorative xmlns:adec="http://schemas.microsoft.com/office/drawing/2017/decorative" xmlns="" val="1"/>
+                <adec:decorative xmlns:adec="http://schemas.microsoft.com/office/drawing/2017/decorative" val="1"/>
               </a:ext>
             </a:extLst>
           </p:cNvPr>
@@ -17965,7 +16791,7 @@
                   <a16:creationId xmlns:a16="http://schemas.microsoft.com/office/drawing/2014/main" id="{3B48D182-44E3-4D8B-ACEF-F1A900BE4430}"/>
                 </a:ext>
                 <a:ext uri="{C183D7F6-B498-43B3-948B-1728B52AA6E4}">
-                  <adec:decorative xmlns:adec="http://schemas.microsoft.com/office/drawing/2017/decorative" xmlns="" val="1"/>
+                  <adec:decorative xmlns:adec="http://schemas.microsoft.com/office/drawing/2017/decorative" val="1"/>
                 </a:ext>
               </a:extLst>
             </p:cNvPr>
@@ -18032,6 +16858,13 @@
               <a:noFill/>
             </a:ln>
           </p:spPr>
+          <p:txBody>
+            <a:bodyPr/>
+            <a:lstStyle/>
+            <a:p>
+              <a:endParaRPr lang="pt-BR"/>
+            </a:p>
+          </p:txBody>
         </p:sp>
         <p:sp>
           <p:nvSpPr>
@@ -18041,7 +16874,7 @@
                   <a16:creationId xmlns:a16="http://schemas.microsoft.com/office/drawing/2014/main" id="{355A535A-A489-477F-A314-593AA8CAFB21}"/>
                 </a:ext>
                 <a:ext uri="{C183D7F6-B498-43B3-948B-1728B52AA6E4}">
-                  <adec:decorative xmlns:adec="http://schemas.microsoft.com/office/drawing/2017/decorative" xmlns="" val="1"/>
+                  <adec:decorative xmlns:adec="http://schemas.microsoft.com/office/drawing/2017/decorative" val="1"/>
                 </a:ext>
               </a:extLst>
             </p:cNvPr>
@@ -18113,6 +16946,13 @@
               <a:noFill/>
             </a:ln>
           </p:spPr>
+          <p:txBody>
+            <a:bodyPr/>
+            <a:lstStyle/>
+            <a:p>
+              <a:endParaRPr lang="pt-BR"/>
+            </a:p>
+          </p:txBody>
         </p:sp>
         <p:sp>
           <p:nvSpPr>
@@ -18122,7 +16962,7 @@
                   <a16:creationId xmlns:a16="http://schemas.microsoft.com/office/drawing/2014/main" id="{954C2D4C-FD83-4EF4-9312-04442ABD66BF}"/>
                 </a:ext>
                 <a:ext uri="{C183D7F6-B498-43B3-948B-1728B52AA6E4}">
-                  <adec:decorative xmlns:adec="http://schemas.microsoft.com/office/drawing/2017/decorative" xmlns="" val="1"/>
+                  <adec:decorative xmlns:adec="http://schemas.microsoft.com/office/drawing/2017/decorative" val="1"/>
                 </a:ext>
               </a:extLst>
             </p:cNvPr>
@@ -18199,6 +17039,13 @@
               <a:noFill/>
             </a:ln>
           </p:spPr>
+          <p:txBody>
+            <a:bodyPr/>
+            <a:lstStyle/>
+            <a:p>
+              <a:endParaRPr lang="pt-BR"/>
+            </a:p>
+          </p:txBody>
         </p:sp>
         <p:sp>
           <p:nvSpPr>
@@ -18208,7 +17055,7 @@
                   <a16:creationId xmlns:a16="http://schemas.microsoft.com/office/drawing/2014/main" id="{C20701C2-CD9A-4698-BC97-E1085820C2C9}"/>
                 </a:ext>
                 <a:ext uri="{C183D7F6-B498-43B3-948B-1728B52AA6E4}">
-                  <adec:decorative xmlns:adec="http://schemas.microsoft.com/office/drawing/2017/decorative" xmlns="" val="1"/>
+                  <adec:decorative xmlns:adec="http://schemas.microsoft.com/office/drawing/2017/decorative" val="1"/>
                 </a:ext>
               </a:extLst>
             </p:cNvPr>
@@ -18265,6 +17112,13 @@
               <a:noFill/>
             </a:ln>
           </p:spPr>
+          <p:txBody>
+            <a:bodyPr/>
+            <a:lstStyle/>
+            <a:p>
+              <a:endParaRPr lang="pt-BR"/>
+            </a:p>
+          </p:txBody>
         </p:sp>
         <p:sp>
           <p:nvSpPr>
@@ -18274,7 +17128,7 @@
                   <a16:creationId xmlns:a16="http://schemas.microsoft.com/office/drawing/2014/main" id="{62575C35-466F-42AE-87A1-D691849AB8CF}"/>
                 </a:ext>
                 <a:ext uri="{C183D7F6-B498-43B3-948B-1728B52AA6E4}">
-                  <adec:decorative xmlns:adec="http://schemas.microsoft.com/office/drawing/2017/decorative" xmlns="" val="1"/>
+                  <adec:decorative xmlns:adec="http://schemas.microsoft.com/office/drawing/2017/decorative" val="1"/>
                 </a:ext>
               </a:extLst>
             </p:cNvPr>
@@ -18366,6 +17220,13 @@
               <a:noFill/>
             </a:ln>
           </p:spPr>
+          <p:txBody>
+            <a:bodyPr/>
+            <a:lstStyle/>
+            <a:p>
+              <a:endParaRPr lang="pt-BR"/>
+            </a:p>
+          </p:txBody>
         </p:sp>
         <p:sp>
           <p:nvSpPr>
@@ -18375,7 +17236,7 @@
                   <a16:creationId xmlns:a16="http://schemas.microsoft.com/office/drawing/2014/main" id="{58236F37-6119-45AC-80A0-CD2C311B5051}"/>
                 </a:ext>
                 <a:ext uri="{C183D7F6-B498-43B3-948B-1728B52AA6E4}">
-                  <adec:decorative xmlns:adec="http://schemas.microsoft.com/office/drawing/2017/decorative" xmlns="" val="1"/>
+                  <adec:decorative xmlns:adec="http://schemas.microsoft.com/office/drawing/2017/decorative" val="1"/>
                 </a:ext>
               </a:extLst>
             </p:cNvPr>
@@ -18462,6 +17323,13 @@
               <a:noFill/>
             </a:ln>
           </p:spPr>
+          <p:txBody>
+            <a:bodyPr/>
+            <a:lstStyle/>
+            <a:p>
+              <a:endParaRPr lang="pt-BR"/>
+            </a:p>
+          </p:txBody>
         </p:sp>
         <p:sp>
           <p:nvSpPr>
@@ -18471,7 +17339,7 @@
                   <a16:creationId xmlns:a16="http://schemas.microsoft.com/office/drawing/2014/main" id="{F3FDD799-39FE-4D6F-9A64-2F472B215078}"/>
                 </a:ext>
                 <a:ext uri="{C183D7F6-B498-43B3-948B-1728B52AA6E4}">
-                  <adec:decorative xmlns:adec="http://schemas.microsoft.com/office/drawing/2017/decorative" xmlns="" val="1"/>
+                  <adec:decorative xmlns:adec="http://schemas.microsoft.com/office/drawing/2017/decorative" val="1"/>
                 </a:ext>
               </a:extLst>
             </p:cNvPr>
@@ -18538,6 +17406,13 @@
               <a:noFill/>
             </a:ln>
           </p:spPr>
+          <p:txBody>
+            <a:bodyPr/>
+            <a:lstStyle/>
+            <a:p>
+              <a:endParaRPr lang="pt-BR"/>
+            </a:p>
+          </p:txBody>
         </p:sp>
         <p:sp>
           <p:nvSpPr>
@@ -18547,7 +17422,7 @@
                   <a16:creationId xmlns:a16="http://schemas.microsoft.com/office/drawing/2014/main" id="{9820D241-1D49-442C-A95A-00BC1BF9E295}"/>
                 </a:ext>
                 <a:ext uri="{C183D7F6-B498-43B3-948B-1728B52AA6E4}">
-                  <adec:decorative xmlns:adec="http://schemas.microsoft.com/office/drawing/2017/decorative" xmlns="" val="1"/>
+                  <adec:decorative xmlns:adec="http://schemas.microsoft.com/office/drawing/2017/decorative" val="1"/>
                 </a:ext>
               </a:extLst>
             </p:cNvPr>
@@ -18634,6 +17509,13 @@
               <a:noFill/>
             </a:ln>
           </p:spPr>
+          <p:txBody>
+            <a:bodyPr/>
+            <a:lstStyle/>
+            <a:p>
+              <a:endParaRPr lang="pt-BR"/>
+            </a:p>
+          </p:txBody>
         </p:sp>
         <p:sp>
           <p:nvSpPr>
@@ -18643,7 +17525,7 @@
                   <a16:creationId xmlns:a16="http://schemas.microsoft.com/office/drawing/2014/main" id="{EBC2197C-B383-4866-8ABD-74222400BE8E}"/>
                 </a:ext>
                 <a:ext uri="{C183D7F6-B498-43B3-948B-1728B52AA6E4}">
-                  <adec:decorative xmlns:adec="http://schemas.microsoft.com/office/drawing/2017/decorative" xmlns="" val="1"/>
+                  <adec:decorative xmlns:adec="http://schemas.microsoft.com/office/drawing/2017/decorative" val="1"/>
                 </a:ext>
               </a:extLst>
             </p:cNvPr>
@@ -18765,6 +17647,13 @@
               <a:noFill/>
             </a:ln>
           </p:spPr>
+          <p:txBody>
+            <a:bodyPr/>
+            <a:lstStyle/>
+            <a:p>
+              <a:endParaRPr lang="pt-BR"/>
+            </a:p>
+          </p:txBody>
         </p:sp>
         <p:sp>
           <p:nvSpPr>
@@ -18774,7 +17663,7 @@
                   <a16:creationId xmlns:a16="http://schemas.microsoft.com/office/drawing/2014/main" id="{404B06AA-FC93-4471-9DE4-56A401E70A50}"/>
                 </a:ext>
                 <a:ext uri="{C183D7F6-B498-43B3-948B-1728B52AA6E4}">
-                  <adec:decorative xmlns:adec="http://schemas.microsoft.com/office/drawing/2017/decorative" xmlns="" val="1"/>
+                  <adec:decorative xmlns:adec="http://schemas.microsoft.com/office/drawing/2017/decorative" val="1"/>
                 </a:ext>
               </a:extLst>
             </p:cNvPr>
@@ -18831,6 +17720,13 @@
               <a:noFill/>
             </a:ln>
           </p:spPr>
+          <p:txBody>
+            <a:bodyPr/>
+            <a:lstStyle/>
+            <a:p>
+              <a:endParaRPr lang="pt-BR"/>
+            </a:p>
+          </p:txBody>
         </p:sp>
         <p:sp>
           <p:nvSpPr>
@@ -18840,7 +17736,7 @@
                   <a16:creationId xmlns:a16="http://schemas.microsoft.com/office/drawing/2014/main" id="{E580600C-013F-4FAF-8FB7-4CC0FA80A92B}"/>
                 </a:ext>
                 <a:ext uri="{C183D7F6-B498-43B3-948B-1728B52AA6E4}">
-                  <adec:decorative xmlns:adec="http://schemas.microsoft.com/office/drawing/2017/decorative" xmlns="" val="1"/>
+                  <adec:decorative xmlns:adec="http://schemas.microsoft.com/office/drawing/2017/decorative" val="1"/>
                 </a:ext>
               </a:extLst>
             </p:cNvPr>
@@ -18907,6 +17803,13 @@
               <a:noFill/>
             </a:ln>
           </p:spPr>
+          <p:txBody>
+            <a:bodyPr/>
+            <a:lstStyle/>
+            <a:p>
+              <a:endParaRPr lang="pt-BR"/>
+            </a:p>
+          </p:txBody>
         </p:sp>
         <p:sp>
           <p:nvSpPr>
@@ -18916,7 +17819,7 @@
                   <a16:creationId xmlns:a16="http://schemas.microsoft.com/office/drawing/2014/main" id="{9BFCF199-64B2-4AEE-88C4-E954ABF36278}"/>
                 </a:ext>
                 <a:ext uri="{C183D7F6-B498-43B3-948B-1728B52AA6E4}">
-                  <adec:decorative xmlns:adec="http://schemas.microsoft.com/office/drawing/2017/decorative" xmlns="" val="1"/>
+                  <adec:decorative xmlns:adec="http://schemas.microsoft.com/office/drawing/2017/decorative" val="1"/>
                 </a:ext>
               </a:extLst>
             </p:cNvPr>
@@ -18993,6 +17896,13 @@
               <a:noFill/>
             </a:ln>
           </p:spPr>
+          <p:txBody>
+            <a:bodyPr/>
+            <a:lstStyle/>
+            <a:p>
+              <a:endParaRPr lang="pt-BR"/>
+            </a:p>
+          </p:txBody>
         </p:sp>
       </p:grpSp>
       <p:grpSp>
@@ -19003,7 +17913,7 @@
                 <a16:creationId xmlns:a16="http://schemas.microsoft.com/office/drawing/2014/main" id="{E312DBA5-56D8-42B2-BA94-28168C2A6703}"/>
               </a:ext>
               <a:ext uri="{C183D7F6-B498-43B3-948B-1728B52AA6E4}">
-                <adec:decorative xmlns:adec="http://schemas.microsoft.com/office/drawing/2017/decorative" xmlns="" val="1"/>
+                <adec:decorative xmlns:adec="http://schemas.microsoft.com/office/drawing/2017/decorative" val="1"/>
               </a:ext>
             </a:extLst>
           </p:cNvPr>
@@ -19034,7 +17944,7 @@
                   <a16:creationId xmlns:a16="http://schemas.microsoft.com/office/drawing/2014/main" id="{7AD46C74-3117-46B0-B267-0F61B57CACE3}"/>
                 </a:ext>
                 <a:ext uri="{C183D7F6-B498-43B3-948B-1728B52AA6E4}">
-                  <adec:decorative xmlns:adec="http://schemas.microsoft.com/office/drawing/2017/decorative" xmlns="" val="1"/>
+                  <adec:decorative xmlns:adec="http://schemas.microsoft.com/office/drawing/2017/decorative" val="1"/>
                 </a:ext>
               </a:extLst>
             </p:cNvPr>
@@ -19144,6 +18054,13 @@
               <a:noFill/>
             </a:ln>
           </p:spPr>
+          <p:txBody>
+            <a:bodyPr/>
+            <a:lstStyle/>
+            <a:p>
+              <a:endParaRPr lang="pt-BR"/>
+            </a:p>
+          </p:txBody>
         </p:sp>
         <p:sp>
           <p:nvSpPr>
@@ -19153,7 +18070,7 @@
                   <a16:creationId xmlns:a16="http://schemas.microsoft.com/office/drawing/2014/main" id="{8C13B810-9664-45D8-8510-D6ED0ADD7217}"/>
                 </a:ext>
                 <a:ext uri="{C183D7F6-B498-43B3-948B-1728B52AA6E4}">
-                  <adec:decorative xmlns:adec="http://schemas.microsoft.com/office/drawing/2017/decorative" xmlns="" val="1"/>
+                  <adec:decorative xmlns:adec="http://schemas.microsoft.com/office/drawing/2017/decorative" val="1"/>
                 </a:ext>
               </a:extLst>
             </p:cNvPr>
@@ -19228,6 +18145,13 @@
               <a:noFill/>
             </a:ln>
           </p:spPr>
+          <p:txBody>
+            <a:bodyPr/>
+            <a:lstStyle/>
+            <a:p>
+              <a:endParaRPr lang="pt-BR"/>
+            </a:p>
+          </p:txBody>
         </p:sp>
         <p:sp>
           <p:nvSpPr>
@@ -19237,7 +18161,7 @@
                   <a16:creationId xmlns:a16="http://schemas.microsoft.com/office/drawing/2014/main" id="{10306E52-A922-4458-BCCE-C3C840CC7556}"/>
                 </a:ext>
                 <a:ext uri="{C183D7F6-B498-43B3-948B-1728B52AA6E4}">
-                  <adec:decorative xmlns:adec="http://schemas.microsoft.com/office/drawing/2017/decorative" xmlns="" val="1"/>
+                  <adec:decorative xmlns:adec="http://schemas.microsoft.com/office/drawing/2017/decorative" val="1"/>
                 </a:ext>
               </a:extLst>
             </p:cNvPr>
@@ -19312,6 +18236,13 @@
               <a:noFill/>
             </a:ln>
           </p:spPr>
+          <p:txBody>
+            <a:bodyPr/>
+            <a:lstStyle/>
+            <a:p>
+              <a:endParaRPr lang="pt-BR"/>
+            </a:p>
+          </p:txBody>
         </p:sp>
         <p:sp>
           <p:nvSpPr>
@@ -19321,7 +18252,7 @@
                   <a16:creationId xmlns:a16="http://schemas.microsoft.com/office/drawing/2014/main" id="{CB578819-B7E7-4250-932F-52AE2A2A9A57}"/>
                 </a:ext>
                 <a:ext uri="{C183D7F6-B498-43B3-948B-1728B52AA6E4}">
-                  <adec:decorative xmlns:adec="http://schemas.microsoft.com/office/drawing/2017/decorative" xmlns="" val="1"/>
+                  <adec:decorative xmlns:adec="http://schemas.microsoft.com/office/drawing/2017/decorative" val="1"/>
                 </a:ext>
               </a:extLst>
             </p:cNvPr>
@@ -19411,6 +18342,13 @@
               <a:noFill/>
             </a:ln>
           </p:spPr>
+          <p:txBody>
+            <a:bodyPr/>
+            <a:lstStyle/>
+            <a:p>
+              <a:endParaRPr lang="pt-BR"/>
+            </a:p>
+          </p:txBody>
         </p:sp>
         <p:sp>
           <p:nvSpPr>
@@ -19420,7 +18358,7 @@
                   <a16:creationId xmlns:a16="http://schemas.microsoft.com/office/drawing/2014/main" id="{454B9C91-B623-424A-B16E-F764F189D300}"/>
                 </a:ext>
                 <a:ext uri="{C183D7F6-B498-43B3-948B-1728B52AA6E4}">
-                  <adec:decorative xmlns:adec="http://schemas.microsoft.com/office/drawing/2017/decorative" xmlns="" val="1"/>
+                  <adec:decorative xmlns:adec="http://schemas.microsoft.com/office/drawing/2017/decorative" val="1"/>
                 </a:ext>
               </a:extLst>
             </p:cNvPr>
@@ -19520,6 +18458,13 @@
               <a:noFill/>
             </a:ln>
           </p:spPr>
+          <p:txBody>
+            <a:bodyPr/>
+            <a:lstStyle/>
+            <a:p>
+              <a:endParaRPr lang="pt-BR"/>
+            </a:p>
+          </p:txBody>
         </p:sp>
         <p:sp>
           <p:nvSpPr>
@@ -19529,7 +18474,7 @@
                   <a16:creationId xmlns:a16="http://schemas.microsoft.com/office/drawing/2014/main" id="{EFD03C4A-8484-41E6-B458-032F1DCA70AA}"/>
                 </a:ext>
                 <a:ext uri="{C183D7F6-B498-43B3-948B-1728B52AA6E4}">
-                  <adec:decorative xmlns:adec="http://schemas.microsoft.com/office/drawing/2017/decorative" xmlns="" val="1"/>
+                  <adec:decorative xmlns:adec="http://schemas.microsoft.com/office/drawing/2017/decorative" val="1"/>
                 </a:ext>
               </a:extLst>
             </p:cNvPr>
@@ -19584,6 +18529,13 @@
               <a:noFill/>
             </a:ln>
           </p:spPr>
+          <p:txBody>
+            <a:bodyPr/>
+            <a:lstStyle/>
+            <a:p>
+              <a:endParaRPr lang="pt-BR"/>
+            </a:p>
+          </p:txBody>
         </p:sp>
         <p:sp>
           <p:nvSpPr>
@@ -19593,7 +18545,7 @@
                   <a16:creationId xmlns:a16="http://schemas.microsoft.com/office/drawing/2014/main" id="{DDC2F3C3-1D4E-4913-9C5C-F9A65B47E5CA}"/>
                 </a:ext>
                 <a:ext uri="{C183D7F6-B498-43B3-948B-1728B52AA6E4}">
-                  <adec:decorative xmlns:adec="http://schemas.microsoft.com/office/drawing/2017/decorative" xmlns="" val="1"/>
+                  <adec:decorative xmlns:adec="http://schemas.microsoft.com/office/drawing/2017/decorative" val="1"/>
                 </a:ext>
               </a:extLst>
             </p:cNvPr>
@@ -19663,6 +18615,13 @@
               <a:noFill/>
             </a:ln>
           </p:spPr>
+          <p:txBody>
+            <a:bodyPr/>
+            <a:lstStyle/>
+            <a:p>
+              <a:endParaRPr lang="pt-BR"/>
+            </a:p>
+          </p:txBody>
         </p:sp>
         <p:sp>
           <p:nvSpPr>
@@ -19672,7 +18631,7 @@
                   <a16:creationId xmlns:a16="http://schemas.microsoft.com/office/drawing/2014/main" id="{1E15BCA2-2420-4C53-ADE9-40FBAC238443}"/>
                 </a:ext>
                 <a:ext uri="{C183D7F6-B498-43B3-948B-1728B52AA6E4}">
-                  <adec:decorative xmlns:adec="http://schemas.microsoft.com/office/drawing/2017/decorative" xmlns="" val="1"/>
+                  <adec:decorative xmlns:adec="http://schemas.microsoft.com/office/drawing/2017/decorative" val="1"/>
                 </a:ext>
               </a:extLst>
             </p:cNvPr>
@@ -19787,6 +18746,13 @@
               <a:noFill/>
             </a:ln>
           </p:spPr>
+          <p:txBody>
+            <a:bodyPr/>
+            <a:lstStyle/>
+            <a:p>
+              <a:endParaRPr lang="pt-BR"/>
+            </a:p>
+          </p:txBody>
         </p:sp>
         <p:sp>
           <p:nvSpPr>
@@ -19796,7 +18762,7 @@
                   <a16:creationId xmlns:a16="http://schemas.microsoft.com/office/drawing/2014/main" id="{73D5FBF4-7129-4C51-B603-E3BC3341951B}"/>
                 </a:ext>
                 <a:ext uri="{C183D7F6-B498-43B3-948B-1728B52AA6E4}">
-                  <adec:decorative xmlns:adec="http://schemas.microsoft.com/office/drawing/2017/decorative" xmlns="" val="1"/>
+                  <adec:decorative xmlns:adec="http://schemas.microsoft.com/office/drawing/2017/decorative" val="1"/>
                 </a:ext>
               </a:extLst>
             </p:cNvPr>
@@ -19851,6 +18817,13 @@
               <a:noFill/>
             </a:ln>
           </p:spPr>
+          <p:txBody>
+            <a:bodyPr/>
+            <a:lstStyle/>
+            <a:p>
+              <a:endParaRPr lang="pt-BR"/>
+            </a:p>
+          </p:txBody>
         </p:sp>
         <p:sp>
           <p:nvSpPr>
@@ -19860,7 +18833,7 @@
                   <a16:creationId xmlns:a16="http://schemas.microsoft.com/office/drawing/2014/main" id="{0165B164-CE2A-494C-88FC-507232B37C08}"/>
                 </a:ext>
                 <a:ext uri="{C183D7F6-B498-43B3-948B-1728B52AA6E4}">
-                  <adec:decorative xmlns:adec="http://schemas.microsoft.com/office/drawing/2017/decorative" xmlns="" val="1"/>
+                  <adec:decorative xmlns:adec="http://schemas.microsoft.com/office/drawing/2017/decorative" val="1"/>
                 </a:ext>
               </a:extLst>
             </p:cNvPr>
@@ -19935,6 +18908,13 @@
               <a:noFill/>
             </a:ln>
           </p:spPr>
+          <p:txBody>
+            <a:bodyPr/>
+            <a:lstStyle/>
+            <a:p>
+              <a:endParaRPr lang="pt-BR"/>
+            </a:p>
+          </p:txBody>
         </p:sp>
         <p:sp>
           <p:nvSpPr>
@@ -19944,7 +18924,7 @@
                   <a16:creationId xmlns:a16="http://schemas.microsoft.com/office/drawing/2014/main" id="{87F127E5-B10B-4D18-BCF0-E7C3C7F401EC}"/>
                 </a:ext>
                 <a:ext uri="{C183D7F6-B498-43B3-948B-1728B52AA6E4}">
-                  <adec:decorative xmlns:adec="http://schemas.microsoft.com/office/drawing/2017/decorative" xmlns="" val="1"/>
+                  <adec:decorative xmlns:adec="http://schemas.microsoft.com/office/drawing/2017/decorative" val="1"/>
                 </a:ext>
               </a:extLst>
             </p:cNvPr>
@@ -20014,6 +18994,13 @@
               <a:noFill/>
             </a:ln>
           </p:spPr>
+          <p:txBody>
+            <a:bodyPr/>
+            <a:lstStyle/>
+            <a:p>
+              <a:endParaRPr lang="pt-BR"/>
+            </a:p>
+          </p:txBody>
         </p:sp>
         <p:sp>
           <p:nvSpPr>
@@ -20023,7 +19010,7 @@
                   <a16:creationId xmlns:a16="http://schemas.microsoft.com/office/drawing/2014/main" id="{FC692D59-F28D-4E42-B435-225F2C6CFA31}"/>
                 </a:ext>
                 <a:ext uri="{C183D7F6-B498-43B3-948B-1728B52AA6E4}">
-                  <adec:decorative xmlns:adec="http://schemas.microsoft.com/office/drawing/2017/decorative" xmlns="" val="1"/>
+                  <adec:decorative xmlns:adec="http://schemas.microsoft.com/office/drawing/2017/decorative" val="1"/>
                 </a:ext>
               </a:extLst>
             </p:cNvPr>
@@ -20098,6 +19085,13 @@
               <a:noFill/>
             </a:ln>
           </p:spPr>
+          <p:txBody>
+            <a:bodyPr/>
+            <a:lstStyle/>
+            <a:p>
+              <a:endParaRPr lang="pt-BR"/>
+            </a:p>
+          </p:txBody>
         </p:sp>
       </p:grpSp>
       <p:sp>
@@ -20108,7 +19102,7 @@
                 <a16:creationId xmlns:a16="http://schemas.microsoft.com/office/drawing/2014/main" id="{1996130F-9AB5-4DE9-8574-3AF891C5C172}"/>
               </a:ext>
               <a:ext uri="{C183D7F6-B498-43B3-948B-1728B52AA6E4}">
-                <adec:decorative xmlns:adec="http://schemas.microsoft.com/office/drawing/2017/decorative" xmlns="" val="1"/>
+                <adec:decorative xmlns:adec="http://schemas.microsoft.com/office/drawing/2017/decorative" val="1"/>
               </a:ext>
             </a:extLst>
           </p:cNvPr>
@@ -20153,6 +19147,13 @@
             <a:schemeClr val="lt1"/>
           </a:fontRef>
         </p:style>
+        <p:txBody>
+          <a:bodyPr/>
+          <a:lstStyle/>
+          <a:p>
+            <a:endParaRPr lang="pt-BR"/>
+          </a:p>
+        </p:txBody>
       </p:sp>
       <p:sp>
         <p:nvSpPr>
@@ -20162,7 +19163,7 @@
                 <a16:creationId xmlns:a16="http://schemas.microsoft.com/office/drawing/2014/main" id="{7326F4E6-9131-42DA-97B2-0BA8D1E258AD}"/>
               </a:ext>
               <a:ext uri="{C183D7F6-B498-43B3-948B-1728B52AA6E4}">
-                <adec:decorative xmlns:adec="http://schemas.microsoft.com/office/drawing/2017/decorative" xmlns="" val="1"/>
+                <adec:decorative xmlns:adec="http://schemas.microsoft.com/office/drawing/2017/decorative" val="1"/>
               </a:ext>
             </a:extLst>
           </p:cNvPr>
@@ -20252,6 +19253,13 @@
             <a:noFill/>
           </a:ln>
         </p:spPr>
+        <p:txBody>
+          <a:bodyPr/>
+          <a:lstStyle/>
+          <a:p>
+            <a:endParaRPr lang="pt-BR"/>
+          </a:p>
+        </p:txBody>
       </p:sp>
       <p:sp useBgFill="1">
         <p:nvSpPr>
@@ -20261,7 +19269,7 @@
                 <a16:creationId xmlns:a16="http://schemas.microsoft.com/office/drawing/2014/main" id="{763516C8-F227-4B77-9AA7-61B9A0B78253}"/>
               </a:ext>
               <a:ext uri="{C183D7F6-B498-43B3-948B-1728B52AA6E4}">
-                <adec:decorative xmlns:adec="http://schemas.microsoft.com/office/drawing/2017/decorative" xmlns="" val="1"/>
+                <adec:decorative xmlns:adec="http://schemas.microsoft.com/office/drawing/2017/decorative" val="1"/>
               </a:ext>
             </a:extLst>
           </p:cNvPr>
@@ -20402,7 +19410,7 @@
                 <a16:creationId xmlns:a16="http://schemas.microsoft.com/office/drawing/2014/main" id="{D91B420C-C4C8-44DF-96B2-FBD1014646FE}"/>
               </a:ext>
               <a:ext uri="{C183D7F6-B498-43B3-948B-1728B52AA6E4}">
-                <adec:decorative xmlns:adec="http://schemas.microsoft.com/office/drawing/2017/decorative" xmlns="" val="1"/>
+                <adec:decorative xmlns:adec="http://schemas.microsoft.com/office/drawing/2017/decorative" val="1"/>
               </a:ext>
             </a:extLst>
           </p:cNvPr>
@@ -20447,6 +19455,13 @@
             <a:schemeClr val="lt1"/>
           </a:fontRef>
         </p:style>
+        <p:txBody>
+          <a:bodyPr/>
+          <a:lstStyle/>
+          <a:p>
+            <a:endParaRPr lang="pt-BR"/>
+          </a:p>
+        </p:txBody>
       </p:sp>
       <p:sp>
         <p:nvSpPr>
@@ -20501,45 +19516,6 @@
           </a:p>
         </p:txBody>
       </p:sp>
-      <p:pic>
-        <p:nvPicPr>
-          <p:cNvPr id="12" name="Espaço Reservado para Conteúdo 11">
-            <a:extLst>
-              <a:ext uri="{FF2B5EF4-FFF2-40B4-BE49-F238E27FC236}">
-                <a16:creationId xmlns:a16="http://schemas.microsoft.com/office/drawing/2014/main" id="{DDD6EC54-BB8D-C23E-7129-19F536034B99}"/>
-              </a:ext>
-            </a:extLst>
-          </p:cNvPr>
-          <p:cNvPicPr>
-            <a:picLocks noGrp="1" noChangeAspect="1"/>
-          </p:cNvPicPr>
-          <p:nvPr>
-            <p:ph idx="1"/>
-          </p:nvPr>
-        </p:nvPicPr>
-        <p:blipFill rotWithShape="1">
-          <a:blip r:embed="rId2"/>
-          <a:srcRect l="-676" r="60889"/>
-          <a:stretch/>
-        </p:blipFill>
-        <p:spPr>
-          <a:xfrm>
-            <a:off x="3578433" y="503167"/>
-            <a:ext cx="4211083" cy="2020920"/>
-          </a:xfrm>
-          <a:prstGeom prst="rect">
-            <a:avLst/>
-          </a:prstGeom>
-          <a:effectLst>
-            <a:innerShdw blurRad="63500" dist="50800" dir="8100000">
-              <a:prstClr val="black">
-                <a:alpha val="50000"/>
-              </a:prstClr>
-            </a:innerShdw>
-            <a:reflection blurRad="6350" stA="50000" endA="300" endPos="38500" dist="762000" dir="5400000" sy="-100000" algn="bl" rotWithShape="0"/>
-          </a:effectLst>
-        </p:spPr>
-      </p:pic>
       <p:sp>
         <p:nvSpPr>
           <p:cNvPr id="129" name="Freeform 33">
@@ -20548,7 +19524,7 @@
                 <a16:creationId xmlns:a16="http://schemas.microsoft.com/office/drawing/2014/main" id="{070928B1-3E69-44AC-A1EE-B4E4270A7A51}"/>
               </a:ext>
               <a:ext uri="{C183D7F6-B498-43B3-948B-1728B52AA6E4}">
-                <adec:decorative xmlns:adec="http://schemas.microsoft.com/office/drawing/2017/decorative" xmlns="" val="1"/>
+                <adec:decorative xmlns:adec="http://schemas.microsoft.com/office/drawing/2017/decorative" val="1"/>
               </a:ext>
             </a:extLst>
           </p:cNvPr>
@@ -20638,6 +19614,13 @@
             <a:noFill/>
           </a:ln>
         </p:spPr>
+        <p:txBody>
+          <a:bodyPr/>
+          <a:lstStyle/>
+          <a:p>
+            <a:endParaRPr lang="pt-BR"/>
+          </a:p>
+        </p:txBody>
       </p:sp>
       <p:sp>
         <p:nvSpPr>
@@ -20713,7 +19696,7 @@
             </a:pPr>
             <a:r>
               <a:rPr lang="en-US" sz="1600" b="1" dirty="0"/>
-              <a:t>App_paliniexe_1.0.4.xlsm (</a:t>
+              <a:t>Quality_system.xlsm (</a:t>
             </a:r>
             <a:r>
               <a:rPr lang="en-US" sz="1600" b="1" dirty="0" err="1"/>
@@ -20824,6 +19807,35 @@
           </a:p>
         </p:txBody>
       </p:sp>
+      <p:pic>
+        <p:nvPicPr>
+          <p:cNvPr id="5" name="Imagem 4">
+            <a:extLst>
+              <a:ext uri="{FF2B5EF4-FFF2-40B4-BE49-F238E27FC236}">
+                <a16:creationId xmlns:a16="http://schemas.microsoft.com/office/drawing/2014/main" id="{7B27EA85-9700-C05D-1D76-45B2F36CEFF2}"/>
+              </a:ext>
+            </a:extLst>
+          </p:cNvPr>
+          <p:cNvPicPr>
+            <a:picLocks noChangeAspect="1"/>
+          </p:cNvPicPr>
+          <p:nvPr/>
+        </p:nvPicPr>
+        <p:blipFill rotWithShape="1">
+          <a:blip r:embed="rId2"/>
+          <a:srcRect l="-1" r="32475"/>
+          <a:stretch/>
+        </p:blipFill>
+        <p:spPr>
+          <a:xfrm>
+            <a:off x="3435230" y="861508"/>
+            <a:ext cx="4459392" cy="1411300"/>
+          </a:xfrm>
+          <a:prstGeom prst="rect">
+            <a:avLst/>
+          </a:prstGeom>
+        </p:spPr>
+      </p:pic>
       <p:sp>
         <p:nvSpPr>
           <p:cNvPr id="14" name="Seta: para Baixo 13">
@@ -20890,138 +19902,6 @@
       </p:transition>
     </mc:Fallback>
   </mc:AlternateContent>
-  <p:timing>
-    <p:tnLst>
-      <p:par>
-        <p:cTn id="1" dur="indefinite" restart="never" nodeType="tmRoot">
-          <p:childTnLst>
-            <p:seq concurrent="1" nextAc="seek">
-              <p:cTn id="2" dur="indefinite" nodeType="mainSeq">
-                <p:childTnLst>
-                  <p:par>
-                    <p:cTn id="3" fill="hold">
-                      <p:stCondLst>
-                        <p:cond delay="indefinite"/>
-                        <p:cond evt="onBegin" delay="0">
-                          <p:tn val="2"/>
-                        </p:cond>
-                      </p:stCondLst>
-                      <p:childTnLst>
-                        <p:par>
-                          <p:cTn id="4" fill="hold">
-                            <p:stCondLst>
-                              <p:cond delay="0"/>
-                            </p:stCondLst>
-                            <p:childTnLst>
-                              <p:par>
-                                <p:cTn id="5" presetID="53" presetClass="entr" presetSubtype="16" fill="hold" nodeType="withEffect">
-                                  <p:stCondLst>
-                                    <p:cond delay="0"/>
-                                  </p:stCondLst>
-                                  <p:childTnLst>
-                                    <p:set>
-                                      <p:cBhvr>
-                                        <p:cTn id="6" dur="1" fill="hold">
-                                          <p:stCondLst>
-                                            <p:cond delay="0"/>
-                                          </p:stCondLst>
-                                        </p:cTn>
-                                        <p:tgtEl>
-                                          <p:spTgt spid="12"/>
-                                        </p:tgtEl>
-                                        <p:attrNameLst>
-                                          <p:attrName>style.visibility</p:attrName>
-                                        </p:attrNameLst>
-                                      </p:cBhvr>
-                                      <p:to>
-                                        <p:strVal val="visible"/>
-                                      </p:to>
-                                    </p:set>
-                                    <p:anim calcmode="lin" valueType="num">
-                                      <p:cBhvr>
-                                        <p:cTn id="7" dur="500" fill="hold"/>
-                                        <p:tgtEl>
-                                          <p:spTgt spid="12"/>
-                                        </p:tgtEl>
-                                        <p:attrNameLst>
-                                          <p:attrName>ppt_w</p:attrName>
-                                        </p:attrNameLst>
-                                      </p:cBhvr>
-                                      <p:tavLst>
-                                        <p:tav tm="0">
-                                          <p:val>
-                                            <p:fltVal val="0"/>
-                                          </p:val>
-                                        </p:tav>
-                                        <p:tav tm="100000">
-                                          <p:val>
-                                            <p:strVal val="#ppt_w"/>
-                                          </p:val>
-                                        </p:tav>
-                                      </p:tavLst>
-                                    </p:anim>
-                                    <p:anim calcmode="lin" valueType="num">
-                                      <p:cBhvr>
-                                        <p:cTn id="8" dur="500" fill="hold"/>
-                                        <p:tgtEl>
-                                          <p:spTgt spid="12"/>
-                                        </p:tgtEl>
-                                        <p:attrNameLst>
-                                          <p:attrName>ppt_h</p:attrName>
-                                        </p:attrNameLst>
-                                      </p:cBhvr>
-                                      <p:tavLst>
-                                        <p:tav tm="0">
-                                          <p:val>
-                                            <p:fltVal val="0"/>
-                                          </p:val>
-                                        </p:tav>
-                                        <p:tav tm="100000">
-                                          <p:val>
-                                            <p:strVal val="#ppt_h"/>
-                                          </p:val>
-                                        </p:tav>
-                                      </p:tavLst>
-                                    </p:anim>
-                                    <p:animEffect transition="in" filter="fade">
-                                      <p:cBhvr>
-                                        <p:cTn id="9" dur="500"/>
-                                        <p:tgtEl>
-                                          <p:spTgt spid="12"/>
-                                        </p:tgtEl>
-                                      </p:cBhvr>
-                                    </p:animEffect>
-                                  </p:childTnLst>
-                                </p:cTn>
-                              </p:par>
-                            </p:childTnLst>
-                          </p:cTn>
-                        </p:par>
-                      </p:childTnLst>
-                    </p:cTn>
-                  </p:par>
-                </p:childTnLst>
-              </p:cTn>
-              <p:prevCondLst>
-                <p:cond evt="onPrev" delay="0">
-                  <p:tgtEl>
-                    <p:sldTgt/>
-                  </p:tgtEl>
-                </p:cond>
-              </p:prevCondLst>
-              <p:nextCondLst>
-                <p:cond evt="onNext" delay="0">
-                  <p:tgtEl>
-                    <p:sldTgt/>
-                  </p:tgtEl>
-                </p:cond>
-              </p:nextCondLst>
-            </p:seq>
-          </p:childTnLst>
-        </p:cTn>
-      </p:par>
-    </p:tnLst>
-  </p:timing>
 </p:sld>
 </file>
 
@@ -21076,7 +19956,7 @@
                 <a16:creationId xmlns:a16="http://schemas.microsoft.com/office/drawing/2014/main" id="{166BF9EE-F7AC-4FA5-AC7E-001B3A642F75}"/>
               </a:ext>
               <a:ext uri="{C183D7F6-B498-43B3-948B-1728B52AA6E4}">
-                <adec:decorative xmlns:adec="http://schemas.microsoft.com/office/drawing/2017/decorative" xmlns="" val="1"/>
+                <adec:decorative xmlns:adec="http://schemas.microsoft.com/office/drawing/2017/decorative" val="1"/>
               </a:ext>
             </a:extLst>
           </p:cNvPr>
@@ -21107,7 +19987,7 @@
                   <a16:creationId xmlns:a16="http://schemas.microsoft.com/office/drawing/2014/main" id="{3B48D182-44E3-4D8B-ACEF-F1A900BE4430}"/>
                 </a:ext>
                 <a:ext uri="{C183D7F6-B498-43B3-948B-1728B52AA6E4}">
-                  <adec:decorative xmlns:adec="http://schemas.microsoft.com/office/drawing/2017/decorative" xmlns="" val="1"/>
+                  <adec:decorative xmlns:adec="http://schemas.microsoft.com/office/drawing/2017/decorative" val="1"/>
                 </a:ext>
               </a:extLst>
             </p:cNvPr>
@@ -21174,6 +20054,13 @@
               <a:noFill/>
             </a:ln>
           </p:spPr>
+          <p:txBody>
+            <a:bodyPr/>
+            <a:lstStyle/>
+            <a:p>
+              <a:endParaRPr lang="pt-BR"/>
+            </a:p>
+          </p:txBody>
         </p:sp>
         <p:sp>
           <p:nvSpPr>
@@ -21183,7 +20070,7 @@
                   <a16:creationId xmlns:a16="http://schemas.microsoft.com/office/drawing/2014/main" id="{355A535A-A489-477F-A314-593AA8CAFB21}"/>
                 </a:ext>
                 <a:ext uri="{C183D7F6-B498-43B3-948B-1728B52AA6E4}">
-                  <adec:decorative xmlns:adec="http://schemas.microsoft.com/office/drawing/2017/decorative" xmlns="" val="1"/>
+                  <adec:decorative xmlns:adec="http://schemas.microsoft.com/office/drawing/2017/decorative" val="1"/>
                 </a:ext>
               </a:extLst>
             </p:cNvPr>
@@ -21255,6 +20142,13 @@
               <a:noFill/>
             </a:ln>
           </p:spPr>
+          <p:txBody>
+            <a:bodyPr/>
+            <a:lstStyle/>
+            <a:p>
+              <a:endParaRPr lang="pt-BR"/>
+            </a:p>
+          </p:txBody>
         </p:sp>
         <p:sp>
           <p:nvSpPr>
@@ -21264,7 +20158,7 @@
                   <a16:creationId xmlns:a16="http://schemas.microsoft.com/office/drawing/2014/main" id="{954C2D4C-FD83-4EF4-9312-04442ABD66BF}"/>
                 </a:ext>
                 <a:ext uri="{C183D7F6-B498-43B3-948B-1728B52AA6E4}">
-                  <adec:decorative xmlns:adec="http://schemas.microsoft.com/office/drawing/2017/decorative" xmlns="" val="1"/>
+                  <adec:decorative xmlns:adec="http://schemas.microsoft.com/office/drawing/2017/decorative" val="1"/>
                 </a:ext>
               </a:extLst>
             </p:cNvPr>
@@ -21341,6 +20235,13 @@
               <a:noFill/>
             </a:ln>
           </p:spPr>
+          <p:txBody>
+            <a:bodyPr/>
+            <a:lstStyle/>
+            <a:p>
+              <a:endParaRPr lang="pt-BR"/>
+            </a:p>
+          </p:txBody>
         </p:sp>
         <p:sp>
           <p:nvSpPr>
@@ -21350,7 +20251,7 @@
                   <a16:creationId xmlns:a16="http://schemas.microsoft.com/office/drawing/2014/main" id="{C20701C2-CD9A-4698-BC97-E1085820C2C9}"/>
                 </a:ext>
                 <a:ext uri="{C183D7F6-B498-43B3-948B-1728B52AA6E4}">
-                  <adec:decorative xmlns:adec="http://schemas.microsoft.com/office/drawing/2017/decorative" xmlns="" val="1"/>
+                  <adec:decorative xmlns:adec="http://schemas.microsoft.com/office/drawing/2017/decorative" val="1"/>
                 </a:ext>
               </a:extLst>
             </p:cNvPr>
@@ -21407,6 +20308,13 @@
               <a:noFill/>
             </a:ln>
           </p:spPr>
+          <p:txBody>
+            <a:bodyPr/>
+            <a:lstStyle/>
+            <a:p>
+              <a:endParaRPr lang="pt-BR"/>
+            </a:p>
+          </p:txBody>
         </p:sp>
         <p:sp>
           <p:nvSpPr>
@@ -21416,7 +20324,7 @@
                   <a16:creationId xmlns:a16="http://schemas.microsoft.com/office/drawing/2014/main" id="{62575C35-466F-42AE-87A1-D691849AB8CF}"/>
                 </a:ext>
                 <a:ext uri="{C183D7F6-B498-43B3-948B-1728B52AA6E4}">
-                  <adec:decorative xmlns:adec="http://schemas.microsoft.com/office/drawing/2017/decorative" xmlns="" val="1"/>
+                  <adec:decorative xmlns:adec="http://schemas.microsoft.com/office/drawing/2017/decorative" val="1"/>
                 </a:ext>
               </a:extLst>
             </p:cNvPr>
@@ -21508,6 +20416,13 @@
               <a:noFill/>
             </a:ln>
           </p:spPr>
+          <p:txBody>
+            <a:bodyPr/>
+            <a:lstStyle/>
+            <a:p>
+              <a:endParaRPr lang="pt-BR"/>
+            </a:p>
+          </p:txBody>
         </p:sp>
         <p:sp>
           <p:nvSpPr>
@@ -21517,7 +20432,7 @@
                   <a16:creationId xmlns:a16="http://schemas.microsoft.com/office/drawing/2014/main" id="{58236F37-6119-45AC-80A0-CD2C311B5051}"/>
                 </a:ext>
                 <a:ext uri="{C183D7F6-B498-43B3-948B-1728B52AA6E4}">
-                  <adec:decorative xmlns:adec="http://schemas.microsoft.com/office/drawing/2017/decorative" xmlns="" val="1"/>
+                  <adec:decorative xmlns:adec="http://schemas.microsoft.com/office/drawing/2017/decorative" val="1"/>
                 </a:ext>
               </a:extLst>
             </p:cNvPr>
@@ -21604,6 +20519,13 @@
               <a:noFill/>
             </a:ln>
           </p:spPr>
+          <p:txBody>
+            <a:bodyPr/>
+            <a:lstStyle/>
+            <a:p>
+              <a:endParaRPr lang="pt-BR"/>
+            </a:p>
+          </p:txBody>
         </p:sp>
         <p:sp>
           <p:nvSpPr>
@@ -21613,7 +20535,7 @@
                   <a16:creationId xmlns:a16="http://schemas.microsoft.com/office/drawing/2014/main" id="{F3FDD799-39FE-4D6F-9A64-2F472B215078}"/>
                 </a:ext>
                 <a:ext uri="{C183D7F6-B498-43B3-948B-1728B52AA6E4}">
-                  <adec:decorative xmlns:adec="http://schemas.microsoft.com/office/drawing/2017/decorative" xmlns="" val="1"/>
+                  <adec:decorative xmlns:adec="http://schemas.microsoft.com/office/drawing/2017/decorative" val="1"/>
                 </a:ext>
               </a:extLst>
             </p:cNvPr>
@@ -21680,6 +20602,13 @@
               <a:noFill/>
             </a:ln>
           </p:spPr>
+          <p:txBody>
+            <a:bodyPr/>
+            <a:lstStyle/>
+            <a:p>
+              <a:endParaRPr lang="pt-BR"/>
+            </a:p>
+          </p:txBody>
         </p:sp>
         <p:sp>
           <p:nvSpPr>
@@ -21689,7 +20618,7 @@
                   <a16:creationId xmlns:a16="http://schemas.microsoft.com/office/drawing/2014/main" id="{9820D241-1D49-442C-A95A-00BC1BF9E295}"/>
                 </a:ext>
                 <a:ext uri="{C183D7F6-B498-43B3-948B-1728B52AA6E4}">
-                  <adec:decorative xmlns:adec="http://schemas.microsoft.com/office/drawing/2017/decorative" xmlns="" val="1"/>
+                  <adec:decorative xmlns:adec="http://schemas.microsoft.com/office/drawing/2017/decorative" val="1"/>
                 </a:ext>
               </a:extLst>
             </p:cNvPr>
@@ -21776,6 +20705,13 @@
               <a:noFill/>
             </a:ln>
           </p:spPr>
+          <p:txBody>
+            <a:bodyPr/>
+            <a:lstStyle/>
+            <a:p>
+              <a:endParaRPr lang="pt-BR"/>
+            </a:p>
+          </p:txBody>
         </p:sp>
         <p:sp>
           <p:nvSpPr>
@@ -21785,7 +20721,7 @@
                   <a16:creationId xmlns:a16="http://schemas.microsoft.com/office/drawing/2014/main" id="{EBC2197C-B383-4866-8ABD-74222400BE8E}"/>
                 </a:ext>
                 <a:ext uri="{C183D7F6-B498-43B3-948B-1728B52AA6E4}">
-                  <adec:decorative xmlns:adec="http://schemas.microsoft.com/office/drawing/2017/decorative" xmlns="" val="1"/>
+                  <adec:decorative xmlns:adec="http://schemas.microsoft.com/office/drawing/2017/decorative" val="1"/>
                 </a:ext>
               </a:extLst>
             </p:cNvPr>
@@ -21907,6 +20843,13 @@
               <a:noFill/>
             </a:ln>
           </p:spPr>
+          <p:txBody>
+            <a:bodyPr/>
+            <a:lstStyle/>
+            <a:p>
+              <a:endParaRPr lang="pt-BR"/>
+            </a:p>
+          </p:txBody>
         </p:sp>
         <p:sp>
           <p:nvSpPr>
@@ -21916,7 +20859,7 @@
                   <a16:creationId xmlns:a16="http://schemas.microsoft.com/office/drawing/2014/main" id="{404B06AA-FC93-4471-9DE4-56A401E70A50}"/>
                 </a:ext>
                 <a:ext uri="{C183D7F6-B498-43B3-948B-1728B52AA6E4}">
-                  <adec:decorative xmlns:adec="http://schemas.microsoft.com/office/drawing/2017/decorative" xmlns="" val="1"/>
+                  <adec:decorative xmlns:adec="http://schemas.microsoft.com/office/drawing/2017/decorative" val="1"/>
                 </a:ext>
               </a:extLst>
             </p:cNvPr>
@@ -21973,6 +20916,13 @@
               <a:noFill/>
             </a:ln>
           </p:spPr>
+          <p:txBody>
+            <a:bodyPr/>
+            <a:lstStyle/>
+            <a:p>
+              <a:endParaRPr lang="pt-BR"/>
+            </a:p>
+          </p:txBody>
         </p:sp>
         <p:sp>
           <p:nvSpPr>
@@ -21982,7 +20932,7 @@
                   <a16:creationId xmlns:a16="http://schemas.microsoft.com/office/drawing/2014/main" id="{E580600C-013F-4FAF-8FB7-4CC0FA80A92B}"/>
                 </a:ext>
                 <a:ext uri="{C183D7F6-B498-43B3-948B-1728B52AA6E4}">
-                  <adec:decorative xmlns:adec="http://schemas.microsoft.com/office/drawing/2017/decorative" xmlns="" val="1"/>
+                  <adec:decorative xmlns:adec="http://schemas.microsoft.com/office/drawing/2017/decorative" val="1"/>
                 </a:ext>
               </a:extLst>
             </p:cNvPr>
@@ -22049,6 +20999,13 @@
               <a:noFill/>
             </a:ln>
           </p:spPr>
+          <p:txBody>
+            <a:bodyPr/>
+            <a:lstStyle/>
+            <a:p>
+              <a:endParaRPr lang="pt-BR"/>
+            </a:p>
+          </p:txBody>
         </p:sp>
         <p:sp>
           <p:nvSpPr>
@@ -22058,7 +21015,7 @@
                   <a16:creationId xmlns:a16="http://schemas.microsoft.com/office/drawing/2014/main" id="{9BFCF199-64B2-4AEE-88C4-E954ABF36278}"/>
                 </a:ext>
                 <a:ext uri="{C183D7F6-B498-43B3-948B-1728B52AA6E4}">
-                  <adec:decorative xmlns:adec="http://schemas.microsoft.com/office/drawing/2017/decorative" xmlns="" val="1"/>
+                  <adec:decorative xmlns:adec="http://schemas.microsoft.com/office/drawing/2017/decorative" val="1"/>
                 </a:ext>
               </a:extLst>
             </p:cNvPr>
@@ -22135,6 +21092,13 @@
               <a:noFill/>
             </a:ln>
           </p:spPr>
+          <p:txBody>
+            <a:bodyPr/>
+            <a:lstStyle/>
+            <a:p>
+              <a:endParaRPr lang="pt-BR"/>
+            </a:p>
+          </p:txBody>
         </p:sp>
       </p:grpSp>
       <p:grpSp>
@@ -22145,7 +21109,7 @@
                 <a16:creationId xmlns:a16="http://schemas.microsoft.com/office/drawing/2014/main" id="{E312DBA5-56D8-42B2-BA94-28168C2A6703}"/>
               </a:ext>
               <a:ext uri="{C183D7F6-B498-43B3-948B-1728B52AA6E4}">
-                <adec:decorative xmlns:adec="http://schemas.microsoft.com/office/drawing/2017/decorative" xmlns="" val="1"/>
+                <adec:decorative xmlns:adec="http://schemas.microsoft.com/office/drawing/2017/decorative" val="1"/>
               </a:ext>
             </a:extLst>
           </p:cNvPr>
@@ -22176,7 +21140,7 @@
                   <a16:creationId xmlns:a16="http://schemas.microsoft.com/office/drawing/2014/main" id="{7AD46C74-3117-46B0-B267-0F61B57CACE3}"/>
                 </a:ext>
                 <a:ext uri="{C183D7F6-B498-43B3-948B-1728B52AA6E4}">
-                  <adec:decorative xmlns:adec="http://schemas.microsoft.com/office/drawing/2017/decorative" xmlns="" val="1"/>
+                  <adec:decorative xmlns:adec="http://schemas.microsoft.com/office/drawing/2017/decorative" val="1"/>
                 </a:ext>
               </a:extLst>
             </p:cNvPr>
@@ -22286,6 +21250,13 @@
               <a:noFill/>
             </a:ln>
           </p:spPr>
+          <p:txBody>
+            <a:bodyPr/>
+            <a:lstStyle/>
+            <a:p>
+              <a:endParaRPr lang="pt-BR"/>
+            </a:p>
+          </p:txBody>
         </p:sp>
         <p:sp>
           <p:nvSpPr>
@@ -22295,7 +21266,7 @@
                   <a16:creationId xmlns:a16="http://schemas.microsoft.com/office/drawing/2014/main" id="{8C13B810-9664-45D8-8510-D6ED0ADD7217}"/>
                 </a:ext>
                 <a:ext uri="{C183D7F6-B498-43B3-948B-1728B52AA6E4}">
-                  <adec:decorative xmlns:adec="http://schemas.microsoft.com/office/drawing/2017/decorative" xmlns="" val="1"/>
+                  <adec:decorative xmlns:adec="http://schemas.microsoft.com/office/drawing/2017/decorative" val="1"/>
                 </a:ext>
               </a:extLst>
             </p:cNvPr>
@@ -22370,6 +21341,13 @@
               <a:noFill/>
             </a:ln>
           </p:spPr>
+          <p:txBody>
+            <a:bodyPr/>
+            <a:lstStyle/>
+            <a:p>
+              <a:endParaRPr lang="pt-BR"/>
+            </a:p>
+          </p:txBody>
         </p:sp>
         <p:sp>
           <p:nvSpPr>
@@ -22379,7 +21357,7 @@
                   <a16:creationId xmlns:a16="http://schemas.microsoft.com/office/drawing/2014/main" id="{10306E52-A922-4458-BCCE-C3C840CC7556}"/>
                 </a:ext>
                 <a:ext uri="{C183D7F6-B498-43B3-948B-1728B52AA6E4}">
-                  <adec:decorative xmlns:adec="http://schemas.microsoft.com/office/drawing/2017/decorative" xmlns="" val="1"/>
+                  <adec:decorative xmlns:adec="http://schemas.microsoft.com/office/drawing/2017/decorative" val="1"/>
                 </a:ext>
               </a:extLst>
             </p:cNvPr>
@@ -22454,6 +21432,13 @@
               <a:noFill/>
             </a:ln>
           </p:spPr>
+          <p:txBody>
+            <a:bodyPr/>
+            <a:lstStyle/>
+            <a:p>
+              <a:endParaRPr lang="pt-BR"/>
+            </a:p>
+          </p:txBody>
         </p:sp>
         <p:sp>
           <p:nvSpPr>
@@ -22463,7 +21448,7 @@
                   <a16:creationId xmlns:a16="http://schemas.microsoft.com/office/drawing/2014/main" id="{CB578819-B7E7-4250-932F-52AE2A2A9A57}"/>
                 </a:ext>
                 <a:ext uri="{C183D7F6-B498-43B3-948B-1728B52AA6E4}">
-                  <adec:decorative xmlns:adec="http://schemas.microsoft.com/office/drawing/2017/decorative" xmlns="" val="1"/>
+                  <adec:decorative xmlns:adec="http://schemas.microsoft.com/office/drawing/2017/decorative" val="1"/>
                 </a:ext>
               </a:extLst>
             </p:cNvPr>
@@ -22553,6 +21538,13 @@
               <a:noFill/>
             </a:ln>
           </p:spPr>
+          <p:txBody>
+            <a:bodyPr/>
+            <a:lstStyle/>
+            <a:p>
+              <a:endParaRPr lang="pt-BR"/>
+            </a:p>
+          </p:txBody>
         </p:sp>
         <p:sp>
           <p:nvSpPr>
@@ -22562,7 +21554,7 @@
                   <a16:creationId xmlns:a16="http://schemas.microsoft.com/office/drawing/2014/main" id="{454B9C91-B623-424A-B16E-F764F189D300}"/>
                 </a:ext>
                 <a:ext uri="{C183D7F6-B498-43B3-948B-1728B52AA6E4}">
-                  <adec:decorative xmlns:adec="http://schemas.microsoft.com/office/drawing/2017/decorative" xmlns="" val="1"/>
+                  <adec:decorative xmlns:adec="http://schemas.microsoft.com/office/drawing/2017/decorative" val="1"/>
                 </a:ext>
               </a:extLst>
             </p:cNvPr>
@@ -22662,6 +21654,13 @@
               <a:noFill/>
             </a:ln>
           </p:spPr>
+          <p:txBody>
+            <a:bodyPr/>
+            <a:lstStyle/>
+            <a:p>
+              <a:endParaRPr lang="pt-BR"/>
+            </a:p>
+          </p:txBody>
         </p:sp>
         <p:sp>
           <p:nvSpPr>
@@ -22671,7 +21670,7 @@
                   <a16:creationId xmlns:a16="http://schemas.microsoft.com/office/drawing/2014/main" id="{EFD03C4A-8484-41E6-B458-032F1DCA70AA}"/>
                 </a:ext>
                 <a:ext uri="{C183D7F6-B498-43B3-948B-1728B52AA6E4}">
-                  <adec:decorative xmlns:adec="http://schemas.microsoft.com/office/drawing/2017/decorative" xmlns="" val="1"/>
+                  <adec:decorative xmlns:adec="http://schemas.microsoft.com/office/drawing/2017/decorative" val="1"/>
                 </a:ext>
               </a:extLst>
             </p:cNvPr>
@@ -22726,6 +21725,13 @@
               <a:noFill/>
             </a:ln>
           </p:spPr>
+          <p:txBody>
+            <a:bodyPr/>
+            <a:lstStyle/>
+            <a:p>
+              <a:endParaRPr lang="pt-BR"/>
+            </a:p>
+          </p:txBody>
         </p:sp>
         <p:sp>
           <p:nvSpPr>
@@ -22735,7 +21741,7 @@
                   <a16:creationId xmlns:a16="http://schemas.microsoft.com/office/drawing/2014/main" id="{DDC2F3C3-1D4E-4913-9C5C-F9A65B47E5CA}"/>
                 </a:ext>
                 <a:ext uri="{C183D7F6-B498-43B3-948B-1728B52AA6E4}">
-                  <adec:decorative xmlns:adec="http://schemas.microsoft.com/office/drawing/2017/decorative" xmlns="" val="1"/>
+                  <adec:decorative xmlns:adec="http://schemas.microsoft.com/office/drawing/2017/decorative" val="1"/>
                 </a:ext>
               </a:extLst>
             </p:cNvPr>
@@ -22805,6 +21811,13 @@
               <a:noFill/>
             </a:ln>
           </p:spPr>
+          <p:txBody>
+            <a:bodyPr/>
+            <a:lstStyle/>
+            <a:p>
+              <a:endParaRPr lang="pt-BR"/>
+            </a:p>
+          </p:txBody>
         </p:sp>
         <p:sp>
           <p:nvSpPr>
@@ -22814,7 +21827,7 @@
                   <a16:creationId xmlns:a16="http://schemas.microsoft.com/office/drawing/2014/main" id="{1E15BCA2-2420-4C53-ADE9-40FBAC238443}"/>
                 </a:ext>
                 <a:ext uri="{C183D7F6-B498-43B3-948B-1728B52AA6E4}">
-                  <adec:decorative xmlns:adec="http://schemas.microsoft.com/office/drawing/2017/decorative" xmlns="" val="1"/>
+                  <adec:decorative xmlns:adec="http://schemas.microsoft.com/office/drawing/2017/decorative" val="1"/>
                 </a:ext>
               </a:extLst>
             </p:cNvPr>
@@ -22929,6 +21942,13 @@
               <a:noFill/>
             </a:ln>
           </p:spPr>
+          <p:txBody>
+            <a:bodyPr/>
+            <a:lstStyle/>
+            <a:p>
+              <a:endParaRPr lang="pt-BR"/>
+            </a:p>
+          </p:txBody>
         </p:sp>
         <p:sp>
           <p:nvSpPr>
@@ -22938,7 +21958,7 @@
                   <a16:creationId xmlns:a16="http://schemas.microsoft.com/office/drawing/2014/main" id="{73D5FBF4-7129-4C51-B603-E3BC3341951B}"/>
                 </a:ext>
                 <a:ext uri="{C183D7F6-B498-43B3-948B-1728B52AA6E4}">
-                  <adec:decorative xmlns:adec="http://schemas.microsoft.com/office/drawing/2017/decorative" xmlns="" val="1"/>
+                  <adec:decorative xmlns:adec="http://schemas.microsoft.com/office/drawing/2017/decorative" val="1"/>
                 </a:ext>
               </a:extLst>
             </p:cNvPr>
@@ -22993,6 +22013,13 @@
               <a:noFill/>
             </a:ln>
           </p:spPr>
+          <p:txBody>
+            <a:bodyPr/>
+            <a:lstStyle/>
+            <a:p>
+              <a:endParaRPr lang="pt-BR"/>
+            </a:p>
+          </p:txBody>
         </p:sp>
         <p:sp>
           <p:nvSpPr>
@@ -23002,7 +22029,7 @@
                   <a16:creationId xmlns:a16="http://schemas.microsoft.com/office/drawing/2014/main" id="{0165B164-CE2A-494C-88FC-507232B37C08}"/>
                 </a:ext>
                 <a:ext uri="{C183D7F6-B498-43B3-948B-1728B52AA6E4}">
-                  <adec:decorative xmlns:adec="http://schemas.microsoft.com/office/drawing/2017/decorative" xmlns="" val="1"/>
+                  <adec:decorative xmlns:adec="http://schemas.microsoft.com/office/drawing/2017/decorative" val="1"/>
                 </a:ext>
               </a:extLst>
             </p:cNvPr>
@@ -23077,6 +22104,13 @@
               <a:noFill/>
             </a:ln>
           </p:spPr>
+          <p:txBody>
+            <a:bodyPr/>
+            <a:lstStyle/>
+            <a:p>
+              <a:endParaRPr lang="pt-BR"/>
+            </a:p>
+          </p:txBody>
         </p:sp>
         <p:sp>
           <p:nvSpPr>
@@ -23086,7 +22120,7 @@
                   <a16:creationId xmlns:a16="http://schemas.microsoft.com/office/drawing/2014/main" id="{87F127E5-B10B-4D18-BCF0-E7C3C7F401EC}"/>
                 </a:ext>
                 <a:ext uri="{C183D7F6-B498-43B3-948B-1728B52AA6E4}">
-                  <adec:decorative xmlns:adec="http://schemas.microsoft.com/office/drawing/2017/decorative" xmlns="" val="1"/>
+                  <adec:decorative xmlns:adec="http://schemas.microsoft.com/office/drawing/2017/decorative" val="1"/>
                 </a:ext>
               </a:extLst>
             </p:cNvPr>
@@ -23156,6 +22190,13 @@
               <a:noFill/>
             </a:ln>
           </p:spPr>
+          <p:txBody>
+            <a:bodyPr/>
+            <a:lstStyle/>
+            <a:p>
+              <a:endParaRPr lang="pt-BR"/>
+            </a:p>
+          </p:txBody>
         </p:sp>
         <p:sp>
           <p:nvSpPr>
@@ -23165,7 +22206,7 @@
                   <a16:creationId xmlns:a16="http://schemas.microsoft.com/office/drawing/2014/main" id="{FC692D59-F28D-4E42-B435-225F2C6CFA31}"/>
                 </a:ext>
                 <a:ext uri="{C183D7F6-B498-43B3-948B-1728B52AA6E4}">
-                  <adec:decorative xmlns:adec="http://schemas.microsoft.com/office/drawing/2017/decorative" xmlns="" val="1"/>
+                  <adec:decorative xmlns:adec="http://schemas.microsoft.com/office/drawing/2017/decorative" val="1"/>
                 </a:ext>
               </a:extLst>
             </p:cNvPr>
@@ -23240,6 +22281,13 @@
               <a:noFill/>
             </a:ln>
           </p:spPr>
+          <p:txBody>
+            <a:bodyPr/>
+            <a:lstStyle/>
+            <a:p>
+              <a:endParaRPr lang="pt-BR"/>
+            </a:p>
+          </p:txBody>
         </p:sp>
       </p:grpSp>
       <p:sp>
@@ -23250,7 +22298,7 @@
                 <a16:creationId xmlns:a16="http://schemas.microsoft.com/office/drawing/2014/main" id="{1996130F-9AB5-4DE9-8574-3AF891C5C172}"/>
               </a:ext>
               <a:ext uri="{C183D7F6-B498-43B3-948B-1728B52AA6E4}">
-                <adec:decorative xmlns:adec="http://schemas.microsoft.com/office/drawing/2017/decorative" xmlns="" val="1"/>
+                <adec:decorative xmlns:adec="http://schemas.microsoft.com/office/drawing/2017/decorative" val="1"/>
               </a:ext>
             </a:extLst>
           </p:cNvPr>
@@ -23295,6 +22343,13 @@
             <a:schemeClr val="lt1"/>
           </a:fontRef>
         </p:style>
+        <p:txBody>
+          <a:bodyPr/>
+          <a:lstStyle/>
+          <a:p>
+            <a:endParaRPr lang="pt-BR"/>
+          </a:p>
+        </p:txBody>
       </p:sp>
       <p:sp>
         <p:nvSpPr>
@@ -23304,7 +22359,7 @@
                 <a16:creationId xmlns:a16="http://schemas.microsoft.com/office/drawing/2014/main" id="{7326F4E6-9131-42DA-97B2-0BA8D1E258AD}"/>
               </a:ext>
               <a:ext uri="{C183D7F6-B498-43B3-948B-1728B52AA6E4}">
-                <adec:decorative xmlns:adec="http://schemas.microsoft.com/office/drawing/2017/decorative" xmlns="" val="1"/>
+                <adec:decorative xmlns:adec="http://schemas.microsoft.com/office/drawing/2017/decorative" val="1"/>
               </a:ext>
             </a:extLst>
           </p:cNvPr>
@@ -23394,6 +22449,13 @@
             <a:noFill/>
           </a:ln>
         </p:spPr>
+        <p:txBody>
+          <a:bodyPr/>
+          <a:lstStyle/>
+          <a:p>
+            <a:endParaRPr lang="pt-BR"/>
+          </a:p>
+        </p:txBody>
       </p:sp>
       <p:sp useBgFill="1">
         <p:nvSpPr>
@@ -23403,7 +22465,7 @@
                 <a16:creationId xmlns:a16="http://schemas.microsoft.com/office/drawing/2014/main" id="{1EDD21E1-BAF0-4314-AB31-82ECB8AC9EA9}"/>
               </a:ext>
               <a:ext uri="{C183D7F6-B498-43B3-948B-1728B52AA6E4}">
-                <adec:decorative xmlns:adec="http://schemas.microsoft.com/office/drawing/2017/decorative" xmlns="" val="1"/>
+                <adec:decorative xmlns:adec="http://schemas.microsoft.com/office/drawing/2017/decorative" val="1"/>
               </a:ext>
             </a:extLst>
           </p:cNvPr>
@@ -23516,7 +22578,7 @@
                 <a16:creationId xmlns:a16="http://schemas.microsoft.com/office/drawing/2014/main" id="{FDC8619C-F25D-468E-95FA-2A2151D7DDD2}"/>
               </a:ext>
               <a:ext uri="{C183D7F6-B498-43B3-948B-1728B52AA6E4}">
-                <adec:decorative xmlns:adec="http://schemas.microsoft.com/office/drawing/2017/decorative" xmlns="" val="1"/>
+                <adec:decorative xmlns:adec="http://schemas.microsoft.com/office/drawing/2017/decorative" val="1"/>
               </a:ext>
             </a:extLst>
           </p:cNvPr>
@@ -23561,6 +22623,13 @@
             <a:schemeClr val="lt1"/>
           </a:fontRef>
         </p:style>
+        <p:txBody>
+          <a:bodyPr/>
+          <a:lstStyle/>
+          <a:p>
+            <a:endParaRPr lang="pt-BR"/>
+          </a:p>
+        </p:txBody>
       </p:sp>
       <p:sp>
         <p:nvSpPr>
@@ -23764,38 +22833,6 @@
           </a:p>
         </p:txBody>
       </p:sp>
-      <p:pic>
-        <p:nvPicPr>
-          <p:cNvPr id="6" name="Espaço Reservado para Conteúdo 5">
-            <a:extLst>
-              <a:ext uri="{FF2B5EF4-FFF2-40B4-BE49-F238E27FC236}">
-                <a16:creationId xmlns:a16="http://schemas.microsoft.com/office/drawing/2014/main" id="{3FBFB13F-F79C-94C2-22D6-E0C7D6E9E3CC}"/>
-              </a:ext>
-            </a:extLst>
-          </p:cNvPr>
-          <p:cNvPicPr>
-            <a:picLocks noGrp="1" noChangeAspect="1"/>
-          </p:cNvPicPr>
-          <p:nvPr>
-            <p:ph idx="1"/>
-          </p:nvPr>
-        </p:nvPicPr>
-        <p:blipFill>
-          <a:blip r:embed="rId2"/>
-          <a:stretch>
-            <a:fillRect/>
-          </a:stretch>
-        </p:blipFill>
-        <p:spPr>
-          <a:xfrm>
-            <a:off x="5891445" y="2077699"/>
-            <a:ext cx="5451627" cy="1450272"/>
-          </a:xfrm>
-          <a:prstGeom prst="rect">
-            <a:avLst/>
-          </a:prstGeom>
-        </p:spPr>
-      </p:pic>
       <p:sp>
         <p:nvSpPr>
           <p:cNvPr id="88" name="Freeform 12">
@@ -23804,7 +22841,7 @@
                 <a16:creationId xmlns:a16="http://schemas.microsoft.com/office/drawing/2014/main" id="{7D9439D6-DEAD-4CEB-A61B-BE3D64D1B598}"/>
               </a:ext>
               <a:ext uri="{C183D7F6-B498-43B3-948B-1728B52AA6E4}">
-                <adec:decorative xmlns:adec="http://schemas.microsoft.com/office/drawing/2017/decorative" xmlns="" val="1"/>
+                <adec:decorative xmlns:adec="http://schemas.microsoft.com/office/drawing/2017/decorative" val="1"/>
               </a:ext>
             </a:extLst>
           </p:cNvPr>
@@ -24064,36 +23101,6 @@
           </a:p>
         </p:txBody>
       </p:sp>
-      <p:pic>
-        <p:nvPicPr>
-          <p:cNvPr id="9" name="Imagem 8">
-            <a:extLst>
-              <a:ext uri="{FF2B5EF4-FFF2-40B4-BE49-F238E27FC236}">
-                <a16:creationId xmlns:a16="http://schemas.microsoft.com/office/drawing/2014/main" id="{9A961882-27B6-96CA-E5C7-BE5E4D9B20F8}"/>
-              </a:ext>
-            </a:extLst>
-          </p:cNvPr>
-          <p:cNvPicPr>
-            <a:picLocks noChangeAspect="1"/>
-          </p:cNvPicPr>
-          <p:nvPr/>
-        </p:nvPicPr>
-        <p:blipFill>
-          <a:blip r:embed="rId3"/>
-          <a:stretch>
-            <a:fillRect/>
-          </a:stretch>
-        </p:blipFill>
-        <p:spPr>
-          <a:xfrm>
-            <a:off x="5891445" y="3988955"/>
-            <a:ext cx="5451627" cy="886154"/>
-          </a:xfrm>
-          <a:prstGeom prst="rect">
-            <a:avLst/>
-          </a:prstGeom>
-        </p:spPr>
-      </p:pic>
       <p:sp>
         <p:nvSpPr>
           <p:cNvPr id="24" name="Título 1">
@@ -24208,6 +23215,35 @@
           </a:p>
         </p:txBody>
       </p:sp>
+      <p:pic>
+        <p:nvPicPr>
+          <p:cNvPr id="11" name="Imagem 10">
+            <a:extLst>
+              <a:ext uri="{FF2B5EF4-FFF2-40B4-BE49-F238E27FC236}">
+                <a16:creationId xmlns:a16="http://schemas.microsoft.com/office/drawing/2014/main" id="{6CAF4B59-FC7C-2B26-6E4E-48D5B6BAF766}"/>
+              </a:ext>
+            </a:extLst>
+          </p:cNvPr>
+          <p:cNvPicPr>
+            <a:picLocks noChangeAspect="1"/>
+          </p:cNvPicPr>
+          <p:nvPr/>
+        </p:nvPicPr>
+        <p:blipFill rotWithShape="1">
+          <a:blip r:embed="rId2"/>
+          <a:srcRect l="18779" t="6588" r="1441" b="5182"/>
+          <a:stretch/>
+        </p:blipFill>
+        <p:spPr>
+          <a:xfrm>
+            <a:off x="5989320" y="3913632"/>
+            <a:ext cx="5228954" cy="832104"/>
+          </a:xfrm>
+          <a:prstGeom prst="rect">
+            <a:avLst/>
+          </a:prstGeom>
+        </p:spPr>
+      </p:pic>
       <p:sp>
         <p:nvSpPr>
           <p:cNvPr id="38" name="Seta: Curva para Cima 37">
@@ -24298,11 +23334,40 @@
             <a:pPr algn="ctr"/>
             <a:r>
               <a:rPr lang="pt-BR" dirty="0"/>
-              <a:t>Responsável pelo terceiro nunca alterará</a:t>
+              <a:t>Responsável pela linha nunca alterará</a:t>
             </a:r>
           </a:p>
         </p:txBody>
       </p:sp>
+      <p:pic>
+        <p:nvPicPr>
+          <p:cNvPr id="13" name="Imagem 12">
+            <a:extLst>
+              <a:ext uri="{FF2B5EF4-FFF2-40B4-BE49-F238E27FC236}">
+                <a16:creationId xmlns:a16="http://schemas.microsoft.com/office/drawing/2014/main" id="{03D12DEA-4C07-EB8B-D70A-2930C2E46BDC}"/>
+              </a:ext>
+            </a:extLst>
+          </p:cNvPr>
+          <p:cNvPicPr>
+            <a:picLocks noChangeAspect="1"/>
+          </p:cNvPicPr>
+          <p:nvPr/>
+        </p:nvPicPr>
+        <p:blipFill rotWithShape="1">
+          <a:blip r:embed="rId3"/>
+          <a:srcRect t="6016"/>
+          <a:stretch/>
+        </p:blipFill>
+        <p:spPr>
+          <a:xfrm>
+            <a:off x="5989320" y="2212848"/>
+            <a:ext cx="5228954" cy="1120490"/>
+          </a:xfrm>
+          <a:prstGeom prst="rect">
+            <a:avLst/>
+          </a:prstGeom>
+        </p:spPr>
+      </p:pic>
     </p:spTree>
     <p:extLst>
       <p:ext uri="{BB962C8B-B14F-4D97-AF65-F5344CB8AC3E}">
@@ -24372,7 +23437,7 @@
                                 </p:cTn>
                               </p:par>
                               <p:par>
-                                <p:cTn id="8" presetID="10" presetClass="entr" presetSubtype="0" fill="hold" nodeType="withEffect">
+                                <p:cTn id="8" presetID="10" presetClass="entr" presetSubtype="0" fill="hold" grpId="0" nodeType="withEffect">
                                   <p:stCondLst>
                                     <p:cond delay="0"/>
                                   </p:stCondLst>
@@ -24385,7 +23450,7 @@
                                           </p:stCondLst>
                                         </p:cTn>
                                         <p:tgtEl>
-                                          <p:spTgt spid="9"/>
+                                          <p:spTgt spid="24"/>
                                         </p:tgtEl>
                                         <p:attrNameLst>
                                           <p:attrName>style.visibility</p:attrName>
@@ -24399,7 +23464,7 @@
                                       <p:cBhvr>
                                         <p:cTn id="10" dur="500"/>
                                         <p:tgtEl>
-                                          <p:spTgt spid="9"/>
+                                          <p:spTgt spid="24"/>
                                         </p:tgtEl>
                                       </p:cBhvr>
                                     </p:animEffect>
@@ -24420,7 +23485,7 @@
                                           </p:stCondLst>
                                         </p:cTn>
                                         <p:tgtEl>
-                                          <p:spTgt spid="24"/>
+                                          <p:spTgt spid="40"/>
                                         </p:tgtEl>
                                         <p:attrNameLst>
                                           <p:attrName>style.visibility</p:attrName>
@@ -24434,7 +23499,7 @@
                                       <p:cBhvr>
                                         <p:cTn id="13" dur="500"/>
                                         <p:tgtEl>
-                                          <p:spTgt spid="24"/>
+                                          <p:spTgt spid="40"/>
                                         </p:tgtEl>
                                       </p:cBhvr>
                                     </p:animEffect>
@@ -24455,7 +23520,7 @@
                                           </p:stCondLst>
                                         </p:cTn>
                                         <p:tgtEl>
-                                          <p:spTgt spid="40"/>
+                                          <p:spTgt spid="38"/>
                                         </p:tgtEl>
                                         <p:attrNameLst>
                                           <p:attrName>style.visibility</p:attrName>
@@ -24469,7 +23534,7 @@
                                       <p:cBhvr>
                                         <p:cTn id="16" dur="500"/>
                                         <p:tgtEl>
-                                          <p:spTgt spid="40"/>
+                                          <p:spTgt spid="38"/>
                                         </p:tgtEl>
                                       </p:cBhvr>
                                     </p:animEffect>
@@ -24477,7 +23542,7 @@
                                 </p:cTn>
                               </p:par>
                               <p:par>
-                                <p:cTn id="17" presetID="10" presetClass="entr" presetSubtype="0" fill="hold" grpId="0" nodeType="withEffect">
+                                <p:cTn id="17" presetID="1" presetClass="entr" presetSubtype="0" fill="hold" nodeType="withEffect">
                                   <p:stCondLst>
                                     <p:cond delay="0"/>
                                   </p:stCondLst>
@@ -24490,7 +23555,7 @@
                                           </p:stCondLst>
                                         </p:cTn>
                                         <p:tgtEl>
-                                          <p:spTgt spid="38"/>
+                                          <p:spTgt spid="11"/>
                                         </p:tgtEl>
                                         <p:attrNameLst>
                                           <p:attrName>style.visibility</p:attrName>
@@ -24500,14 +23565,6 @@
                                         <p:strVal val="visible"/>
                                       </p:to>
                                     </p:set>
-                                    <p:animEffect transition="in" filter="fade">
-                                      <p:cBhvr>
-                                        <p:cTn id="19" dur="500"/>
-                                        <p:tgtEl>
-                                          <p:spTgt spid="38"/>
-                                        </p:tgtEl>
-                                      </p:cBhvr>
-                                    </p:animEffect>
                                   </p:childTnLst>
                                 </p:cTn>
                               </p:par>
@@ -24599,7 +23656,7 @@
                 <a16:creationId xmlns:a16="http://schemas.microsoft.com/office/drawing/2014/main" id="{166BF9EE-F7AC-4FA5-AC7E-001B3A642F75}"/>
               </a:ext>
               <a:ext uri="{C183D7F6-B498-43B3-948B-1728B52AA6E4}">
-                <adec:decorative xmlns:adec="http://schemas.microsoft.com/office/drawing/2017/decorative" xmlns="" val="1"/>
+                <adec:decorative xmlns:adec="http://schemas.microsoft.com/office/drawing/2017/decorative" val="1"/>
               </a:ext>
             </a:extLst>
           </p:cNvPr>
@@ -24630,7 +23687,7 @@
                   <a16:creationId xmlns:a16="http://schemas.microsoft.com/office/drawing/2014/main" id="{3B48D182-44E3-4D8B-ACEF-F1A900BE4430}"/>
                 </a:ext>
                 <a:ext uri="{C183D7F6-B498-43B3-948B-1728B52AA6E4}">
-                  <adec:decorative xmlns:adec="http://schemas.microsoft.com/office/drawing/2017/decorative" xmlns="" val="1"/>
+                  <adec:decorative xmlns:adec="http://schemas.microsoft.com/office/drawing/2017/decorative" val="1"/>
                 </a:ext>
               </a:extLst>
             </p:cNvPr>
@@ -24697,6 +23754,13 @@
               <a:noFill/>
             </a:ln>
           </p:spPr>
+          <p:txBody>
+            <a:bodyPr/>
+            <a:lstStyle/>
+            <a:p>
+              <a:endParaRPr lang="pt-BR"/>
+            </a:p>
+          </p:txBody>
         </p:sp>
         <p:sp>
           <p:nvSpPr>
@@ -24706,7 +23770,7 @@
                   <a16:creationId xmlns:a16="http://schemas.microsoft.com/office/drawing/2014/main" id="{355A535A-A489-477F-A314-593AA8CAFB21}"/>
                 </a:ext>
                 <a:ext uri="{C183D7F6-B498-43B3-948B-1728B52AA6E4}">
-                  <adec:decorative xmlns:adec="http://schemas.microsoft.com/office/drawing/2017/decorative" xmlns="" val="1"/>
+                  <adec:decorative xmlns:adec="http://schemas.microsoft.com/office/drawing/2017/decorative" val="1"/>
                 </a:ext>
               </a:extLst>
             </p:cNvPr>
@@ -24778,6 +23842,13 @@
               <a:noFill/>
             </a:ln>
           </p:spPr>
+          <p:txBody>
+            <a:bodyPr/>
+            <a:lstStyle/>
+            <a:p>
+              <a:endParaRPr lang="pt-BR"/>
+            </a:p>
+          </p:txBody>
         </p:sp>
         <p:sp>
           <p:nvSpPr>
@@ -24787,7 +23858,7 @@
                   <a16:creationId xmlns:a16="http://schemas.microsoft.com/office/drawing/2014/main" id="{954C2D4C-FD83-4EF4-9312-04442ABD66BF}"/>
                 </a:ext>
                 <a:ext uri="{C183D7F6-B498-43B3-948B-1728B52AA6E4}">
-                  <adec:decorative xmlns:adec="http://schemas.microsoft.com/office/drawing/2017/decorative" xmlns="" val="1"/>
+                  <adec:decorative xmlns:adec="http://schemas.microsoft.com/office/drawing/2017/decorative" val="1"/>
                 </a:ext>
               </a:extLst>
             </p:cNvPr>
@@ -24864,6 +23935,13 @@
               <a:noFill/>
             </a:ln>
           </p:spPr>
+          <p:txBody>
+            <a:bodyPr/>
+            <a:lstStyle/>
+            <a:p>
+              <a:endParaRPr lang="pt-BR"/>
+            </a:p>
+          </p:txBody>
         </p:sp>
         <p:sp>
           <p:nvSpPr>
@@ -24873,7 +23951,7 @@
                   <a16:creationId xmlns:a16="http://schemas.microsoft.com/office/drawing/2014/main" id="{C20701C2-CD9A-4698-BC97-E1085820C2C9}"/>
                 </a:ext>
                 <a:ext uri="{C183D7F6-B498-43B3-948B-1728B52AA6E4}">
-                  <adec:decorative xmlns:adec="http://schemas.microsoft.com/office/drawing/2017/decorative" xmlns="" val="1"/>
+                  <adec:decorative xmlns:adec="http://schemas.microsoft.com/office/drawing/2017/decorative" val="1"/>
                 </a:ext>
               </a:extLst>
             </p:cNvPr>
@@ -24930,6 +24008,13 @@
               <a:noFill/>
             </a:ln>
           </p:spPr>
+          <p:txBody>
+            <a:bodyPr/>
+            <a:lstStyle/>
+            <a:p>
+              <a:endParaRPr lang="pt-BR"/>
+            </a:p>
+          </p:txBody>
         </p:sp>
         <p:sp>
           <p:nvSpPr>
@@ -24939,7 +24024,7 @@
                   <a16:creationId xmlns:a16="http://schemas.microsoft.com/office/drawing/2014/main" id="{62575C35-466F-42AE-87A1-D691849AB8CF}"/>
                 </a:ext>
                 <a:ext uri="{C183D7F6-B498-43B3-948B-1728B52AA6E4}">
-                  <adec:decorative xmlns:adec="http://schemas.microsoft.com/office/drawing/2017/decorative" xmlns="" val="1"/>
+                  <adec:decorative xmlns:adec="http://schemas.microsoft.com/office/drawing/2017/decorative" val="1"/>
                 </a:ext>
               </a:extLst>
             </p:cNvPr>
@@ -25031,6 +24116,13 @@
               <a:noFill/>
             </a:ln>
           </p:spPr>
+          <p:txBody>
+            <a:bodyPr/>
+            <a:lstStyle/>
+            <a:p>
+              <a:endParaRPr lang="pt-BR"/>
+            </a:p>
+          </p:txBody>
         </p:sp>
         <p:sp>
           <p:nvSpPr>
@@ -25040,7 +24132,7 @@
                   <a16:creationId xmlns:a16="http://schemas.microsoft.com/office/drawing/2014/main" id="{58236F37-6119-45AC-80A0-CD2C311B5051}"/>
                 </a:ext>
                 <a:ext uri="{C183D7F6-B498-43B3-948B-1728B52AA6E4}">
-                  <adec:decorative xmlns:adec="http://schemas.microsoft.com/office/drawing/2017/decorative" xmlns="" val="1"/>
+                  <adec:decorative xmlns:adec="http://schemas.microsoft.com/office/drawing/2017/decorative" val="1"/>
                 </a:ext>
               </a:extLst>
             </p:cNvPr>
@@ -25127,6 +24219,13 @@
               <a:noFill/>
             </a:ln>
           </p:spPr>
+          <p:txBody>
+            <a:bodyPr/>
+            <a:lstStyle/>
+            <a:p>
+              <a:endParaRPr lang="pt-BR"/>
+            </a:p>
+          </p:txBody>
         </p:sp>
         <p:sp>
           <p:nvSpPr>
@@ -25136,7 +24235,7 @@
                   <a16:creationId xmlns:a16="http://schemas.microsoft.com/office/drawing/2014/main" id="{F3FDD799-39FE-4D6F-9A64-2F472B215078}"/>
                 </a:ext>
                 <a:ext uri="{C183D7F6-B498-43B3-948B-1728B52AA6E4}">
-                  <adec:decorative xmlns:adec="http://schemas.microsoft.com/office/drawing/2017/decorative" xmlns="" val="1"/>
+                  <adec:decorative xmlns:adec="http://schemas.microsoft.com/office/drawing/2017/decorative" val="1"/>
                 </a:ext>
               </a:extLst>
             </p:cNvPr>
@@ -25203,6 +24302,13 @@
               <a:noFill/>
             </a:ln>
           </p:spPr>
+          <p:txBody>
+            <a:bodyPr/>
+            <a:lstStyle/>
+            <a:p>
+              <a:endParaRPr lang="pt-BR"/>
+            </a:p>
+          </p:txBody>
         </p:sp>
         <p:sp>
           <p:nvSpPr>
@@ -25212,7 +24318,7 @@
                   <a16:creationId xmlns:a16="http://schemas.microsoft.com/office/drawing/2014/main" id="{9820D241-1D49-442C-A95A-00BC1BF9E295}"/>
                 </a:ext>
                 <a:ext uri="{C183D7F6-B498-43B3-948B-1728B52AA6E4}">
-                  <adec:decorative xmlns:adec="http://schemas.microsoft.com/office/drawing/2017/decorative" xmlns="" val="1"/>
+                  <adec:decorative xmlns:adec="http://schemas.microsoft.com/office/drawing/2017/decorative" val="1"/>
                 </a:ext>
               </a:extLst>
             </p:cNvPr>
@@ -25299,6 +24405,13 @@
               <a:noFill/>
             </a:ln>
           </p:spPr>
+          <p:txBody>
+            <a:bodyPr/>
+            <a:lstStyle/>
+            <a:p>
+              <a:endParaRPr lang="pt-BR"/>
+            </a:p>
+          </p:txBody>
         </p:sp>
         <p:sp>
           <p:nvSpPr>
@@ -25308,7 +24421,7 @@
                   <a16:creationId xmlns:a16="http://schemas.microsoft.com/office/drawing/2014/main" id="{EBC2197C-B383-4866-8ABD-74222400BE8E}"/>
                 </a:ext>
                 <a:ext uri="{C183D7F6-B498-43B3-948B-1728B52AA6E4}">
-                  <adec:decorative xmlns:adec="http://schemas.microsoft.com/office/drawing/2017/decorative" xmlns="" val="1"/>
+                  <adec:decorative xmlns:adec="http://schemas.microsoft.com/office/drawing/2017/decorative" val="1"/>
                 </a:ext>
               </a:extLst>
             </p:cNvPr>
@@ -25430,6 +24543,13 @@
               <a:noFill/>
             </a:ln>
           </p:spPr>
+          <p:txBody>
+            <a:bodyPr/>
+            <a:lstStyle/>
+            <a:p>
+              <a:endParaRPr lang="pt-BR"/>
+            </a:p>
+          </p:txBody>
         </p:sp>
         <p:sp>
           <p:nvSpPr>
@@ -25439,7 +24559,7 @@
                   <a16:creationId xmlns:a16="http://schemas.microsoft.com/office/drawing/2014/main" id="{404B06AA-FC93-4471-9DE4-56A401E70A50}"/>
                 </a:ext>
                 <a:ext uri="{C183D7F6-B498-43B3-948B-1728B52AA6E4}">
-                  <adec:decorative xmlns:adec="http://schemas.microsoft.com/office/drawing/2017/decorative" xmlns="" val="1"/>
+                  <adec:decorative xmlns:adec="http://schemas.microsoft.com/office/drawing/2017/decorative" val="1"/>
                 </a:ext>
               </a:extLst>
             </p:cNvPr>
@@ -25496,6 +24616,13 @@
               <a:noFill/>
             </a:ln>
           </p:spPr>
+          <p:txBody>
+            <a:bodyPr/>
+            <a:lstStyle/>
+            <a:p>
+              <a:endParaRPr lang="pt-BR"/>
+            </a:p>
+          </p:txBody>
         </p:sp>
         <p:sp>
           <p:nvSpPr>
@@ -25505,7 +24632,7 @@
                   <a16:creationId xmlns:a16="http://schemas.microsoft.com/office/drawing/2014/main" id="{E580600C-013F-4FAF-8FB7-4CC0FA80A92B}"/>
                 </a:ext>
                 <a:ext uri="{C183D7F6-B498-43B3-948B-1728B52AA6E4}">
-                  <adec:decorative xmlns:adec="http://schemas.microsoft.com/office/drawing/2017/decorative" xmlns="" val="1"/>
+                  <adec:decorative xmlns:adec="http://schemas.microsoft.com/office/drawing/2017/decorative" val="1"/>
                 </a:ext>
               </a:extLst>
             </p:cNvPr>
@@ -25572,6 +24699,13 @@
               <a:noFill/>
             </a:ln>
           </p:spPr>
+          <p:txBody>
+            <a:bodyPr/>
+            <a:lstStyle/>
+            <a:p>
+              <a:endParaRPr lang="pt-BR"/>
+            </a:p>
+          </p:txBody>
         </p:sp>
         <p:sp>
           <p:nvSpPr>
@@ -25581,7 +24715,7 @@
                   <a16:creationId xmlns:a16="http://schemas.microsoft.com/office/drawing/2014/main" id="{9BFCF199-64B2-4AEE-88C4-E954ABF36278}"/>
                 </a:ext>
                 <a:ext uri="{C183D7F6-B498-43B3-948B-1728B52AA6E4}">
-                  <adec:decorative xmlns:adec="http://schemas.microsoft.com/office/drawing/2017/decorative" xmlns="" val="1"/>
+                  <adec:decorative xmlns:adec="http://schemas.microsoft.com/office/drawing/2017/decorative" val="1"/>
                 </a:ext>
               </a:extLst>
             </p:cNvPr>
@@ -25658,6 +24792,13 @@
               <a:noFill/>
             </a:ln>
           </p:spPr>
+          <p:txBody>
+            <a:bodyPr/>
+            <a:lstStyle/>
+            <a:p>
+              <a:endParaRPr lang="pt-BR"/>
+            </a:p>
+          </p:txBody>
         </p:sp>
       </p:grpSp>
       <p:grpSp>
@@ -25668,7 +24809,7 @@
                 <a16:creationId xmlns:a16="http://schemas.microsoft.com/office/drawing/2014/main" id="{E312DBA5-56D8-42B2-BA94-28168C2A6703}"/>
               </a:ext>
               <a:ext uri="{C183D7F6-B498-43B3-948B-1728B52AA6E4}">
-                <adec:decorative xmlns:adec="http://schemas.microsoft.com/office/drawing/2017/decorative" xmlns="" val="1"/>
+                <adec:decorative xmlns:adec="http://schemas.microsoft.com/office/drawing/2017/decorative" val="1"/>
               </a:ext>
             </a:extLst>
           </p:cNvPr>
@@ -25699,7 +24840,7 @@
                   <a16:creationId xmlns:a16="http://schemas.microsoft.com/office/drawing/2014/main" id="{7AD46C74-3117-46B0-B267-0F61B57CACE3}"/>
                 </a:ext>
                 <a:ext uri="{C183D7F6-B498-43B3-948B-1728B52AA6E4}">
-                  <adec:decorative xmlns:adec="http://schemas.microsoft.com/office/drawing/2017/decorative" xmlns="" val="1"/>
+                  <adec:decorative xmlns:adec="http://schemas.microsoft.com/office/drawing/2017/decorative" val="1"/>
                 </a:ext>
               </a:extLst>
             </p:cNvPr>
@@ -25809,6 +24950,13 @@
               <a:noFill/>
             </a:ln>
           </p:spPr>
+          <p:txBody>
+            <a:bodyPr/>
+            <a:lstStyle/>
+            <a:p>
+              <a:endParaRPr lang="pt-BR"/>
+            </a:p>
+          </p:txBody>
         </p:sp>
         <p:sp>
           <p:nvSpPr>
@@ -25818,7 +24966,7 @@
                   <a16:creationId xmlns:a16="http://schemas.microsoft.com/office/drawing/2014/main" id="{8C13B810-9664-45D8-8510-D6ED0ADD7217}"/>
                 </a:ext>
                 <a:ext uri="{C183D7F6-B498-43B3-948B-1728B52AA6E4}">
-                  <adec:decorative xmlns:adec="http://schemas.microsoft.com/office/drawing/2017/decorative" xmlns="" val="1"/>
+                  <adec:decorative xmlns:adec="http://schemas.microsoft.com/office/drawing/2017/decorative" val="1"/>
                 </a:ext>
               </a:extLst>
             </p:cNvPr>
@@ -25893,6 +25041,13 @@
               <a:noFill/>
             </a:ln>
           </p:spPr>
+          <p:txBody>
+            <a:bodyPr/>
+            <a:lstStyle/>
+            <a:p>
+              <a:endParaRPr lang="pt-BR"/>
+            </a:p>
+          </p:txBody>
         </p:sp>
         <p:sp>
           <p:nvSpPr>
@@ -25902,7 +25057,7 @@
                   <a16:creationId xmlns:a16="http://schemas.microsoft.com/office/drawing/2014/main" id="{10306E52-A922-4458-BCCE-C3C840CC7556}"/>
                 </a:ext>
                 <a:ext uri="{C183D7F6-B498-43B3-948B-1728B52AA6E4}">
-                  <adec:decorative xmlns:adec="http://schemas.microsoft.com/office/drawing/2017/decorative" xmlns="" val="1"/>
+                  <adec:decorative xmlns:adec="http://schemas.microsoft.com/office/drawing/2017/decorative" val="1"/>
                 </a:ext>
               </a:extLst>
             </p:cNvPr>
@@ -25977,6 +25132,13 @@
               <a:noFill/>
             </a:ln>
           </p:spPr>
+          <p:txBody>
+            <a:bodyPr/>
+            <a:lstStyle/>
+            <a:p>
+              <a:endParaRPr lang="pt-BR"/>
+            </a:p>
+          </p:txBody>
         </p:sp>
         <p:sp>
           <p:nvSpPr>
@@ -25986,7 +25148,7 @@
                   <a16:creationId xmlns:a16="http://schemas.microsoft.com/office/drawing/2014/main" id="{CB578819-B7E7-4250-932F-52AE2A2A9A57}"/>
                 </a:ext>
                 <a:ext uri="{C183D7F6-B498-43B3-948B-1728B52AA6E4}">
-                  <adec:decorative xmlns:adec="http://schemas.microsoft.com/office/drawing/2017/decorative" xmlns="" val="1"/>
+                  <adec:decorative xmlns:adec="http://schemas.microsoft.com/office/drawing/2017/decorative" val="1"/>
                 </a:ext>
               </a:extLst>
             </p:cNvPr>
@@ -26076,6 +25238,13 @@
               <a:noFill/>
             </a:ln>
           </p:spPr>
+          <p:txBody>
+            <a:bodyPr/>
+            <a:lstStyle/>
+            <a:p>
+              <a:endParaRPr lang="pt-BR"/>
+            </a:p>
+          </p:txBody>
         </p:sp>
         <p:sp>
           <p:nvSpPr>
@@ -26085,7 +25254,7 @@
                   <a16:creationId xmlns:a16="http://schemas.microsoft.com/office/drawing/2014/main" id="{454B9C91-B623-424A-B16E-F764F189D300}"/>
                 </a:ext>
                 <a:ext uri="{C183D7F6-B498-43B3-948B-1728B52AA6E4}">
-                  <adec:decorative xmlns:adec="http://schemas.microsoft.com/office/drawing/2017/decorative" xmlns="" val="1"/>
+                  <adec:decorative xmlns:adec="http://schemas.microsoft.com/office/drawing/2017/decorative" val="1"/>
                 </a:ext>
               </a:extLst>
             </p:cNvPr>
@@ -26185,6 +25354,13 @@
               <a:noFill/>
             </a:ln>
           </p:spPr>
+          <p:txBody>
+            <a:bodyPr/>
+            <a:lstStyle/>
+            <a:p>
+              <a:endParaRPr lang="pt-BR"/>
+            </a:p>
+          </p:txBody>
         </p:sp>
         <p:sp>
           <p:nvSpPr>
@@ -26194,7 +25370,7 @@
                   <a16:creationId xmlns:a16="http://schemas.microsoft.com/office/drawing/2014/main" id="{EFD03C4A-8484-41E6-B458-032F1DCA70AA}"/>
                 </a:ext>
                 <a:ext uri="{C183D7F6-B498-43B3-948B-1728B52AA6E4}">
-                  <adec:decorative xmlns:adec="http://schemas.microsoft.com/office/drawing/2017/decorative" xmlns="" val="1"/>
+                  <adec:decorative xmlns:adec="http://schemas.microsoft.com/office/drawing/2017/decorative" val="1"/>
                 </a:ext>
               </a:extLst>
             </p:cNvPr>
@@ -26249,6 +25425,13 @@
               <a:noFill/>
             </a:ln>
           </p:spPr>
+          <p:txBody>
+            <a:bodyPr/>
+            <a:lstStyle/>
+            <a:p>
+              <a:endParaRPr lang="pt-BR"/>
+            </a:p>
+          </p:txBody>
         </p:sp>
         <p:sp>
           <p:nvSpPr>
@@ -26258,7 +25441,7 @@
                   <a16:creationId xmlns:a16="http://schemas.microsoft.com/office/drawing/2014/main" id="{DDC2F3C3-1D4E-4913-9C5C-F9A65B47E5CA}"/>
                 </a:ext>
                 <a:ext uri="{C183D7F6-B498-43B3-948B-1728B52AA6E4}">
-                  <adec:decorative xmlns:adec="http://schemas.microsoft.com/office/drawing/2017/decorative" xmlns="" val="1"/>
+                  <adec:decorative xmlns:adec="http://schemas.microsoft.com/office/drawing/2017/decorative" val="1"/>
                 </a:ext>
               </a:extLst>
             </p:cNvPr>
@@ -26328,6 +25511,13 @@
               <a:noFill/>
             </a:ln>
           </p:spPr>
+          <p:txBody>
+            <a:bodyPr/>
+            <a:lstStyle/>
+            <a:p>
+              <a:endParaRPr lang="pt-BR"/>
+            </a:p>
+          </p:txBody>
         </p:sp>
         <p:sp>
           <p:nvSpPr>
@@ -26337,7 +25527,7 @@
                   <a16:creationId xmlns:a16="http://schemas.microsoft.com/office/drawing/2014/main" id="{1E15BCA2-2420-4C53-ADE9-40FBAC238443}"/>
                 </a:ext>
                 <a:ext uri="{C183D7F6-B498-43B3-948B-1728B52AA6E4}">
-                  <adec:decorative xmlns:adec="http://schemas.microsoft.com/office/drawing/2017/decorative" xmlns="" val="1"/>
+                  <adec:decorative xmlns:adec="http://schemas.microsoft.com/office/drawing/2017/decorative" val="1"/>
                 </a:ext>
               </a:extLst>
             </p:cNvPr>
@@ -26452,6 +25642,13 @@
               <a:noFill/>
             </a:ln>
           </p:spPr>
+          <p:txBody>
+            <a:bodyPr/>
+            <a:lstStyle/>
+            <a:p>
+              <a:endParaRPr lang="pt-BR"/>
+            </a:p>
+          </p:txBody>
         </p:sp>
         <p:sp>
           <p:nvSpPr>
@@ -26461,7 +25658,7 @@
                   <a16:creationId xmlns:a16="http://schemas.microsoft.com/office/drawing/2014/main" id="{73D5FBF4-7129-4C51-B603-E3BC3341951B}"/>
                 </a:ext>
                 <a:ext uri="{C183D7F6-B498-43B3-948B-1728B52AA6E4}">
-                  <adec:decorative xmlns:adec="http://schemas.microsoft.com/office/drawing/2017/decorative" xmlns="" val="1"/>
+                  <adec:decorative xmlns:adec="http://schemas.microsoft.com/office/drawing/2017/decorative" val="1"/>
                 </a:ext>
               </a:extLst>
             </p:cNvPr>
@@ -26516,6 +25713,13 @@
               <a:noFill/>
             </a:ln>
           </p:spPr>
+          <p:txBody>
+            <a:bodyPr/>
+            <a:lstStyle/>
+            <a:p>
+              <a:endParaRPr lang="pt-BR"/>
+            </a:p>
+          </p:txBody>
         </p:sp>
         <p:sp>
           <p:nvSpPr>
@@ -26525,7 +25729,7 @@
                   <a16:creationId xmlns:a16="http://schemas.microsoft.com/office/drawing/2014/main" id="{0165B164-CE2A-494C-88FC-507232B37C08}"/>
                 </a:ext>
                 <a:ext uri="{C183D7F6-B498-43B3-948B-1728B52AA6E4}">
-                  <adec:decorative xmlns:adec="http://schemas.microsoft.com/office/drawing/2017/decorative" xmlns="" val="1"/>
+                  <adec:decorative xmlns:adec="http://schemas.microsoft.com/office/drawing/2017/decorative" val="1"/>
                 </a:ext>
               </a:extLst>
             </p:cNvPr>
@@ -26600,6 +25804,13 @@
               <a:noFill/>
             </a:ln>
           </p:spPr>
+          <p:txBody>
+            <a:bodyPr/>
+            <a:lstStyle/>
+            <a:p>
+              <a:endParaRPr lang="pt-BR"/>
+            </a:p>
+          </p:txBody>
         </p:sp>
         <p:sp>
           <p:nvSpPr>
@@ -26609,7 +25820,7 @@
                   <a16:creationId xmlns:a16="http://schemas.microsoft.com/office/drawing/2014/main" id="{87F127E5-B10B-4D18-BCF0-E7C3C7F401EC}"/>
                 </a:ext>
                 <a:ext uri="{C183D7F6-B498-43B3-948B-1728B52AA6E4}">
-                  <adec:decorative xmlns:adec="http://schemas.microsoft.com/office/drawing/2017/decorative" xmlns="" val="1"/>
+                  <adec:decorative xmlns:adec="http://schemas.microsoft.com/office/drawing/2017/decorative" val="1"/>
                 </a:ext>
               </a:extLst>
             </p:cNvPr>
@@ -26679,6 +25890,13 @@
               <a:noFill/>
             </a:ln>
           </p:spPr>
+          <p:txBody>
+            <a:bodyPr/>
+            <a:lstStyle/>
+            <a:p>
+              <a:endParaRPr lang="pt-BR"/>
+            </a:p>
+          </p:txBody>
         </p:sp>
         <p:sp>
           <p:nvSpPr>
@@ -26688,7 +25906,7 @@
                   <a16:creationId xmlns:a16="http://schemas.microsoft.com/office/drawing/2014/main" id="{FC692D59-F28D-4E42-B435-225F2C6CFA31}"/>
                 </a:ext>
                 <a:ext uri="{C183D7F6-B498-43B3-948B-1728B52AA6E4}">
-                  <adec:decorative xmlns:adec="http://schemas.microsoft.com/office/drawing/2017/decorative" xmlns="" val="1"/>
+                  <adec:decorative xmlns:adec="http://schemas.microsoft.com/office/drawing/2017/decorative" val="1"/>
                 </a:ext>
               </a:extLst>
             </p:cNvPr>
@@ -26763,6 +25981,13 @@
               <a:noFill/>
             </a:ln>
           </p:spPr>
+          <p:txBody>
+            <a:bodyPr/>
+            <a:lstStyle/>
+            <a:p>
+              <a:endParaRPr lang="pt-BR"/>
+            </a:p>
+          </p:txBody>
         </p:sp>
       </p:grpSp>
       <p:sp>
@@ -26773,7 +25998,7 @@
                 <a16:creationId xmlns:a16="http://schemas.microsoft.com/office/drawing/2014/main" id="{1996130F-9AB5-4DE9-8574-3AF891C5C172}"/>
               </a:ext>
               <a:ext uri="{C183D7F6-B498-43B3-948B-1728B52AA6E4}">
-                <adec:decorative xmlns:adec="http://schemas.microsoft.com/office/drawing/2017/decorative" xmlns="" val="1"/>
+                <adec:decorative xmlns:adec="http://schemas.microsoft.com/office/drawing/2017/decorative" val="1"/>
               </a:ext>
             </a:extLst>
           </p:cNvPr>
@@ -26818,6 +26043,13 @@
             <a:schemeClr val="lt1"/>
           </a:fontRef>
         </p:style>
+        <p:txBody>
+          <a:bodyPr/>
+          <a:lstStyle/>
+          <a:p>
+            <a:endParaRPr lang="pt-BR"/>
+          </a:p>
+        </p:txBody>
       </p:sp>
       <p:sp>
         <p:nvSpPr>
@@ -26827,7 +26059,7 @@
                 <a16:creationId xmlns:a16="http://schemas.microsoft.com/office/drawing/2014/main" id="{7326F4E6-9131-42DA-97B2-0BA8D1E258AD}"/>
               </a:ext>
               <a:ext uri="{C183D7F6-B498-43B3-948B-1728B52AA6E4}">
-                <adec:decorative xmlns:adec="http://schemas.microsoft.com/office/drawing/2017/decorative" xmlns="" val="1"/>
+                <adec:decorative xmlns:adec="http://schemas.microsoft.com/office/drawing/2017/decorative" val="1"/>
               </a:ext>
             </a:extLst>
           </p:cNvPr>
@@ -26917,6 +26149,13 @@
             <a:noFill/>
           </a:ln>
         </p:spPr>
+        <p:txBody>
+          <a:bodyPr/>
+          <a:lstStyle/>
+          <a:p>
+            <a:endParaRPr lang="pt-BR"/>
+          </a:p>
+        </p:txBody>
       </p:sp>
       <p:sp useBgFill="1">
         <p:nvSpPr>
@@ -26926,7 +26165,7 @@
                 <a16:creationId xmlns:a16="http://schemas.microsoft.com/office/drawing/2014/main" id="{3F4C104D-5F30-4811-9376-566B26E4719A}"/>
               </a:ext>
               <a:ext uri="{C183D7F6-B498-43B3-948B-1728B52AA6E4}">
-                <adec:decorative xmlns:adec="http://schemas.microsoft.com/office/drawing/2017/decorative" xmlns="" val="1"/>
+                <adec:decorative xmlns:adec="http://schemas.microsoft.com/office/drawing/2017/decorative" val="1"/>
               </a:ext>
             </a:extLst>
           </p:cNvPr>
@@ -27021,7 +26260,7 @@
                 <a16:creationId xmlns:a16="http://schemas.microsoft.com/office/drawing/2014/main" id="{0815E34B-5D02-4E01-A936-E8E1C0AB6F12}"/>
               </a:ext>
               <a:ext uri="{C183D7F6-B498-43B3-948B-1728B52AA6E4}">
-                <adec:decorative xmlns:adec="http://schemas.microsoft.com/office/drawing/2017/decorative" xmlns="" val="1"/>
+                <adec:decorative xmlns:adec="http://schemas.microsoft.com/office/drawing/2017/decorative" val="1"/>
               </a:ext>
             </a:extLst>
           </p:cNvPr>
@@ -27066,6 +26305,13 @@
             <a:schemeClr val="lt1"/>
           </a:fontRef>
         </p:style>
+        <p:txBody>
+          <a:bodyPr/>
+          <a:lstStyle/>
+          <a:p>
+            <a:endParaRPr lang="pt-BR"/>
+          </a:p>
+        </p:txBody>
       </p:sp>
       <p:sp>
         <p:nvSpPr>
@@ -27221,38 +26467,6 @@
           </a:p>
         </p:txBody>
       </p:sp>
-      <p:pic>
-        <p:nvPicPr>
-          <p:cNvPr id="6" name="Espaço Reservado para Conteúdo 5">
-            <a:extLst>
-              <a:ext uri="{FF2B5EF4-FFF2-40B4-BE49-F238E27FC236}">
-                <a16:creationId xmlns:a16="http://schemas.microsoft.com/office/drawing/2014/main" id="{C88B5CAF-CAB7-F10B-43C8-F5220D369273}"/>
-              </a:ext>
-            </a:extLst>
-          </p:cNvPr>
-          <p:cNvPicPr>
-            <a:picLocks noGrp="1" noChangeAspect="1"/>
-          </p:cNvPicPr>
-          <p:nvPr>
-            <p:ph idx="1"/>
-          </p:nvPr>
-        </p:nvPicPr>
-        <p:blipFill>
-          <a:blip r:embed="rId2"/>
-          <a:stretch>
-            <a:fillRect/>
-          </a:stretch>
-        </p:blipFill>
-        <p:spPr>
-          <a:xfrm>
-            <a:off x="4698192" y="1446651"/>
-            <a:ext cx="6953577" cy="3720164"/>
-          </a:xfrm>
-          <a:prstGeom prst="rect">
-            <a:avLst/>
-          </a:prstGeom>
-        </p:spPr>
-      </p:pic>
       <p:sp>
         <p:nvSpPr>
           <p:cNvPr id="47" name="Freeform 11">
@@ -27261,7 +26475,7 @@
                 <a16:creationId xmlns:a16="http://schemas.microsoft.com/office/drawing/2014/main" id="{7DE3414B-B032-4710-A468-D3285E38C5FF}"/>
               </a:ext>
               <a:ext uri="{C183D7F6-B498-43B3-948B-1728B52AA6E4}">
-                <adec:decorative xmlns:adec="http://schemas.microsoft.com/office/drawing/2017/decorative" xmlns="" val="1"/>
+                <adec:decorative xmlns:adec="http://schemas.microsoft.com/office/drawing/2017/decorative" val="1"/>
               </a:ext>
             </a:extLst>
           </p:cNvPr>
@@ -27470,6 +26684,36 @@
           </a:p>
         </p:txBody>
       </p:sp>
+      <p:pic>
+        <p:nvPicPr>
+          <p:cNvPr id="24" name="Imagem 23">
+            <a:extLst>
+              <a:ext uri="{FF2B5EF4-FFF2-40B4-BE49-F238E27FC236}">
+                <a16:creationId xmlns:a16="http://schemas.microsoft.com/office/drawing/2014/main" id="{885A0A4F-7D18-50CF-AC26-B0D562C54732}"/>
+              </a:ext>
+            </a:extLst>
+          </p:cNvPr>
+          <p:cNvPicPr>
+            <a:picLocks noChangeAspect="1"/>
+          </p:cNvPicPr>
+          <p:nvPr/>
+        </p:nvPicPr>
+        <p:blipFill>
+          <a:blip r:embed="rId2"/>
+          <a:stretch>
+            <a:fillRect/>
+          </a:stretch>
+        </p:blipFill>
+        <p:spPr>
+          <a:xfrm>
+            <a:off x="4631426" y="1388765"/>
+            <a:ext cx="6716062" cy="3591426"/>
+          </a:xfrm>
+          <a:prstGeom prst="rect">
+            <a:avLst/>
+          </a:prstGeom>
+        </p:spPr>
+      </p:pic>
       <p:sp>
         <p:nvSpPr>
           <p:cNvPr id="8" name="Seta: Curva para a Direita 7">
@@ -27797,7 +27041,7 @@
                 <a16:creationId xmlns:a16="http://schemas.microsoft.com/office/drawing/2014/main" id="{166BF9EE-F7AC-4FA5-AC7E-001B3A642F75}"/>
               </a:ext>
               <a:ext uri="{C183D7F6-B498-43B3-948B-1728B52AA6E4}">
-                <adec:decorative xmlns:adec="http://schemas.microsoft.com/office/drawing/2017/decorative" xmlns="" val="1"/>
+                <adec:decorative xmlns:adec="http://schemas.microsoft.com/office/drawing/2017/decorative" val="1"/>
               </a:ext>
             </a:extLst>
           </p:cNvPr>
@@ -27828,7 +27072,7 @@
                   <a16:creationId xmlns:a16="http://schemas.microsoft.com/office/drawing/2014/main" id="{3B48D182-44E3-4D8B-ACEF-F1A900BE4430}"/>
                 </a:ext>
                 <a:ext uri="{C183D7F6-B498-43B3-948B-1728B52AA6E4}">
-                  <adec:decorative xmlns:adec="http://schemas.microsoft.com/office/drawing/2017/decorative" xmlns="" val="1"/>
+                  <adec:decorative xmlns:adec="http://schemas.microsoft.com/office/drawing/2017/decorative" val="1"/>
                 </a:ext>
               </a:extLst>
             </p:cNvPr>
@@ -27895,6 +27139,13 @@
               <a:noFill/>
             </a:ln>
           </p:spPr>
+          <p:txBody>
+            <a:bodyPr/>
+            <a:lstStyle/>
+            <a:p>
+              <a:endParaRPr lang="pt-BR"/>
+            </a:p>
+          </p:txBody>
         </p:sp>
         <p:sp>
           <p:nvSpPr>
@@ -27904,7 +27155,7 @@
                   <a16:creationId xmlns:a16="http://schemas.microsoft.com/office/drawing/2014/main" id="{355A535A-A489-477F-A314-593AA8CAFB21}"/>
                 </a:ext>
                 <a:ext uri="{C183D7F6-B498-43B3-948B-1728B52AA6E4}">
-                  <adec:decorative xmlns:adec="http://schemas.microsoft.com/office/drawing/2017/decorative" xmlns="" val="1"/>
+                  <adec:decorative xmlns:adec="http://schemas.microsoft.com/office/drawing/2017/decorative" val="1"/>
                 </a:ext>
               </a:extLst>
             </p:cNvPr>
@@ -27976,6 +27227,13 @@
               <a:noFill/>
             </a:ln>
           </p:spPr>
+          <p:txBody>
+            <a:bodyPr/>
+            <a:lstStyle/>
+            <a:p>
+              <a:endParaRPr lang="pt-BR"/>
+            </a:p>
+          </p:txBody>
         </p:sp>
         <p:sp>
           <p:nvSpPr>
@@ -27985,7 +27243,7 @@
                   <a16:creationId xmlns:a16="http://schemas.microsoft.com/office/drawing/2014/main" id="{954C2D4C-FD83-4EF4-9312-04442ABD66BF}"/>
                 </a:ext>
                 <a:ext uri="{C183D7F6-B498-43B3-948B-1728B52AA6E4}">
-                  <adec:decorative xmlns:adec="http://schemas.microsoft.com/office/drawing/2017/decorative" xmlns="" val="1"/>
+                  <adec:decorative xmlns:adec="http://schemas.microsoft.com/office/drawing/2017/decorative" val="1"/>
                 </a:ext>
               </a:extLst>
             </p:cNvPr>
@@ -28062,6 +27320,13 @@
               <a:noFill/>
             </a:ln>
           </p:spPr>
+          <p:txBody>
+            <a:bodyPr/>
+            <a:lstStyle/>
+            <a:p>
+              <a:endParaRPr lang="pt-BR"/>
+            </a:p>
+          </p:txBody>
         </p:sp>
         <p:sp>
           <p:nvSpPr>
@@ -28071,7 +27336,7 @@
                   <a16:creationId xmlns:a16="http://schemas.microsoft.com/office/drawing/2014/main" id="{C20701C2-CD9A-4698-BC97-E1085820C2C9}"/>
                 </a:ext>
                 <a:ext uri="{C183D7F6-B498-43B3-948B-1728B52AA6E4}">
-                  <adec:decorative xmlns:adec="http://schemas.microsoft.com/office/drawing/2017/decorative" xmlns="" val="1"/>
+                  <adec:decorative xmlns:adec="http://schemas.microsoft.com/office/drawing/2017/decorative" val="1"/>
                 </a:ext>
               </a:extLst>
             </p:cNvPr>
@@ -28128,6 +27393,13 @@
               <a:noFill/>
             </a:ln>
           </p:spPr>
+          <p:txBody>
+            <a:bodyPr/>
+            <a:lstStyle/>
+            <a:p>
+              <a:endParaRPr lang="pt-BR"/>
+            </a:p>
+          </p:txBody>
         </p:sp>
         <p:sp>
           <p:nvSpPr>
@@ -28137,7 +27409,7 @@
                   <a16:creationId xmlns:a16="http://schemas.microsoft.com/office/drawing/2014/main" id="{62575C35-466F-42AE-87A1-D691849AB8CF}"/>
                 </a:ext>
                 <a:ext uri="{C183D7F6-B498-43B3-948B-1728B52AA6E4}">
-                  <adec:decorative xmlns:adec="http://schemas.microsoft.com/office/drawing/2017/decorative" xmlns="" val="1"/>
+                  <adec:decorative xmlns:adec="http://schemas.microsoft.com/office/drawing/2017/decorative" val="1"/>
                 </a:ext>
               </a:extLst>
             </p:cNvPr>
@@ -28229,6 +27501,13 @@
               <a:noFill/>
             </a:ln>
           </p:spPr>
+          <p:txBody>
+            <a:bodyPr/>
+            <a:lstStyle/>
+            <a:p>
+              <a:endParaRPr lang="pt-BR"/>
+            </a:p>
+          </p:txBody>
         </p:sp>
         <p:sp>
           <p:nvSpPr>
@@ -28238,7 +27517,7 @@
                   <a16:creationId xmlns:a16="http://schemas.microsoft.com/office/drawing/2014/main" id="{58236F37-6119-45AC-80A0-CD2C311B5051}"/>
                 </a:ext>
                 <a:ext uri="{C183D7F6-B498-43B3-948B-1728B52AA6E4}">
-                  <adec:decorative xmlns:adec="http://schemas.microsoft.com/office/drawing/2017/decorative" xmlns="" val="1"/>
+                  <adec:decorative xmlns:adec="http://schemas.microsoft.com/office/drawing/2017/decorative" val="1"/>
                 </a:ext>
               </a:extLst>
             </p:cNvPr>
@@ -28325,6 +27604,13 @@
               <a:noFill/>
             </a:ln>
           </p:spPr>
+          <p:txBody>
+            <a:bodyPr/>
+            <a:lstStyle/>
+            <a:p>
+              <a:endParaRPr lang="pt-BR"/>
+            </a:p>
+          </p:txBody>
         </p:sp>
         <p:sp>
           <p:nvSpPr>
@@ -28334,7 +27620,7 @@
                   <a16:creationId xmlns:a16="http://schemas.microsoft.com/office/drawing/2014/main" id="{F3FDD799-39FE-4D6F-9A64-2F472B215078}"/>
                 </a:ext>
                 <a:ext uri="{C183D7F6-B498-43B3-948B-1728B52AA6E4}">
-                  <adec:decorative xmlns:adec="http://schemas.microsoft.com/office/drawing/2017/decorative" xmlns="" val="1"/>
+                  <adec:decorative xmlns:adec="http://schemas.microsoft.com/office/drawing/2017/decorative" val="1"/>
                 </a:ext>
               </a:extLst>
             </p:cNvPr>
@@ -28401,6 +27687,13 @@
               <a:noFill/>
             </a:ln>
           </p:spPr>
+          <p:txBody>
+            <a:bodyPr/>
+            <a:lstStyle/>
+            <a:p>
+              <a:endParaRPr lang="pt-BR"/>
+            </a:p>
+          </p:txBody>
         </p:sp>
         <p:sp>
           <p:nvSpPr>
@@ -28410,7 +27703,7 @@
                   <a16:creationId xmlns:a16="http://schemas.microsoft.com/office/drawing/2014/main" id="{9820D241-1D49-442C-A95A-00BC1BF9E295}"/>
                 </a:ext>
                 <a:ext uri="{C183D7F6-B498-43B3-948B-1728B52AA6E4}">
-                  <adec:decorative xmlns:adec="http://schemas.microsoft.com/office/drawing/2017/decorative" xmlns="" val="1"/>
+                  <adec:decorative xmlns:adec="http://schemas.microsoft.com/office/drawing/2017/decorative" val="1"/>
                 </a:ext>
               </a:extLst>
             </p:cNvPr>
@@ -28497,6 +27790,13 @@
               <a:noFill/>
             </a:ln>
           </p:spPr>
+          <p:txBody>
+            <a:bodyPr/>
+            <a:lstStyle/>
+            <a:p>
+              <a:endParaRPr lang="pt-BR"/>
+            </a:p>
+          </p:txBody>
         </p:sp>
         <p:sp>
           <p:nvSpPr>
@@ -28506,7 +27806,7 @@
                   <a16:creationId xmlns:a16="http://schemas.microsoft.com/office/drawing/2014/main" id="{EBC2197C-B383-4866-8ABD-74222400BE8E}"/>
                 </a:ext>
                 <a:ext uri="{C183D7F6-B498-43B3-948B-1728B52AA6E4}">
-                  <adec:decorative xmlns:adec="http://schemas.microsoft.com/office/drawing/2017/decorative" xmlns="" val="1"/>
+                  <adec:decorative xmlns:adec="http://schemas.microsoft.com/office/drawing/2017/decorative" val="1"/>
                 </a:ext>
               </a:extLst>
             </p:cNvPr>
@@ -28628,6 +27928,13 @@
               <a:noFill/>
             </a:ln>
           </p:spPr>
+          <p:txBody>
+            <a:bodyPr/>
+            <a:lstStyle/>
+            <a:p>
+              <a:endParaRPr lang="pt-BR"/>
+            </a:p>
+          </p:txBody>
         </p:sp>
         <p:sp>
           <p:nvSpPr>
@@ -28637,7 +27944,7 @@
                   <a16:creationId xmlns:a16="http://schemas.microsoft.com/office/drawing/2014/main" id="{404B06AA-FC93-4471-9DE4-56A401E70A50}"/>
                 </a:ext>
                 <a:ext uri="{C183D7F6-B498-43B3-948B-1728B52AA6E4}">
-                  <adec:decorative xmlns:adec="http://schemas.microsoft.com/office/drawing/2017/decorative" xmlns="" val="1"/>
+                  <adec:decorative xmlns:adec="http://schemas.microsoft.com/office/drawing/2017/decorative" val="1"/>
                 </a:ext>
               </a:extLst>
             </p:cNvPr>
@@ -28694,6 +28001,13 @@
               <a:noFill/>
             </a:ln>
           </p:spPr>
+          <p:txBody>
+            <a:bodyPr/>
+            <a:lstStyle/>
+            <a:p>
+              <a:endParaRPr lang="pt-BR"/>
+            </a:p>
+          </p:txBody>
         </p:sp>
         <p:sp>
           <p:nvSpPr>
@@ -28703,7 +28017,7 @@
                   <a16:creationId xmlns:a16="http://schemas.microsoft.com/office/drawing/2014/main" id="{E580600C-013F-4FAF-8FB7-4CC0FA80A92B}"/>
                 </a:ext>
                 <a:ext uri="{C183D7F6-B498-43B3-948B-1728B52AA6E4}">
-                  <adec:decorative xmlns:adec="http://schemas.microsoft.com/office/drawing/2017/decorative" xmlns="" val="1"/>
+                  <adec:decorative xmlns:adec="http://schemas.microsoft.com/office/drawing/2017/decorative" val="1"/>
                 </a:ext>
               </a:extLst>
             </p:cNvPr>
@@ -28770,6 +28084,13 @@
               <a:noFill/>
             </a:ln>
           </p:spPr>
+          <p:txBody>
+            <a:bodyPr/>
+            <a:lstStyle/>
+            <a:p>
+              <a:endParaRPr lang="pt-BR"/>
+            </a:p>
+          </p:txBody>
         </p:sp>
         <p:sp>
           <p:nvSpPr>
@@ -28779,7 +28100,7 @@
                   <a16:creationId xmlns:a16="http://schemas.microsoft.com/office/drawing/2014/main" id="{9BFCF199-64B2-4AEE-88C4-E954ABF36278}"/>
                 </a:ext>
                 <a:ext uri="{C183D7F6-B498-43B3-948B-1728B52AA6E4}">
-                  <adec:decorative xmlns:adec="http://schemas.microsoft.com/office/drawing/2017/decorative" xmlns="" val="1"/>
+                  <adec:decorative xmlns:adec="http://schemas.microsoft.com/office/drawing/2017/decorative" val="1"/>
                 </a:ext>
               </a:extLst>
             </p:cNvPr>
@@ -28856,6 +28177,13 @@
               <a:noFill/>
             </a:ln>
           </p:spPr>
+          <p:txBody>
+            <a:bodyPr/>
+            <a:lstStyle/>
+            <a:p>
+              <a:endParaRPr lang="pt-BR"/>
+            </a:p>
+          </p:txBody>
         </p:sp>
       </p:grpSp>
       <p:grpSp>
@@ -28866,7 +28194,7 @@
                 <a16:creationId xmlns:a16="http://schemas.microsoft.com/office/drawing/2014/main" id="{E312DBA5-56D8-42B2-BA94-28168C2A6703}"/>
               </a:ext>
               <a:ext uri="{C183D7F6-B498-43B3-948B-1728B52AA6E4}">
-                <adec:decorative xmlns:adec="http://schemas.microsoft.com/office/drawing/2017/decorative" xmlns="" val="1"/>
+                <adec:decorative xmlns:adec="http://schemas.microsoft.com/office/drawing/2017/decorative" val="1"/>
               </a:ext>
             </a:extLst>
           </p:cNvPr>
@@ -28897,7 +28225,7 @@
                   <a16:creationId xmlns:a16="http://schemas.microsoft.com/office/drawing/2014/main" id="{7AD46C74-3117-46B0-B267-0F61B57CACE3}"/>
                 </a:ext>
                 <a:ext uri="{C183D7F6-B498-43B3-948B-1728B52AA6E4}">
-                  <adec:decorative xmlns:adec="http://schemas.microsoft.com/office/drawing/2017/decorative" xmlns="" val="1"/>
+                  <adec:decorative xmlns:adec="http://schemas.microsoft.com/office/drawing/2017/decorative" val="1"/>
                 </a:ext>
               </a:extLst>
             </p:cNvPr>
@@ -29007,6 +28335,13 @@
               <a:noFill/>
             </a:ln>
           </p:spPr>
+          <p:txBody>
+            <a:bodyPr/>
+            <a:lstStyle/>
+            <a:p>
+              <a:endParaRPr lang="pt-BR"/>
+            </a:p>
+          </p:txBody>
         </p:sp>
         <p:sp>
           <p:nvSpPr>
@@ -29016,7 +28351,7 @@
                   <a16:creationId xmlns:a16="http://schemas.microsoft.com/office/drawing/2014/main" id="{8C13B810-9664-45D8-8510-D6ED0ADD7217}"/>
                 </a:ext>
                 <a:ext uri="{C183D7F6-B498-43B3-948B-1728B52AA6E4}">
-                  <adec:decorative xmlns:adec="http://schemas.microsoft.com/office/drawing/2017/decorative" xmlns="" val="1"/>
+                  <adec:decorative xmlns:adec="http://schemas.microsoft.com/office/drawing/2017/decorative" val="1"/>
                 </a:ext>
               </a:extLst>
             </p:cNvPr>
@@ -29091,6 +28426,13 @@
               <a:noFill/>
             </a:ln>
           </p:spPr>
+          <p:txBody>
+            <a:bodyPr/>
+            <a:lstStyle/>
+            <a:p>
+              <a:endParaRPr lang="pt-BR"/>
+            </a:p>
+          </p:txBody>
         </p:sp>
         <p:sp>
           <p:nvSpPr>
@@ -29100,7 +28442,7 @@
                   <a16:creationId xmlns:a16="http://schemas.microsoft.com/office/drawing/2014/main" id="{10306E52-A922-4458-BCCE-C3C840CC7556}"/>
                 </a:ext>
                 <a:ext uri="{C183D7F6-B498-43B3-948B-1728B52AA6E4}">
-                  <adec:decorative xmlns:adec="http://schemas.microsoft.com/office/drawing/2017/decorative" xmlns="" val="1"/>
+                  <adec:decorative xmlns:adec="http://schemas.microsoft.com/office/drawing/2017/decorative" val="1"/>
                 </a:ext>
               </a:extLst>
             </p:cNvPr>
@@ -29175,6 +28517,13 @@
               <a:noFill/>
             </a:ln>
           </p:spPr>
+          <p:txBody>
+            <a:bodyPr/>
+            <a:lstStyle/>
+            <a:p>
+              <a:endParaRPr lang="pt-BR"/>
+            </a:p>
+          </p:txBody>
         </p:sp>
         <p:sp>
           <p:nvSpPr>
@@ -29184,7 +28533,7 @@
                   <a16:creationId xmlns:a16="http://schemas.microsoft.com/office/drawing/2014/main" id="{CB578819-B7E7-4250-932F-52AE2A2A9A57}"/>
                 </a:ext>
                 <a:ext uri="{C183D7F6-B498-43B3-948B-1728B52AA6E4}">
-                  <adec:decorative xmlns:adec="http://schemas.microsoft.com/office/drawing/2017/decorative" xmlns="" val="1"/>
+                  <adec:decorative xmlns:adec="http://schemas.microsoft.com/office/drawing/2017/decorative" val="1"/>
                 </a:ext>
               </a:extLst>
             </p:cNvPr>
@@ -29274,6 +28623,13 @@
               <a:noFill/>
             </a:ln>
           </p:spPr>
+          <p:txBody>
+            <a:bodyPr/>
+            <a:lstStyle/>
+            <a:p>
+              <a:endParaRPr lang="pt-BR"/>
+            </a:p>
+          </p:txBody>
         </p:sp>
         <p:sp>
           <p:nvSpPr>
@@ -29283,7 +28639,7 @@
                   <a16:creationId xmlns:a16="http://schemas.microsoft.com/office/drawing/2014/main" id="{454B9C91-B623-424A-B16E-F764F189D300}"/>
                 </a:ext>
                 <a:ext uri="{C183D7F6-B498-43B3-948B-1728B52AA6E4}">
-                  <adec:decorative xmlns:adec="http://schemas.microsoft.com/office/drawing/2017/decorative" xmlns="" val="1"/>
+                  <adec:decorative xmlns:adec="http://schemas.microsoft.com/office/drawing/2017/decorative" val="1"/>
                 </a:ext>
               </a:extLst>
             </p:cNvPr>
@@ -29383,6 +28739,13 @@
               <a:noFill/>
             </a:ln>
           </p:spPr>
+          <p:txBody>
+            <a:bodyPr/>
+            <a:lstStyle/>
+            <a:p>
+              <a:endParaRPr lang="pt-BR"/>
+            </a:p>
+          </p:txBody>
         </p:sp>
         <p:sp>
           <p:nvSpPr>
@@ -29392,7 +28755,7 @@
                   <a16:creationId xmlns:a16="http://schemas.microsoft.com/office/drawing/2014/main" id="{EFD03C4A-8484-41E6-B458-032F1DCA70AA}"/>
                 </a:ext>
                 <a:ext uri="{C183D7F6-B498-43B3-948B-1728B52AA6E4}">
-                  <adec:decorative xmlns:adec="http://schemas.microsoft.com/office/drawing/2017/decorative" xmlns="" val="1"/>
+                  <adec:decorative xmlns:adec="http://schemas.microsoft.com/office/drawing/2017/decorative" val="1"/>
                 </a:ext>
               </a:extLst>
             </p:cNvPr>
@@ -29447,6 +28810,13 @@
               <a:noFill/>
             </a:ln>
           </p:spPr>
+          <p:txBody>
+            <a:bodyPr/>
+            <a:lstStyle/>
+            <a:p>
+              <a:endParaRPr lang="pt-BR"/>
+            </a:p>
+          </p:txBody>
         </p:sp>
         <p:sp>
           <p:nvSpPr>
@@ -29456,7 +28826,7 @@
                   <a16:creationId xmlns:a16="http://schemas.microsoft.com/office/drawing/2014/main" id="{DDC2F3C3-1D4E-4913-9C5C-F9A65B47E5CA}"/>
                 </a:ext>
                 <a:ext uri="{C183D7F6-B498-43B3-948B-1728B52AA6E4}">
-                  <adec:decorative xmlns:adec="http://schemas.microsoft.com/office/drawing/2017/decorative" xmlns="" val="1"/>
+                  <adec:decorative xmlns:adec="http://schemas.microsoft.com/office/drawing/2017/decorative" val="1"/>
                 </a:ext>
               </a:extLst>
             </p:cNvPr>
@@ -29526,6 +28896,13 @@
               <a:noFill/>
             </a:ln>
           </p:spPr>
+          <p:txBody>
+            <a:bodyPr/>
+            <a:lstStyle/>
+            <a:p>
+              <a:endParaRPr lang="pt-BR"/>
+            </a:p>
+          </p:txBody>
         </p:sp>
         <p:sp>
           <p:nvSpPr>
@@ -29535,7 +28912,7 @@
                   <a16:creationId xmlns:a16="http://schemas.microsoft.com/office/drawing/2014/main" id="{1E15BCA2-2420-4C53-ADE9-40FBAC238443}"/>
                 </a:ext>
                 <a:ext uri="{C183D7F6-B498-43B3-948B-1728B52AA6E4}">
-                  <adec:decorative xmlns:adec="http://schemas.microsoft.com/office/drawing/2017/decorative" xmlns="" val="1"/>
+                  <adec:decorative xmlns:adec="http://schemas.microsoft.com/office/drawing/2017/decorative" val="1"/>
                 </a:ext>
               </a:extLst>
             </p:cNvPr>
@@ -29650,6 +29027,13 @@
               <a:noFill/>
             </a:ln>
           </p:spPr>
+          <p:txBody>
+            <a:bodyPr/>
+            <a:lstStyle/>
+            <a:p>
+              <a:endParaRPr lang="pt-BR"/>
+            </a:p>
+          </p:txBody>
         </p:sp>
         <p:sp>
           <p:nvSpPr>
@@ -29659,7 +29043,7 @@
                   <a16:creationId xmlns:a16="http://schemas.microsoft.com/office/drawing/2014/main" id="{73D5FBF4-7129-4C51-B603-E3BC3341951B}"/>
                 </a:ext>
                 <a:ext uri="{C183D7F6-B498-43B3-948B-1728B52AA6E4}">
-                  <adec:decorative xmlns:adec="http://schemas.microsoft.com/office/drawing/2017/decorative" xmlns="" val="1"/>
+                  <adec:decorative xmlns:adec="http://schemas.microsoft.com/office/drawing/2017/decorative" val="1"/>
                 </a:ext>
               </a:extLst>
             </p:cNvPr>
@@ -29714,6 +29098,13 @@
               <a:noFill/>
             </a:ln>
           </p:spPr>
+          <p:txBody>
+            <a:bodyPr/>
+            <a:lstStyle/>
+            <a:p>
+              <a:endParaRPr lang="pt-BR"/>
+            </a:p>
+          </p:txBody>
         </p:sp>
         <p:sp>
           <p:nvSpPr>
@@ -29723,7 +29114,7 @@
                   <a16:creationId xmlns:a16="http://schemas.microsoft.com/office/drawing/2014/main" id="{0165B164-CE2A-494C-88FC-507232B37C08}"/>
                 </a:ext>
                 <a:ext uri="{C183D7F6-B498-43B3-948B-1728B52AA6E4}">
-                  <adec:decorative xmlns:adec="http://schemas.microsoft.com/office/drawing/2017/decorative" xmlns="" val="1"/>
+                  <adec:decorative xmlns:adec="http://schemas.microsoft.com/office/drawing/2017/decorative" val="1"/>
                 </a:ext>
               </a:extLst>
             </p:cNvPr>
@@ -29798,6 +29189,13 @@
               <a:noFill/>
             </a:ln>
           </p:spPr>
+          <p:txBody>
+            <a:bodyPr/>
+            <a:lstStyle/>
+            <a:p>
+              <a:endParaRPr lang="pt-BR"/>
+            </a:p>
+          </p:txBody>
         </p:sp>
         <p:sp>
           <p:nvSpPr>
@@ -29807,7 +29205,7 @@
                   <a16:creationId xmlns:a16="http://schemas.microsoft.com/office/drawing/2014/main" id="{87F127E5-B10B-4D18-BCF0-E7C3C7F401EC}"/>
                 </a:ext>
                 <a:ext uri="{C183D7F6-B498-43B3-948B-1728B52AA6E4}">
-                  <adec:decorative xmlns:adec="http://schemas.microsoft.com/office/drawing/2017/decorative" xmlns="" val="1"/>
+                  <adec:decorative xmlns:adec="http://schemas.microsoft.com/office/drawing/2017/decorative" val="1"/>
                 </a:ext>
               </a:extLst>
             </p:cNvPr>
@@ -29877,6 +29275,13 @@
               <a:noFill/>
             </a:ln>
           </p:spPr>
+          <p:txBody>
+            <a:bodyPr/>
+            <a:lstStyle/>
+            <a:p>
+              <a:endParaRPr lang="pt-BR"/>
+            </a:p>
+          </p:txBody>
         </p:sp>
         <p:sp>
           <p:nvSpPr>
@@ -29886,7 +29291,7 @@
                   <a16:creationId xmlns:a16="http://schemas.microsoft.com/office/drawing/2014/main" id="{FC692D59-F28D-4E42-B435-225F2C6CFA31}"/>
                 </a:ext>
                 <a:ext uri="{C183D7F6-B498-43B3-948B-1728B52AA6E4}">
-                  <adec:decorative xmlns:adec="http://schemas.microsoft.com/office/drawing/2017/decorative" xmlns="" val="1"/>
+                  <adec:decorative xmlns:adec="http://schemas.microsoft.com/office/drawing/2017/decorative" val="1"/>
                 </a:ext>
               </a:extLst>
             </p:cNvPr>
@@ -29961,6 +29366,13 @@
               <a:noFill/>
             </a:ln>
           </p:spPr>
+          <p:txBody>
+            <a:bodyPr/>
+            <a:lstStyle/>
+            <a:p>
+              <a:endParaRPr lang="pt-BR"/>
+            </a:p>
+          </p:txBody>
         </p:sp>
       </p:grpSp>
       <p:sp>
@@ -29971,7 +29383,7 @@
                 <a16:creationId xmlns:a16="http://schemas.microsoft.com/office/drawing/2014/main" id="{1996130F-9AB5-4DE9-8574-3AF891C5C172}"/>
               </a:ext>
               <a:ext uri="{C183D7F6-B498-43B3-948B-1728B52AA6E4}">
-                <adec:decorative xmlns:adec="http://schemas.microsoft.com/office/drawing/2017/decorative" xmlns="" val="1"/>
+                <adec:decorative xmlns:adec="http://schemas.microsoft.com/office/drawing/2017/decorative" val="1"/>
               </a:ext>
             </a:extLst>
           </p:cNvPr>
@@ -30016,6 +29428,13 @@
             <a:schemeClr val="lt1"/>
           </a:fontRef>
         </p:style>
+        <p:txBody>
+          <a:bodyPr/>
+          <a:lstStyle/>
+          <a:p>
+            <a:endParaRPr lang="pt-BR"/>
+          </a:p>
+        </p:txBody>
       </p:sp>
       <p:sp>
         <p:nvSpPr>
@@ -30025,7 +29444,7 @@
                 <a16:creationId xmlns:a16="http://schemas.microsoft.com/office/drawing/2014/main" id="{7326F4E6-9131-42DA-97B2-0BA8D1E258AD}"/>
               </a:ext>
               <a:ext uri="{C183D7F6-B498-43B3-948B-1728B52AA6E4}">
-                <adec:decorative xmlns:adec="http://schemas.microsoft.com/office/drawing/2017/decorative" xmlns="" val="1"/>
+                <adec:decorative xmlns:adec="http://schemas.microsoft.com/office/drawing/2017/decorative" val="1"/>
               </a:ext>
             </a:extLst>
           </p:cNvPr>
@@ -30115,6 +29534,13 @@
             <a:noFill/>
           </a:ln>
         </p:spPr>
+        <p:txBody>
+          <a:bodyPr/>
+          <a:lstStyle/>
+          <a:p>
+            <a:endParaRPr lang="pt-BR"/>
+          </a:p>
+        </p:txBody>
       </p:sp>
       <p:sp useBgFill="1">
         <p:nvSpPr>
@@ -30124,7 +29550,7 @@
                 <a16:creationId xmlns:a16="http://schemas.microsoft.com/office/drawing/2014/main" id="{1EDD21E1-BAF0-4314-AB31-82ECB8AC9EA9}"/>
               </a:ext>
               <a:ext uri="{C183D7F6-B498-43B3-948B-1728B52AA6E4}">
-                <adec:decorative xmlns:adec="http://schemas.microsoft.com/office/drawing/2017/decorative" xmlns="" val="1"/>
+                <adec:decorative xmlns:adec="http://schemas.microsoft.com/office/drawing/2017/decorative" val="1"/>
               </a:ext>
             </a:extLst>
           </p:cNvPr>
@@ -30204,10 +29630,6 @@
           </a:bodyPr>
           <a:lstStyle/>
           <a:p>
-            <a:r>
-              <a:rPr lang="en-US" sz="3200" b="1" dirty="0"/>
-              <a:t/>
-            </a:r>
             <a:br>
               <a:rPr lang="en-US" sz="3200" b="1" dirty="0"/>
             </a:br>
@@ -30234,7 +29656,7 @@
                 <a16:creationId xmlns:a16="http://schemas.microsoft.com/office/drawing/2014/main" id="{FDC8619C-F25D-468E-95FA-2A2151D7DDD2}"/>
               </a:ext>
               <a:ext uri="{C183D7F6-B498-43B3-948B-1728B52AA6E4}">
-                <adec:decorative xmlns:adec="http://schemas.microsoft.com/office/drawing/2017/decorative" xmlns="" val="1"/>
+                <adec:decorative xmlns:adec="http://schemas.microsoft.com/office/drawing/2017/decorative" val="1"/>
               </a:ext>
             </a:extLst>
           </p:cNvPr>
@@ -30279,6 +29701,13 @@
             <a:schemeClr val="lt1"/>
           </a:fontRef>
         </p:style>
+        <p:txBody>
+          <a:bodyPr/>
+          <a:lstStyle/>
+          <a:p>
+            <a:endParaRPr lang="pt-BR"/>
+          </a:p>
+        </p:txBody>
       </p:sp>
       <p:sp>
         <p:nvSpPr>
@@ -30466,38 +29895,6 @@
           </a:p>
         </p:txBody>
       </p:sp>
-      <p:pic>
-        <p:nvPicPr>
-          <p:cNvPr id="6" name="Espaço Reservado para Conteúdo 5">
-            <a:extLst>
-              <a:ext uri="{FF2B5EF4-FFF2-40B4-BE49-F238E27FC236}">
-                <a16:creationId xmlns:a16="http://schemas.microsoft.com/office/drawing/2014/main" id="{405F0C19-76F3-6626-6257-1C10284763BB}"/>
-              </a:ext>
-            </a:extLst>
-          </p:cNvPr>
-          <p:cNvPicPr>
-            <a:picLocks noGrp="1" noChangeAspect="1"/>
-          </p:cNvPicPr>
-          <p:nvPr>
-            <p:ph idx="1"/>
-          </p:nvPr>
-        </p:nvPicPr>
-        <p:blipFill>
-          <a:blip r:embed="rId2"/>
-          <a:stretch>
-            <a:fillRect/>
-          </a:stretch>
-        </p:blipFill>
-        <p:spPr>
-          <a:xfrm>
-            <a:off x="6681436" y="326193"/>
-            <a:ext cx="4001851" cy="6352146"/>
-          </a:xfrm>
-          <a:prstGeom prst="rect">
-            <a:avLst/>
-          </a:prstGeom>
-        </p:spPr>
-      </p:pic>
       <p:sp>
         <p:nvSpPr>
           <p:cNvPr id="185" name="Freeform 12">
@@ -30506,7 +29903,7 @@
                 <a16:creationId xmlns:a16="http://schemas.microsoft.com/office/drawing/2014/main" id="{7D9439D6-DEAD-4CEB-A61B-BE3D64D1B598}"/>
               </a:ext>
               <a:ext uri="{C183D7F6-B498-43B3-948B-1728B52AA6E4}">
-                <adec:decorative xmlns:adec="http://schemas.microsoft.com/office/drawing/2017/decorative" xmlns="" val="1"/>
+                <adec:decorative xmlns:adec="http://schemas.microsoft.com/office/drawing/2017/decorative" val="1"/>
               </a:ext>
             </a:extLst>
           </p:cNvPr>
@@ -30717,6 +30114,36 @@
       </p:sp>
       <p:pic>
         <p:nvPicPr>
+          <p:cNvPr id="10" name="Imagem 9">
+            <a:extLst>
+              <a:ext uri="{FF2B5EF4-FFF2-40B4-BE49-F238E27FC236}">
+                <a16:creationId xmlns:a16="http://schemas.microsoft.com/office/drawing/2014/main" id="{A3B634D0-CC6E-FCAB-E33E-A56540E66FFF}"/>
+              </a:ext>
+            </a:extLst>
+          </p:cNvPr>
+          <p:cNvPicPr>
+            <a:picLocks noChangeAspect="1"/>
+          </p:cNvPicPr>
+          <p:nvPr/>
+        </p:nvPicPr>
+        <p:blipFill>
+          <a:blip r:embed="rId2"/>
+          <a:stretch>
+            <a:fillRect/>
+          </a:stretch>
+        </p:blipFill>
+        <p:spPr>
+          <a:xfrm>
+            <a:off x="6568578" y="363796"/>
+            <a:ext cx="4098832" cy="6236545"/>
+          </a:xfrm>
+          <a:prstGeom prst="rect">
+            <a:avLst/>
+          </a:prstGeom>
+        </p:spPr>
+      </p:pic>
+      <p:pic>
+        <p:nvPicPr>
           <p:cNvPr id="8" name="Picture 4" descr="Cadastro - ícones de arquivos e pastas grátis">
             <a:extLst>
               <a:ext uri="{FF2B5EF4-FFF2-40B4-BE49-F238E27FC236}">
@@ -30771,13 +30198,6 @@
   <p:transition spd="slow">
     <p:cover/>
   </p:transition>
-  <p:timing>
-    <p:tnLst>
-      <p:par>
-        <p:cTn id="1" dur="indefinite" restart="never" nodeType="tmRoot"/>
-      </p:par>
-    </p:tnLst>
-  </p:timing>
 </p:sld>
 </file>
 
@@ -30832,7 +30252,7 @@
                 <a16:creationId xmlns:a16="http://schemas.microsoft.com/office/drawing/2014/main" id="{166BF9EE-F7AC-4FA5-AC7E-001B3A642F75}"/>
               </a:ext>
               <a:ext uri="{C183D7F6-B498-43B3-948B-1728B52AA6E4}">
-                <adec:decorative xmlns:adec="http://schemas.microsoft.com/office/drawing/2017/decorative" xmlns="" val="1"/>
+                <adec:decorative xmlns:adec="http://schemas.microsoft.com/office/drawing/2017/decorative" val="1"/>
               </a:ext>
             </a:extLst>
           </p:cNvPr>
@@ -30863,7 +30283,7 @@
                   <a16:creationId xmlns:a16="http://schemas.microsoft.com/office/drawing/2014/main" id="{3B48D182-44E3-4D8B-ACEF-F1A900BE4430}"/>
                 </a:ext>
                 <a:ext uri="{C183D7F6-B498-43B3-948B-1728B52AA6E4}">
-                  <adec:decorative xmlns:adec="http://schemas.microsoft.com/office/drawing/2017/decorative" xmlns="" val="1"/>
+                  <adec:decorative xmlns:adec="http://schemas.microsoft.com/office/drawing/2017/decorative" val="1"/>
                 </a:ext>
               </a:extLst>
             </p:cNvPr>
@@ -30930,6 +30350,13 @@
               <a:noFill/>
             </a:ln>
           </p:spPr>
+          <p:txBody>
+            <a:bodyPr/>
+            <a:lstStyle/>
+            <a:p>
+              <a:endParaRPr lang="pt-BR"/>
+            </a:p>
+          </p:txBody>
         </p:sp>
         <p:sp>
           <p:nvSpPr>
@@ -30939,7 +30366,7 @@
                   <a16:creationId xmlns:a16="http://schemas.microsoft.com/office/drawing/2014/main" id="{355A535A-A489-477F-A314-593AA8CAFB21}"/>
                 </a:ext>
                 <a:ext uri="{C183D7F6-B498-43B3-948B-1728B52AA6E4}">
-                  <adec:decorative xmlns:adec="http://schemas.microsoft.com/office/drawing/2017/decorative" xmlns="" val="1"/>
+                  <adec:decorative xmlns:adec="http://schemas.microsoft.com/office/drawing/2017/decorative" val="1"/>
                 </a:ext>
               </a:extLst>
             </p:cNvPr>
@@ -31011,6 +30438,13 @@
               <a:noFill/>
             </a:ln>
           </p:spPr>
+          <p:txBody>
+            <a:bodyPr/>
+            <a:lstStyle/>
+            <a:p>
+              <a:endParaRPr lang="pt-BR"/>
+            </a:p>
+          </p:txBody>
         </p:sp>
         <p:sp>
           <p:nvSpPr>
@@ -31020,7 +30454,7 @@
                   <a16:creationId xmlns:a16="http://schemas.microsoft.com/office/drawing/2014/main" id="{954C2D4C-FD83-4EF4-9312-04442ABD66BF}"/>
                 </a:ext>
                 <a:ext uri="{C183D7F6-B498-43B3-948B-1728B52AA6E4}">
-                  <adec:decorative xmlns:adec="http://schemas.microsoft.com/office/drawing/2017/decorative" xmlns="" val="1"/>
+                  <adec:decorative xmlns:adec="http://schemas.microsoft.com/office/drawing/2017/decorative" val="1"/>
                 </a:ext>
               </a:extLst>
             </p:cNvPr>
@@ -31097,6 +30531,13 @@
               <a:noFill/>
             </a:ln>
           </p:spPr>
+          <p:txBody>
+            <a:bodyPr/>
+            <a:lstStyle/>
+            <a:p>
+              <a:endParaRPr lang="pt-BR"/>
+            </a:p>
+          </p:txBody>
         </p:sp>
         <p:sp>
           <p:nvSpPr>
@@ -31106,7 +30547,7 @@
                   <a16:creationId xmlns:a16="http://schemas.microsoft.com/office/drawing/2014/main" id="{C20701C2-CD9A-4698-BC97-E1085820C2C9}"/>
                 </a:ext>
                 <a:ext uri="{C183D7F6-B498-43B3-948B-1728B52AA6E4}">
-                  <adec:decorative xmlns:adec="http://schemas.microsoft.com/office/drawing/2017/decorative" xmlns="" val="1"/>
+                  <adec:decorative xmlns:adec="http://schemas.microsoft.com/office/drawing/2017/decorative" val="1"/>
                 </a:ext>
               </a:extLst>
             </p:cNvPr>
@@ -31163,6 +30604,13 @@
               <a:noFill/>
             </a:ln>
           </p:spPr>
+          <p:txBody>
+            <a:bodyPr/>
+            <a:lstStyle/>
+            <a:p>
+              <a:endParaRPr lang="pt-BR"/>
+            </a:p>
+          </p:txBody>
         </p:sp>
         <p:sp>
           <p:nvSpPr>
@@ -31172,7 +30620,7 @@
                   <a16:creationId xmlns:a16="http://schemas.microsoft.com/office/drawing/2014/main" id="{62575C35-466F-42AE-87A1-D691849AB8CF}"/>
                 </a:ext>
                 <a:ext uri="{C183D7F6-B498-43B3-948B-1728B52AA6E4}">
-                  <adec:decorative xmlns:adec="http://schemas.microsoft.com/office/drawing/2017/decorative" xmlns="" val="1"/>
+                  <adec:decorative xmlns:adec="http://schemas.microsoft.com/office/drawing/2017/decorative" val="1"/>
                 </a:ext>
               </a:extLst>
             </p:cNvPr>
@@ -31264,6 +30712,13 @@
               <a:noFill/>
             </a:ln>
           </p:spPr>
+          <p:txBody>
+            <a:bodyPr/>
+            <a:lstStyle/>
+            <a:p>
+              <a:endParaRPr lang="pt-BR"/>
+            </a:p>
+          </p:txBody>
         </p:sp>
         <p:sp>
           <p:nvSpPr>
@@ -31273,7 +30728,7 @@
                   <a16:creationId xmlns:a16="http://schemas.microsoft.com/office/drawing/2014/main" id="{58236F37-6119-45AC-80A0-CD2C311B5051}"/>
                 </a:ext>
                 <a:ext uri="{C183D7F6-B498-43B3-948B-1728B52AA6E4}">
-                  <adec:decorative xmlns:adec="http://schemas.microsoft.com/office/drawing/2017/decorative" xmlns="" val="1"/>
+                  <adec:decorative xmlns:adec="http://schemas.microsoft.com/office/drawing/2017/decorative" val="1"/>
                 </a:ext>
               </a:extLst>
             </p:cNvPr>
@@ -31360,6 +30815,13 @@
               <a:noFill/>
             </a:ln>
           </p:spPr>
+          <p:txBody>
+            <a:bodyPr/>
+            <a:lstStyle/>
+            <a:p>
+              <a:endParaRPr lang="pt-BR"/>
+            </a:p>
+          </p:txBody>
         </p:sp>
         <p:sp>
           <p:nvSpPr>
@@ -31369,7 +30831,7 @@
                   <a16:creationId xmlns:a16="http://schemas.microsoft.com/office/drawing/2014/main" id="{F3FDD799-39FE-4D6F-9A64-2F472B215078}"/>
                 </a:ext>
                 <a:ext uri="{C183D7F6-B498-43B3-948B-1728B52AA6E4}">
-                  <adec:decorative xmlns:adec="http://schemas.microsoft.com/office/drawing/2017/decorative" xmlns="" val="1"/>
+                  <adec:decorative xmlns:adec="http://schemas.microsoft.com/office/drawing/2017/decorative" val="1"/>
                 </a:ext>
               </a:extLst>
             </p:cNvPr>
@@ -31436,6 +30898,13 @@
               <a:noFill/>
             </a:ln>
           </p:spPr>
+          <p:txBody>
+            <a:bodyPr/>
+            <a:lstStyle/>
+            <a:p>
+              <a:endParaRPr lang="pt-BR"/>
+            </a:p>
+          </p:txBody>
         </p:sp>
         <p:sp>
           <p:nvSpPr>
@@ -31445,7 +30914,7 @@
                   <a16:creationId xmlns:a16="http://schemas.microsoft.com/office/drawing/2014/main" id="{9820D241-1D49-442C-A95A-00BC1BF9E295}"/>
                 </a:ext>
                 <a:ext uri="{C183D7F6-B498-43B3-948B-1728B52AA6E4}">
-                  <adec:decorative xmlns:adec="http://schemas.microsoft.com/office/drawing/2017/decorative" xmlns="" val="1"/>
+                  <adec:decorative xmlns:adec="http://schemas.microsoft.com/office/drawing/2017/decorative" val="1"/>
                 </a:ext>
               </a:extLst>
             </p:cNvPr>
@@ -31532,6 +31001,13 @@
               <a:noFill/>
             </a:ln>
           </p:spPr>
+          <p:txBody>
+            <a:bodyPr/>
+            <a:lstStyle/>
+            <a:p>
+              <a:endParaRPr lang="pt-BR"/>
+            </a:p>
+          </p:txBody>
         </p:sp>
         <p:sp>
           <p:nvSpPr>
@@ -31541,7 +31017,7 @@
                   <a16:creationId xmlns:a16="http://schemas.microsoft.com/office/drawing/2014/main" id="{EBC2197C-B383-4866-8ABD-74222400BE8E}"/>
                 </a:ext>
                 <a:ext uri="{C183D7F6-B498-43B3-948B-1728B52AA6E4}">
-                  <adec:decorative xmlns:adec="http://schemas.microsoft.com/office/drawing/2017/decorative" xmlns="" val="1"/>
+                  <adec:decorative xmlns:adec="http://schemas.microsoft.com/office/drawing/2017/decorative" val="1"/>
                 </a:ext>
               </a:extLst>
             </p:cNvPr>
@@ -31663,6 +31139,13 @@
               <a:noFill/>
             </a:ln>
           </p:spPr>
+          <p:txBody>
+            <a:bodyPr/>
+            <a:lstStyle/>
+            <a:p>
+              <a:endParaRPr lang="pt-BR"/>
+            </a:p>
+          </p:txBody>
         </p:sp>
         <p:sp>
           <p:nvSpPr>
@@ -31672,7 +31155,7 @@
                   <a16:creationId xmlns:a16="http://schemas.microsoft.com/office/drawing/2014/main" id="{404B06AA-FC93-4471-9DE4-56A401E70A50}"/>
                 </a:ext>
                 <a:ext uri="{C183D7F6-B498-43B3-948B-1728B52AA6E4}">
-                  <adec:decorative xmlns:adec="http://schemas.microsoft.com/office/drawing/2017/decorative" xmlns="" val="1"/>
+                  <adec:decorative xmlns:adec="http://schemas.microsoft.com/office/drawing/2017/decorative" val="1"/>
                 </a:ext>
               </a:extLst>
             </p:cNvPr>
@@ -31729,6 +31212,13 @@
               <a:noFill/>
             </a:ln>
           </p:spPr>
+          <p:txBody>
+            <a:bodyPr/>
+            <a:lstStyle/>
+            <a:p>
+              <a:endParaRPr lang="pt-BR"/>
+            </a:p>
+          </p:txBody>
         </p:sp>
         <p:sp>
           <p:nvSpPr>
@@ -31738,7 +31228,7 @@
                   <a16:creationId xmlns:a16="http://schemas.microsoft.com/office/drawing/2014/main" id="{E580600C-013F-4FAF-8FB7-4CC0FA80A92B}"/>
                 </a:ext>
                 <a:ext uri="{C183D7F6-B498-43B3-948B-1728B52AA6E4}">
-                  <adec:decorative xmlns:adec="http://schemas.microsoft.com/office/drawing/2017/decorative" xmlns="" val="1"/>
+                  <adec:decorative xmlns:adec="http://schemas.microsoft.com/office/drawing/2017/decorative" val="1"/>
                 </a:ext>
               </a:extLst>
             </p:cNvPr>
@@ -31805,6 +31295,13 @@
               <a:noFill/>
             </a:ln>
           </p:spPr>
+          <p:txBody>
+            <a:bodyPr/>
+            <a:lstStyle/>
+            <a:p>
+              <a:endParaRPr lang="pt-BR"/>
+            </a:p>
+          </p:txBody>
         </p:sp>
         <p:sp>
           <p:nvSpPr>
@@ -31814,7 +31311,7 @@
                   <a16:creationId xmlns:a16="http://schemas.microsoft.com/office/drawing/2014/main" id="{9BFCF199-64B2-4AEE-88C4-E954ABF36278}"/>
                 </a:ext>
                 <a:ext uri="{C183D7F6-B498-43B3-948B-1728B52AA6E4}">
-                  <adec:decorative xmlns:adec="http://schemas.microsoft.com/office/drawing/2017/decorative" xmlns="" val="1"/>
+                  <adec:decorative xmlns:adec="http://schemas.microsoft.com/office/drawing/2017/decorative" val="1"/>
                 </a:ext>
               </a:extLst>
             </p:cNvPr>
@@ -31891,6 +31388,13 @@
               <a:noFill/>
             </a:ln>
           </p:spPr>
+          <p:txBody>
+            <a:bodyPr/>
+            <a:lstStyle/>
+            <a:p>
+              <a:endParaRPr lang="pt-BR"/>
+            </a:p>
+          </p:txBody>
         </p:sp>
       </p:grpSp>
       <p:grpSp>
@@ -31901,7 +31405,7 @@
                 <a16:creationId xmlns:a16="http://schemas.microsoft.com/office/drawing/2014/main" id="{E312DBA5-56D8-42B2-BA94-28168C2A6703}"/>
               </a:ext>
               <a:ext uri="{C183D7F6-B498-43B3-948B-1728B52AA6E4}">
-                <adec:decorative xmlns:adec="http://schemas.microsoft.com/office/drawing/2017/decorative" xmlns="" val="1"/>
+                <adec:decorative xmlns:adec="http://schemas.microsoft.com/office/drawing/2017/decorative" val="1"/>
               </a:ext>
             </a:extLst>
           </p:cNvPr>
@@ -31932,7 +31436,7 @@
                   <a16:creationId xmlns:a16="http://schemas.microsoft.com/office/drawing/2014/main" id="{7AD46C74-3117-46B0-B267-0F61B57CACE3}"/>
                 </a:ext>
                 <a:ext uri="{C183D7F6-B498-43B3-948B-1728B52AA6E4}">
-                  <adec:decorative xmlns:adec="http://schemas.microsoft.com/office/drawing/2017/decorative" xmlns="" val="1"/>
+                  <adec:decorative xmlns:adec="http://schemas.microsoft.com/office/drawing/2017/decorative" val="1"/>
                 </a:ext>
               </a:extLst>
             </p:cNvPr>
@@ -32042,6 +31546,13 @@
               <a:noFill/>
             </a:ln>
           </p:spPr>
+          <p:txBody>
+            <a:bodyPr/>
+            <a:lstStyle/>
+            <a:p>
+              <a:endParaRPr lang="pt-BR"/>
+            </a:p>
+          </p:txBody>
         </p:sp>
         <p:sp>
           <p:nvSpPr>
@@ -32051,7 +31562,7 @@
                   <a16:creationId xmlns:a16="http://schemas.microsoft.com/office/drawing/2014/main" id="{8C13B810-9664-45D8-8510-D6ED0ADD7217}"/>
                 </a:ext>
                 <a:ext uri="{C183D7F6-B498-43B3-948B-1728B52AA6E4}">
-                  <adec:decorative xmlns:adec="http://schemas.microsoft.com/office/drawing/2017/decorative" xmlns="" val="1"/>
+                  <adec:decorative xmlns:adec="http://schemas.microsoft.com/office/drawing/2017/decorative" val="1"/>
                 </a:ext>
               </a:extLst>
             </p:cNvPr>
@@ -32126,6 +31637,13 @@
               <a:noFill/>
             </a:ln>
           </p:spPr>
+          <p:txBody>
+            <a:bodyPr/>
+            <a:lstStyle/>
+            <a:p>
+              <a:endParaRPr lang="pt-BR"/>
+            </a:p>
+          </p:txBody>
         </p:sp>
         <p:sp>
           <p:nvSpPr>
@@ -32135,7 +31653,7 @@
                   <a16:creationId xmlns:a16="http://schemas.microsoft.com/office/drawing/2014/main" id="{10306E52-A922-4458-BCCE-C3C840CC7556}"/>
                 </a:ext>
                 <a:ext uri="{C183D7F6-B498-43B3-948B-1728B52AA6E4}">
-                  <adec:decorative xmlns:adec="http://schemas.microsoft.com/office/drawing/2017/decorative" xmlns="" val="1"/>
+                  <adec:decorative xmlns:adec="http://schemas.microsoft.com/office/drawing/2017/decorative" val="1"/>
                 </a:ext>
               </a:extLst>
             </p:cNvPr>
@@ -32210,6 +31728,13 @@
               <a:noFill/>
             </a:ln>
           </p:spPr>
+          <p:txBody>
+            <a:bodyPr/>
+            <a:lstStyle/>
+            <a:p>
+              <a:endParaRPr lang="pt-BR"/>
+            </a:p>
+          </p:txBody>
         </p:sp>
         <p:sp>
           <p:nvSpPr>
@@ -32219,7 +31744,7 @@
                   <a16:creationId xmlns:a16="http://schemas.microsoft.com/office/drawing/2014/main" id="{CB578819-B7E7-4250-932F-52AE2A2A9A57}"/>
                 </a:ext>
                 <a:ext uri="{C183D7F6-B498-43B3-948B-1728B52AA6E4}">
-                  <adec:decorative xmlns:adec="http://schemas.microsoft.com/office/drawing/2017/decorative" xmlns="" val="1"/>
+                  <adec:decorative xmlns:adec="http://schemas.microsoft.com/office/drawing/2017/decorative" val="1"/>
                 </a:ext>
               </a:extLst>
             </p:cNvPr>
@@ -32309,6 +31834,13 @@
               <a:noFill/>
             </a:ln>
           </p:spPr>
+          <p:txBody>
+            <a:bodyPr/>
+            <a:lstStyle/>
+            <a:p>
+              <a:endParaRPr lang="pt-BR"/>
+            </a:p>
+          </p:txBody>
         </p:sp>
         <p:sp>
           <p:nvSpPr>
@@ -32318,7 +31850,7 @@
                   <a16:creationId xmlns:a16="http://schemas.microsoft.com/office/drawing/2014/main" id="{454B9C91-B623-424A-B16E-F764F189D300}"/>
                 </a:ext>
                 <a:ext uri="{C183D7F6-B498-43B3-948B-1728B52AA6E4}">
-                  <adec:decorative xmlns:adec="http://schemas.microsoft.com/office/drawing/2017/decorative" xmlns="" val="1"/>
+                  <adec:decorative xmlns:adec="http://schemas.microsoft.com/office/drawing/2017/decorative" val="1"/>
                 </a:ext>
               </a:extLst>
             </p:cNvPr>
@@ -32418,6 +31950,13 @@
               <a:noFill/>
             </a:ln>
           </p:spPr>
+          <p:txBody>
+            <a:bodyPr/>
+            <a:lstStyle/>
+            <a:p>
+              <a:endParaRPr lang="pt-BR"/>
+            </a:p>
+          </p:txBody>
         </p:sp>
         <p:sp>
           <p:nvSpPr>
@@ -32427,7 +31966,7 @@
                   <a16:creationId xmlns:a16="http://schemas.microsoft.com/office/drawing/2014/main" id="{EFD03C4A-8484-41E6-B458-032F1DCA70AA}"/>
                 </a:ext>
                 <a:ext uri="{C183D7F6-B498-43B3-948B-1728B52AA6E4}">
-                  <adec:decorative xmlns:adec="http://schemas.microsoft.com/office/drawing/2017/decorative" xmlns="" val="1"/>
+                  <adec:decorative xmlns:adec="http://schemas.microsoft.com/office/drawing/2017/decorative" val="1"/>
                 </a:ext>
               </a:extLst>
             </p:cNvPr>
@@ -32482,6 +32021,13 @@
               <a:noFill/>
             </a:ln>
           </p:spPr>
+          <p:txBody>
+            <a:bodyPr/>
+            <a:lstStyle/>
+            <a:p>
+              <a:endParaRPr lang="pt-BR"/>
+            </a:p>
+          </p:txBody>
         </p:sp>
         <p:sp>
           <p:nvSpPr>
@@ -32491,7 +32037,7 @@
                   <a16:creationId xmlns:a16="http://schemas.microsoft.com/office/drawing/2014/main" id="{DDC2F3C3-1D4E-4913-9C5C-F9A65B47E5CA}"/>
                 </a:ext>
                 <a:ext uri="{C183D7F6-B498-43B3-948B-1728B52AA6E4}">
-                  <adec:decorative xmlns:adec="http://schemas.microsoft.com/office/drawing/2017/decorative" xmlns="" val="1"/>
+                  <adec:decorative xmlns:adec="http://schemas.microsoft.com/office/drawing/2017/decorative" val="1"/>
                 </a:ext>
               </a:extLst>
             </p:cNvPr>
@@ -32561,6 +32107,13 @@
               <a:noFill/>
             </a:ln>
           </p:spPr>
+          <p:txBody>
+            <a:bodyPr/>
+            <a:lstStyle/>
+            <a:p>
+              <a:endParaRPr lang="pt-BR"/>
+            </a:p>
+          </p:txBody>
         </p:sp>
         <p:sp>
           <p:nvSpPr>
@@ -32570,7 +32123,7 @@
                   <a16:creationId xmlns:a16="http://schemas.microsoft.com/office/drawing/2014/main" id="{1E15BCA2-2420-4C53-ADE9-40FBAC238443}"/>
                 </a:ext>
                 <a:ext uri="{C183D7F6-B498-43B3-948B-1728B52AA6E4}">
-                  <adec:decorative xmlns:adec="http://schemas.microsoft.com/office/drawing/2017/decorative" xmlns="" val="1"/>
+                  <adec:decorative xmlns:adec="http://schemas.microsoft.com/office/drawing/2017/decorative" val="1"/>
                 </a:ext>
               </a:extLst>
             </p:cNvPr>
@@ -32685,6 +32238,13 @@
               <a:noFill/>
             </a:ln>
           </p:spPr>
+          <p:txBody>
+            <a:bodyPr/>
+            <a:lstStyle/>
+            <a:p>
+              <a:endParaRPr lang="pt-BR"/>
+            </a:p>
+          </p:txBody>
         </p:sp>
         <p:sp>
           <p:nvSpPr>
@@ -32694,7 +32254,7 @@
                   <a16:creationId xmlns:a16="http://schemas.microsoft.com/office/drawing/2014/main" id="{73D5FBF4-7129-4C51-B603-E3BC3341951B}"/>
                 </a:ext>
                 <a:ext uri="{C183D7F6-B498-43B3-948B-1728B52AA6E4}">
-                  <adec:decorative xmlns:adec="http://schemas.microsoft.com/office/drawing/2017/decorative" xmlns="" val="1"/>
+                  <adec:decorative xmlns:adec="http://schemas.microsoft.com/office/drawing/2017/decorative" val="1"/>
                 </a:ext>
               </a:extLst>
             </p:cNvPr>
@@ -32749,6 +32309,13 @@
               <a:noFill/>
             </a:ln>
           </p:spPr>
+          <p:txBody>
+            <a:bodyPr/>
+            <a:lstStyle/>
+            <a:p>
+              <a:endParaRPr lang="pt-BR"/>
+            </a:p>
+          </p:txBody>
         </p:sp>
         <p:sp>
           <p:nvSpPr>
@@ -32758,7 +32325,7 @@
                   <a16:creationId xmlns:a16="http://schemas.microsoft.com/office/drawing/2014/main" id="{0165B164-CE2A-494C-88FC-507232B37C08}"/>
                 </a:ext>
                 <a:ext uri="{C183D7F6-B498-43B3-948B-1728B52AA6E4}">
-                  <adec:decorative xmlns:adec="http://schemas.microsoft.com/office/drawing/2017/decorative" xmlns="" val="1"/>
+                  <adec:decorative xmlns:adec="http://schemas.microsoft.com/office/drawing/2017/decorative" val="1"/>
                 </a:ext>
               </a:extLst>
             </p:cNvPr>
@@ -32833,6 +32400,13 @@
               <a:noFill/>
             </a:ln>
           </p:spPr>
+          <p:txBody>
+            <a:bodyPr/>
+            <a:lstStyle/>
+            <a:p>
+              <a:endParaRPr lang="pt-BR"/>
+            </a:p>
+          </p:txBody>
         </p:sp>
         <p:sp>
           <p:nvSpPr>
@@ -32842,7 +32416,7 @@
                   <a16:creationId xmlns:a16="http://schemas.microsoft.com/office/drawing/2014/main" id="{87F127E5-B10B-4D18-BCF0-E7C3C7F401EC}"/>
                 </a:ext>
                 <a:ext uri="{C183D7F6-B498-43B3-948B-1728B52AA6E4}">
-                  <adec:decorative xmlns:adec="http://schemas.microsoft.com/office/drawing/2017/decorative" xmlns="" val="1"/>
+                  <adec:decorative xmlns:adec="http://schemas.microsoft.com/office/drawing/2017/decorative" val="1"/>
                 </a:ext>
               </a:extLst>
             </p:cNvPr>
@@ -32912,6 +32486,13 @@
               <a:noFill/>
             </a:ln>
           </p:spPr>
+          <p:txBody>
+            <a:bodyPr/>
+            <a:lstStyle/>
+            <a:p>
+              <a:endParaRPr lang="pt-BR"/>
+            </a:p>
+          </p:txBody>
         </p:sp>
         <p:sp>
           <p:nvSpPr>
@@ -32921,7 +32502,7 @@
                   <a16:creationId xmlns:a16="http://schemas.microsoft.com/office/drawing/2014/main" id="{FC692D59-F28D-4E42-B435-225F2C6CFA31}"/>
                 </a:ext>
                 <a:ext uri="{C183D7F6-B498-43B3-948B-1728B52AA6E4}">
-                  <adec:decorative xmlns:adec="http://schemas.microsoft.com/office/drawing/2017/decorative" xmlns="" val="1"/>
+                  <adec:decorative xmlns:adec="http://schemas.microsoft.com/office/drawing/2017/decorative" val="1"/>
                 </a:ext>
               </a:extLst>
             </p:cNvPr>
@@ -32996,6 +32577,13 @@
               <a:noFill/>
             </a:ln>
           </p:spPr>
+          <p:txBody>
+            <a:bodyPr/>
+            <a:lstStyle/>
+            <a:p>
+              <a:endParaRPr lang="pt-BR"/>
+            </a:p>
+          </p:txBody>
         </p:sp>
       </p:grpSp>
       <p:sp>
@@ -33006,7 +32594,7 @@
                 <a16:creationId xmlns:a16="http://schemas.microsoft.com/office/drawing/2014/main" id="{1996130F-9AB5-4DE9-8574-3AF891C5C172}"/>
               </a:ext>
               <a:ext uri="{C183D7F6-B498-43B3-948B-1728B52AA6E4}">
-                <adec:decorative xmlns:adec="http://schemas.microsoft.com/office/drawing/2017/decorative" xmlns="" val="1"/>
+                <adec:decorative xmlns:adec="http://schemas.microsoft.com/office/drawing/2017/decorative" val="1"/>
               </a:ext>
             </a:extLst>
           </p:cNvPr>
@@ -33051,6 +32639,13 @@
             <a:schemeClr val="lt1"/>
           </a:fontRef>
         </p:style>
+        <p:txBody>
+          <a:bodyPr/>
+          <a:lstStyle/>
+          <a:p>
+            <a:endParaRPr lang="pt-BR"/>
+          </a:p>
+        </p:txBody>
       </p:sp>
       <p:sp>
         <p:nvSpPr>
@@ -33060,7 +32655,7 @@
                 <a16:creationId xmlns:a16="http://schemas.microsoft.com/office/drawing/2014/main" id="{7326F4E6-9131-42DA-97B2-0BA8D1E258AD}"/>
               </a:ext>
               <a:ext uri="{C183D7F6-B498-43B3-948B-1728B52AA6E4}">
-                <adec:decorative xmlns:adec="http://schemas.microsoft.com/office/drawing/2017/decorative" xmlns="" val="1"/>
+                <adec:decorative xmlns:adec="http://schemas.microsoft.com/office/drawing/2017/decorative" val="1"/>
               </a:ext>
             </a:extLst>
           </p:cNvPr>
@@ -33150,6 +32745,13 @@
             <a:noFill/>
           </a:ln>
         </p:spPr>
+        <p:txBody>
+          <a:bodyPr/>
+          <a:lstStyle/>
+          <a:p>
+            <a:endParaRPr lang="pt-BR"/>
+          </a:p>
+        </p:txBody>
       </p:sp>
       <p:sp useBgFill="1">
         <p:nvSpPr>
@@ -33159,7 +32761,7 @@
                 <a16:creationId xmlns:a16="http://schemas.microsoft.com/office/drawing/2014/main" id="{3F4C104D-5F30-4811-9376-566B26E4719A}"/>
               </a:ext>
               <a:ext uri="{C183D7F6-B498-43B3-948B-1728B52AA6E4}">
-                <adec:decorative xmlns:adec="http://schemas.microsoft.com/office/drawing/2017/decorative" xmlns="" val="1"/>
+                <adec:decorative xmlns:adec="http://schemas.microsoft.com/office/drawing/2017/decorative" val="1"/>
               </a:ext>
             </a:extLst>
           </p:cNvPr>
@@ -33266,7 +32868,7 @@
                 <a16:creationId xmlns:a16="http://schemas.microsoft.com/office/drawing/2014/main" id="{0815E34B-5D02-4E01-A936-E8E1C0AB6F12}"/>
               </a:ext>
               <a:ext uri="{C183D7F6-B498-43B3-948B-1728B52AA6E4}">
-                <adec:decorative xmlns:adec="http://schemas.microsoft.com/office/drawing/2017/decorative" xmlns="" val="1"/>
+                <adec:decorative xmlns:adec="http://schemas.microsoft.com/office/drawing/2017/decorative" val="1"/>
               </a:ext>
             </a:extLst>
           </p:cNvPr>
@@ -33311,6 +32913,13 @@
             <a:schemeClr val="lt1"/>
           </a:fontRef>
         </p:style>
+        <p:txBody>
+          <a:bodyPr/>
+          <a:lstStyle/>
+          <a:p>
+            <a:endParaRPr lang="pt-BR"/>
+          </a:p>
+        </p:txBody>
       </p:sp>
       <p:sp>
         <p:nvSpPr>
@@ -33365,37 +32974,6 @@
           </a:p>
         </p:txBody>
       </p:sp>
-      <p:pic>
-        <p:nvPicPr>
-          <p:cNvPr id="8" name="Espaço Reservado para Conteúdo 7">
-            <a:extLst>
-              <a:ext uri="{FF2B5EF4-FFF2-40B4-BE49-F238E27FC236}">
-                <a16:creationId xmlns:a16="http://schemas.microsoft.com/office/drawing/2014/main" id="{C7A7816F-E0C5-5A55-CF4E-8F7E94B9A2A5}"/>
-              </a:ext>
-            </a:extLst>
-          </p:cNvPr>
-          <p:cNvPicPr>
-            <a:picLocks noGrp="1" noChangeAspect="1"/>
-          </p:cNvPicPr>
-          <p:nvPr>
-            <p:ph idx="1"/>
-          </p:nvPr>
-        </p:nvPicPr>
-        <p:blipFill rotWithShape="1">
-          <a:blip r:embed="rId2"/>
-          <a:srcRect b="55857"/>
-          <a:stretch/>
-        </p:blipFill>
-        <p:spPr>
-          <a:xfrm>
-            <a:off x="6446510" y="285750"/>
-            <a:ext cx="4081768" cy="2860050"/>
-          </a:xfrm>
-          <a:prstGeom prst="rect">
-            <a:avLst/>
-          </a:prstGeom>
-        </p:spPr>
-      </p:pic>
       <p:sp>
         <p:nvSpPr>
           <p:cNvPr id="49" name="Freeform 11">
@@ -33404,7 +32982,7 @@
                 <a16:creationId xmlns:a16="http://schemas.microsoft.com/office/drawing/2014/main" id="{7DE3414B-B032-4710-A468-D3285E38C5FF}"/>
               </a:ext>
               <a:ext uri="{C183D7F6-B498-43B3-948B-1728B52AA6E4}">
-                <adec:decorative xmlns:adec="http://schemas.microsoft.com/office/drawing/2017/decorative" xmlns="" val="1"/>
+                <adec:decorative xmlns:adec="http://schemas.microsoft.com/office/drawing/2017/decorative" val="1"/>
               </a:ext>
             </a:extLst>
           </p:cNvPr>
@@ -33734,7 +33312,7 @@
           <p:nvPr/>
         </p:nvPicPr>
         <p:blipFill rotWithShape="1">
-          <a:blip r:embed="rId3"/>
+          <a:blip r:embed="rId2"/>
           <a:srcRect t="11804"/>
           <a:stretch/>
         </p:blipFill>
@@ -33908,6 +33486,36 @@
       </p:sp>
       <p:pic>
         <p:nvPicPr>
+          <p:cNvPr id="6" name="Imagem 5">
+            <a:extLst>
+              <a:ext uri="{FF2B5EF4-FFF2-40B4-BE49-F238E27FC236}">
+                <a16:creationId xmlns:a16="http://schemas.microsoft.com/office/drawing/2014/main" id="{61EC79B9-EBF8-8B39-44B9-2C02C4C3CF70}"/>
+              </a:ext>
+            </a:extLst>
+          </p:cNvPr>
+          <p:cNvPicPr>
+            <a:picLocks noChangeAspect="1"/>
+          </p:cNvPicPr>
+          <p:nvPr/>
+        </p:nvPicPr>
+        <p:blipFill>
+          <a:blip r:embed="rId3"/>
+          <a:stretch>
+            <a:fillRect/>
+          </a:stretch>
+        </p:blipFill>
+        <p:spPr>
+          <a:xfrm>
+            <a:off x="6429707" y="563726"/>
+            <a:ext cx="4115374" cy="2324424"/>
+          </a:xfrm>
+          <a:prstGeom prst="rect">
+            <a:avLst/>
+          </a:prstGeom>
+        </p:spPr>
+      </p:pic>
+      <p:pic>
+        <p:nvPicPr>
           <p:cNvPr id="48" name="Imagem 47">
             <a:extLst>
               <a:ext uri="{FF2B5EF4-FFF2-40B4-BE49-F238E27FC236}">
@@ -34049,7 +33657,7 @@
                                       <p:cBhvr>
                                         <p:cTn id="12" dur="500"/>
                                         <p:tgtEl>
-                                          <p:spTgt spid="8"/>
+                                          <p:spTgt spid="6"/>
                                         </p:tgtEl>
                                       </p:cBhvr>
                                     </p:animEffect>
@@ -34061,7 +33669,7 @@
                                           </p:stCondLst>
                                         </p:cTn>
                                         <p:tgtEl>
-                                          <p:spTgt spid="8"/>
+                                          <p:spTgt spid="6"/>
                                         </p:tgtEl>
                                         <p:attrNameLst>
                                           <p:attrName>style.visibility</p:attrName>
@@ -34652,13 +34260,13 @@
         </p:nvSpPr>
         <p:spPr>
           <a:xfrm>
-            <a:off x="1722267" y="1444340"/>
+            <a:off x="1703191" y="1894473"/>
             <a:ext cx="3292295" cy="1091954"/>
           </a:xfrm>
           <a:prstGeom prst="wedgeRoundRectCallout">
             <a:avLst>
-              <a:gd name="adj1" fmla="val 70113"/>
-              <a:gd name="adj2" fmla="val -34965"/>
+              <a:gd name="adj1" fmla="val 72809"/>
+              <a:gd name="adj2" fmla="val -52038"/>
               <a:gd name="adj3" fmla="val 16667"/>
             </a:avLst>
           </a:prstGeom>
@@ -35536,36 +35144,6 @@
           </a:p>
         </p:txBody>
       </p:sp>
-      <p:pic>
-        <p:nvPicPr>
-          <p:cNvPr id="6" name="Imagem 5">
-            <a:extLst>
-              <a:ext uri="{FF2B5EF4-FFF2-40B4-BE49-F238E27FC236}">
-                <a16:creationId xmlns:a16="http://schemas.microsoft.com/office/drawing/2014/main" id="{E3359FB5-C3A6-3520-60A9-C861A33EB4B5}"/>
-              </a:ext>
-            </a:extLst>
-          </p:cNvPr>
-          <p:cNvPicPr>
-            <a:picLocks noChangeAspect="1"/>
-          </p:cNvPicPr>
-          <p:nvPr/>
-        </p:nvPicPr>
-        <p:blipFill>
-          <a:blip r:embed="rId2"/>
-          <a:stretch>
-            <a:fillRect/>
-          </a:stretch>
-        </p:blipFill>
-        <p:spPr>
-          <a:xfrm>
-            <a:off x="3484620" y="85725"/>
-            <a:ext cx="5222759" cy="6743700"/>
-          </a:xfrm>
-          <a:prstGeom prst="rect">
-            <a:avLst/>
-          </a:prstGeom>
-        </p:spPr>
-      </p:pic>
       <p:sp>
         <p:nvSpPr>
           <p:cNvPr id="7" name="Balão de Fala: Retângulo com Cantos Arredondados 6">
@@ -35619,6 +35197,36 @@
           </a:p>
         </p:txBody>
       </p:sp>
+      <p:pic>
+        <p:nvPicPr>
+          <p:cNvPr id="3" name="Imagem 2">
+            <a:extLst>
+              <a:ext uri="{FF2B5EF4-FFF2-40B4-BE49-F238E27FC236}">
+                <a16:creationId xmlns:a16="http://schemas.microsoft.com/office/drawing/2014/main" id="{13D2DCA2-870A-4451-699A-D3719F590590}"/>
+              </a:ext>
+            </a:extLst>
+          </p:cNvPr>
+          <p:cNvPicPr>
+            <a:picLocks noChangeAspect="1"/>
+          </p:cNvPicPr>
+          <p:nvPr/>
+        </p:nvPicPr>
+        <p:blipFill>
+          <a:blip r:embed="rId2"/>
+          <a:stretch>
+            <a:fillRect/>
+          </a:stretch>
+        </p:blipFill>
+        <p:spPr>
+          <a:xfrm>
+            <a:off x="3571133" y="82296"/>
+            <a:ext cx="5049733" cy="6693408"/>
+          </a:xfrm>
+          <a:prstGeom prst="rect">
+            <a:avLst/>
+          </a:prstGeom>
+        </p:spPr>
+      </p:pic>
       <p:pic>
         <p:nvPicPr>
           <p:cNvPr id="9" name="Picture 4" descr="Cadastro - ícones de arquivos e pastas grátis">
@@ -35742,59 +35350,24 @@
                                   </p:childTnLst>
                                 </p:cTn>
                               </p:par>
+                            </p:childTnLst>
+                          </p:cTn>
+                        </p:par>
+                        <p:par>
+                          <p:cTn id="8" fill="hold">
+                            <p:stCondLst>
+                              <p:cond delay="500"/>
+                            </p:stCondLst>
+                            <p:childTnLst>
                               <p:par>
-                                <p:cTn id="8" presetID="22" presetClass="entr" presetSubtype="4" fill="hold" nodeType="withEffect">
+                                <p:cTn id="9" presetID="53" presetClass="entr" presetSubtype="16" fill="hold" nodeType="afterEffect">
                                   <p:stCondLst>
                                     <p:cond delay="0"/>
                                   </p:stCondLst>
                                   <p:childTnLst>
                                     <p:set>
                                       <p:cBhvr>
-                                        <p:cTn id="9" dur="1" fill="hold">
-                                          <p:stCondLst>
-                                            <p:cond delay="0"/>
-                                          </p:stCondLst>
-                                        </p:cTn>
-                                        <p:tgtEl>
-                                          <p:spTgt spid="6"/>
-                                        </p:tgtEl>
-                                        <p:attrNameLst>
-                                          <p:attrName>style.visibility</p:attrName>
-                                        </p:attrNameLst>
-                                      </p:cBhvr>
-                                      <p:to>
-                                        <p:strVal val="visible"/>
-                                      </p:to>
-                                    </p:set>
-                                    <p:animEffect transition="in" filter="wipe(down)">
-                                      <p:cBhvr>
-                                        <p:cTn id="10" dur="500"/>
-                                        <p:tgtEl>
-                                          <p:spTgt spid="6"/>
-                                        </p:tgtEl>
-                                      </p:cBhvr>
-                                    </p:animEffect>
-                                  </p:childTnLst>
-                                </p:cTn>
-                              </p:par>
-                            </p:childTnLst>
-                          </p:cTn>
-                        </p:par>
-                        <p:par>
-                          <p:cTn id="11" fill="hold">
-                            <p:stCondLst>
-                              <p:cond delay="500"/>
-                            </p:stCondLst>
-                            <p:childTnLst>
-                              <p:par>
-                                <p:cTn id="12" presetID="53" presetClass="entr" presetSubtype="16" fill="hold" nodeType="afterEffect">
-                                  <p:stCondLst>
-                                    <p:cond delay="0"/>
-                                  </p:stCondLst>
-                                  <p:childTnLst>
-                                    <p:set>
-                                      <p:cBhvr>
-                                        <p:cTn id="13" dur="1" fill="hold">
+                                        <p:cTn id="10" dur="1" fill="hold">
                                           <p:stCondLst>
                                             <p:cond delay="0"/>
                                           </p:stCondLst>
@@ -35812,7 +35385,7 @@
                                     </p:set>
                                     <p:anim calcmode="lin" valueType="num">
                                       <p:cBhvr>
-                                        <p:cTn id="14" dur="500" fill="hold"/>
+                                        <p:cTn id="11" dur="500" fill="hold"/>
                                         <p:tgtEl>
                                           <p:spTgt spid="9"/>
                                         </p:tgtEl>
@@ -35835,7 +35408,7 @@
                                     </p:anim>
                                     <p:anim calcmode="lin" valueType="num">
                                       <p:cBhvr>
-                                        <p:cTn id="15" dur="500" fill="hold"/>
+                                        <p:cTn id="12" dur="500" fill="hold"/>
                                         <p:tgtEl>
                                           <p:spTgt spid="9"/>
                                         </p:tgtEl>
@@ -35858,7 +35431,7 @@
                                     </p:anim>
                                     <p:animEffect transition="in" filter="fade">
                                       <p:cBhvr>
-                                        <p:cTn id="16" dur="500"/>
+                                        <p:cTn id="13" dur="500"/>
                                         <p:tgtEl>
                                           <p:spTgt spid="9"/>
                                         </p:tgtEl>
@@ -35868,14 +35441,14 @@
                                 </p:cTn>
                               </p:par>
                               <p:par>
-                                <p:cTn id="17" presetID="10" presetClass="entr" presetSubtype="0" fill="hold" grpId="0" nodeType="withEffect">
+                                <p:cTn id="14" presetID="10" presetClass="entr" presetSubtype="0" fill="hold" grpId="0" nodeType="withEffect">
                                   <p:stCondLst>
                                     <p:cond delay="0"/>
                                   </p:stCondLst>
                                   <p:childTnLst>
                                     <p:set>
                                       <p:cBhvr>
-                                        <p:cTn id="18" dur="1" fill="hold">
+                                        <p:cTn id="15" dur="1" fill="hold">
                                           <p:stCondLst>
                                             <p:cond delay="0"/>
                                           </p:stCondLst>
@@ -35893,7 +35466,7 @@
                                     </p:set>
                                     <p:animEffect transition="in" filter="fade">
                                       <p:cBhvr>
-                                        <p:cTn id="19" dur="500"/>
+                                        <p:cTn id="16" dur="500"/>
                                         <p:tgtEl>
                                           <p:spTgt spid="7"/>
                                         </p:tgtEl>
